--- a/Project Presentation.pptx
+++ b/Project Presentation.pptx
@@ -5,7 +5,7 @@
     <p:sldMasterId id="2147483648" r:id="rId1"/>
   </p:sldMasterIdLst>
   <p:notesMasterIdLst>
-    <p:notesMasterId r:id="rId12"/>
+    <p:notesMasterId r:id="rId11"/>
   </p:notesMasterIdLst>
   <p:sldIdLst>
     <p:sldId id="256" r:id="rId2"/>
@@ -14,10 +14,9 @@
     <p:sldId id="279" r:id="rId5"/>
     <p:sldId id="257" r:id="rId6"/>
     <p:sldId id="285" r:id="rId7"/>
-    <p:sldId id="260" r:id="rId8"/>
-    <p:sldId id="261" r:id="rId9"/>
-    <p:sldId id="263" r:id="rId10"/>
-    <p:sldId id="281" r:id="rId11"/>
+    <p:sldId id="261" r:id="rId8"/>
+    <p:sldId id="263" r:id="rId9"/>
+    <p:sldId id="281" r:id="rId10"/>
   </p:sldIdLst>
   <p:sldSz cx="12192000" cy="6858000"/>
   <p:notesSz cx="6858000" cy="9144000"/>
@@ -118,7 +117,7 @@
   </p:defaultTextStyle>
   <p:extLst>
     <p:ext uri="{EFAFB233-063F-42B5-8137-9DF3F51BA10A}">
-      <p15:sldGuideLst xmlns="" xmlns:p15="http://schemas.microsoft.com/office/powerpoint/2012/main"/>
+      <p15:sldGuideLst xmlns:p15="http://schemas.microsoft.com/office/powerpoint/2012/main" xmlns=""/>
     </p:ext>
   </p:extLst>
 </p:presentation>
@@ -207,7 +206,7 @@
             <a:fld id="{57B09F34-BFC7-43E0-86F8-1A76798D3E39}" type="datetimeFigureOut">
               <a:rPr lang="en-US" smtClean="0"/>
               <a:pPr/>
-              <a:t>9/25/2023</a:t>
+              <a:t>10/4/2023</a:t>
             </a:fld>
             <a:endParaRPr lang="en-US"/>
           </a:p>
@@ -375,7 +374,7 @@
     </p:spTree>
     <p:extLst>
       <p:ext uri="{BB962C8B-B14F-4D97-AF65-F5344CB8AC3E}">
-        <p14:creationId xmlns="" xmlns:p14="http://schemas.microsoft.com/office/powerpoint/2010/main" val="1425804734"/>
+        <p14:creationId xmlns:p14="http://schemas.microsoft.com/office/powerpoint/2010/main" xmlns="" val="1425804734"/>
       </p:ext>
     </p:extLst>
   </p:cSld>
@@ -556,7 +555,7 @@
     </p:spTree>
     <p:extLst>
       <p:ext uri="{BB962C8B-B14F-4D97-AF65-F5344CB8AC3E}">
-        <p14:creationId xmlns="" xmlns:p14="http://schemas.microsoft.com/office/powerpoint/2010/main" val="1940799832"/>
+        <p14:creationId xmlns:p14="http://schemas.microsoft.com/office/powerpoint/2010/main" xmlns="" val="1940799832"/>
       </p:ext>
     </p:extLst>
   </p:cSld>
@@ -641,7 +640,7 @@
     </p:spTree>
     <p:extLst>
       <p:ext uri="{BB962C8B-B14F-4D97-AF65-F5344CB8AC3E}">
-        <p14:creationId xmlns="" xmlns:p14="http://schemas.microsoft.com/office/powerpoint/2010/main" val="482905656"/>
+        <p14:creationId xmlns:p14="http://schemas.microsoft.com/office/powerpoint/2010/main" xmlns="" val="482905656"/>
       </p:ext>
     </p:extLst>
   </p:cSld>
@@ -673,7 +672,7 @@
           <p:cNvPr id="2" name="Title 1">
             <a:extLst>
               <a:ext uri="{FF2B5EF4-FFF2-40B4-BE49-F238E27FC236}">
-                <a16:creationId xmlns="" xmlns:a16="http://schemas.microsoft.com/office/drawing/2014/main" id="{E4203102-6ADF-4665-BD7C-2E79D40ED16E}"/>
+                <a16:creationId xmlns:a16="http://schemas.microsoft.com/office/drawing/2014/main" xmlns="" id="{E4203102-6ADF-4665-BD7C-2E79D40ED16E}"/>
               </a:ext>
             </a:extLst>
           </p:cNvPr>
@@ -710,7 +709,7 @@
           <p:cNvPr id="3" name="Subtitle 2">
             <a:extLst>
               <a:ext uri="{FF2B5EF4-FFF2-40B4-BE49-F238E27FC236}">
-                <a16:creationId xmlns="" xmlns:a16="http://schemas.microsoft.com/office/drawing/2014/main" id="{9F8EA4B5-02A3-495C-8B09-169C6888F16B}"/>
+                <a16:creationId xmlns:a16="http://schemas.microsoft.com/office/drawing/2014/main" xmlns="" id="{9F8EA4B5-02A3-495C-8B09-169C6888F16B}"/>
               </a:ext>
             </a:extLst>
           </p:cNvPr>
@@ -780,7 +779,7 @@
           <p:cNvPr id="4" name="Date Placeholder 3">
             <a:extLst>
               <a:ext uri="{FF2B5EF4-FFF2-40B4-BE49-F238E27FC236}">
-                <a16:creationId xmlns="" xmlns:a16="http://schemas.microsoft.com/office/drawing/2014/main" id="{BECEC21D-BD53-4C70-BB34-B68446D1589F}"/>
+                <a16:creationId xmlns:a16="http://schemas.microsoft.com/office/drawing/2014/main" xmlns="" id="{BECEC21D-BD53-4C70-BB34-B68446D1589F}"/>
               </a:ext>
             </a:extLst>
           </p:cNvPr>
@@ -799,7 +798,7 @@
             <a:fld id="{13F1D176-8A9A-45C3-9EE3-648356366E21}" type="datetimeFigureOut">
               <a:rPr lang="en-US" smtClean="0"/>
               <a:pPr/>
-              <a:t>9/25/2023</a:t>
+              <a:t>10/4/2023</a:t>
             </a:fld>
             <a:endParaRPr lang="en-US"/>
           </a:p>
@@ -810,7 +809,7 @@
           <p:cNvPr id="5" name="Footer Placeholder 4">
             <a:extLst>
               <a:ext uri="{FF2B5EF4-FFF2-40B4-BE49-F238E27FC236}">
-                <a16:creationId xmlns="" xmlns:a16="http://schemas.microsoft.com/office/drawing/2014/main" id="{EFEDC370-DCD1-42C7-9B19-38DED033E722}"/>
+                <a16:creationId xmlns:a16="http://schemas.microsoft.com/office/drawing/2014/main" xmlns="" id="{EFEDC370-DCD1-42C7-9B19-38DED033E722}"/>
               </a:ext>
             </a:extLst>
           </p:cNvPr>
@@ -835,7 +834,7 @@
           <p:cNvPr id="6" name="Slide Number Placeholder 5">
             <a:extLst>
               <a:ext uri="{FF2B5EF4-FFF2-40B4-BE49-F238E27FC236}">
-                <a16:creationId xmlns="" xmlns:a16="http://schemas.microsoft.com/office/drawing/2014/main" id="{B79E99D4-F3E8-4438-8761-6D5DDF61BECC}"/>
+                <a16:creationId xmlns:a16="http://schemas.microsoft.com/office/drawing/2014/main" xmlns="" id="{B79E99D4-F3E8-4438-8761-6D5DDF61BECC}"/>
               </a:ext>
             </a:extLst>
           </p:cNvPr>
@@ -863,7 +862,7 @@
     </p:spTree>
     <p:extLst>
       <p:ext uri="{BB962C8B-B14F-4D97-AF65-F5344CB8AC3E}">
-        <p14:creationId xmlns="" xmlns:p14="http://schemas.microsoft.com/office/powerpoint/2010/main" val="4075123932"/>
+        <p14:creationId xmlns:p14="http://schemas.microsoft.com/office/powerpoint/2010/main" xmlns="" val="4075123932"/>
       </p:ext>
     </p:extLst>
   </p:cSld>
@@ -895,7 +894,7 @@
           <p:cNvPr id="2" name="Title 1">
             <a:extLst>
               <a:ext uri="{FF2B5EF4-FFF2-40B4-BE49-F238E27FC236}">
-                <a16:creationId xmlns="" xmlns:a16="http://schemas.microsoft.com/office/drawing/2014/main" id="{8F7909DC-5CCF-44C9-9E7D-817E562B7618}"/>
+                <a16:creationId xmlns:a16="http://schemas.microsoft.com/office/drawing/2014/main" xmlns="" id="{8F7909DC-5CCF-44C9-9E7D-817E562B7618}"/>
               </a:ext>
             </a:extLst>
           </p:cNvPr>
@@ -923,7 +922,7 @@
           <p:cNvPr id="3" name="Vertical Text Placeholder 2">
             <a:extLst>
               <a:ext uri="{FF2B5EF4-FFF2-40B4-BE49-F238E27FC236}">
-                <a16:creationId xmlns="" xmlns:a16="http://schemas.microsoft.com/office/drawing/2014/main" id="{65E2A5D8-9496-4782-ABE3-13FFD3119807}"/>
+                <a16:creationId xmlns:a16="http://schemas.microsoft.com/office/drawing/2014/main" xmlns="" id="{65E2A5D8-9496-4782-ABE3-13FFD3119807}"/>
               </a:ext>
             </a:extLst>
           </p:cNvPr>
@@ -980,7 +979,7 @@
           <p:cNvPr id="4" name="Date Placeholder 3">
             <a:extLst>
               <a:ext uri="{FF2B5EF4-FFF2-40B4-BE49-F238E27FC236}">
-                <a16:creationId xmlns="" xmlns:a16="http://schemas.microsoft.com/office/drawing/2014/main" id="{138C7EB9-B943-4EF2-A112-C01932432DD5}"/>
+                <a16:creationId xmlns:a16="http://schemas.microsoft.com/office/drawing/2014/main" xmlns="" id="{138C7EB9-B943-4EF2-A112-C01932432DD5}"/>
               </a:ext>
             </a:extLst>
           </p:cNvPr>
@@ -999,7 +998,7 @@
             <a:fld id="{13F1D176-8A9A-45C3-9EE3-648356366E21}" type="datetimeFigureOut">
               <a:rPr lang="en-US" smtClean="0"/>
               <a:pPr/>
-              <a:t>9/25/2023</a:t>
+              <a:t>10/4/2023</a:t>
             </a:fld>
             <a:endParaRPr lang="en-US"/>
           </a:p>
@@ -1010,7 +1009,7 @@
           <p:cNvPr id="5" name="Footer Placeholder 4">
             <a:extLst>
               <a:ext uri="{FF2B5EF4-FFF2-40B4-BE49-F238E27FC236}">
-                <a16:creationId xmlns="" xmlns:a16="http://schemas.microsoft.com/office/drawing/2014/main" id="{4F432542-3ED8-4206-90F6-3B39860F1B60}"/>
+                <a16:creationId xmlns:a16="http://schemas.microsoft.com/office/drawing/2014/main" xmlns="" id="{4F432542-3ED8-4206-90F6-3B39860F1B60}"/>
               </a:ext>
             </a:extLst>
           </p:cNvPr>
@@ -1035,7 +1034,7 @@
           <p:cNvPr id="6" name="Slide Number Placeholder 5">
             <a:extLst>
               <a:ext uri="{FF2B5EF4-FFF2-40B4-BE49-F238E27FC236}">
-                <a16:creationId xmlns="" xmlns:a16="http://schemas.microsoft.com/office/drawing/2014/main" id="{F044E92C-A5B6-4170-904F-9D8F260A4FC5}"/>
+                <a16:creationId xmlns:a16="http://schemas.microsoft.com/office/drawing/2014/main" xmlns="" id="{F044E92C-A5B6-4170-904F-9D8F260A4FC5}"/>
               </a:ext>
             </a:extLst>
           </p:cNvPr>
@@ -1063,7 +1062,7 @@
     </p:spTree>
     <p:extLst>
       <p:ext uri="{BB962C8B-B14F-4D97-AF65-F5344CB8AC3E}">
-        <p14:creationId xmlns="" xmlns:p14="http://schemas.microsoft.com/office/powerpoint/2010/main" val="1433124506"/>
+        <p14:creationId xmlns:p14="http://schemas.microsoft.com/office/powerpoint/2010/main" xmlns="" val="1433124506"/>
       </p:ext>
     </p:extLst>
   </p:cSld>
@@ -1095,7 +1094,7 @@
           <p:cNvPr id="2" name="Vertical Title 1">
             <a:extLst>
               <a:ext uri="{FF2B5EF4-FFF2-40B4-BE49-F238E27FC236}">
-                <a16:creationId xmlns="" xmlns:a16="http://schemas.microsoft.com/office/drawing/2014/main" id="{A47A75F7-BEC3-46B8-A751-70448CE43D6F}"/>
+                <a16:creationId xmlns:a16="http://schemas.microsoft.com/office/drawing/2014/main" xmlns="" id="{A47A75F7-BEC3-46B8-A751-70448CE43D6F}"/>
               </a:ext>
             </a:extLst>
           </p:cNvPr>
@@ -1128,7 +1127,7 @@
           <p:cNvPr id="3" name="Vertical Text Placeholder 2">
             <a:extLst>
               <a:ext uri="{FF2B5EF4-FFF2-40B4-BE49-F238E27FC236}">
-                <a16:creationId xmlns="" xmlns:a16="http://schemas.microsoft.com/office/drawing/2014/main" id="{F1591018-7311-4B14-AD98-84A736EBB66E}"/>
+                <a16:creationId xmlns:a16="http://schemas.microsoft.com/office/drawing/2014/main" xmlns="" id="{F1591018-7311-4B14-AD98-84A736EBB66E}"/>
               </a:ext>
             </a:extLst>
           </p:cNvPr>
@@ -1190,7 +1189,7 @@
           <p:cNvPr id="4" name="Date Placeholder 3">
             <a:extLst>
               <a:ext uri="{FF2B5EF4-FFF2-40B4-BE49-F238E27FC236}">
-                <a16:creationId xmlns="" xmlns:a16="http://schemas.microsoft.com/office/drawing/2014/main" id="{AC6D0D6F-0717-4E7D-AA20-D2963444CDCB}"/>
+                <a16:creationId xmlns:a16="http://schemas.microsoft.com/office/drawing/2014/main" xmlns="" id="{AC6D0D6F-0717-4E7D-AA20-D2963444CDCB}"/>
               </a:ext>
             </a:extLst>
           </p:cNvPr>
@@ -1209,7 +1208,7 @@
             <a:fld id="{13F1D176-8A9A-45C3-9EE3-648356366E21}" type="datetimeFigureOut">
               <a:rPr lang="en-US" smtClean="0"/>
               <a:pPr/>
-              <a:t>9/25/2023</a:t>
+              <a:t>10/4/2023</a:t>
             </a:fld>
             <a:endParaRPr lang="en-US"/>
           </a:p>
@@ -1220,7 +1219,7 @@
           <p:cNvPr id="5" name="Footer Placeholder 4">
             <a:extLst>
               <a:ext uri="{FF2B5EF4-FFF2-40B4-BE49-F238E27FC236}">
-                <a16:creationId xmlns="" xmlns:a16="http://schemas.microsoft.com/office/drawing/2014/main" id="{FDE9DB63-1D5B-426D-8263-C38CC05CA488}"/>
+                <a16:creationId xmlns:a16="http://schemas.microsoft.com/office/drawing/2014/main" xmlns="" id="{FDE9DB63-1D5B-426D-8263-C38CC05CA488}"/>
               </a:ext>
             </a:extLst>
           </p:cNvPr>
@@ -1245,7 +1244,7 @@
           <p:cNvPr id="6" name="Slide Number Placeholder 5">
             <a:extLst>
               <a:ext uri="{FF2B5EF4-FFF2-40B4-BE49-F238E27FC236}">
-                <a16:creationId xmlns="" xmlns:a16="http://schemas.microsoft.com/office/drawing/2014/main" id="{A21C8235-2B81-4857-9102-B617D07C98A0}"/>
+                <a16:creationId xmlns:a16="http://schemas.microsoft.com/office/drawing/2014/main" xmlns="" id="{A21C8235-2B81-4857-9102-B617D07C98A0}"/>
               </a:ext>
             </a:extLst>
           </p:cNvPr>
@@ -1273,7 +1272,7 @@
     </p:spTree>
     <p:extLst>
       <p:ext uri="{BB962C8B-B14F-4D97-AF65-F5344CB8AC3E}">
-        <p14:creationId xmlns="" xmlns:p14="http://schemas.microsoft.com/office/powerpoint/2010/main" val="2578694096"/>
+        <p14:creationId xmlns:p14="http://schemas.microsoft.com/office/powerpoint/2010/main" xmlns="" val="2578694096"/>
       </p:ext>
     </p:extLst>
   </p:cSld>
@@ -1305,7 +1304,7 @@
           <p:cNvPr id="2" name="Title 1">
             <a:extLst>
               <a:ext uri="{FF2B5EF4-FFF2-40B4-BE49-F238E27FC236}">
-                <a16:creationId xmlns="" xmlns:a16="http://schemas.microsoft.com/office/drawing/2014/main" id="{D6391B5A-2381-4AD4-82B9-DB2908305D79}"/>
+                <a16:creationId xmlns:a16="http://schemas.microsoft.com/office/drawing/2014/main" xmlns="" id="{D6391B5A-2381-4AD4-82B9-DB2908305D79}"/>
               </a:ext>
             </a:extLst>
           </p:cNvPr>
@@ -1333,7 +1332,7 @@
           <p:cNvPr id="3" name="Content Placeholder 2">
             <a:extLst>
               <a:ext uri="{FF2B5EF4-FFF2-40B4-BE49-F238E27FC236}">
-                <a16:creationId xmlns="" xmlns:a16="http://schemas.microsoft.com/office/drawing/2014/main" id="{55BA7123-1677-4DA2-A7C8-3CEEEA35C279}"/>
+                <a16:creationId xmlns:a16="http://schemas.microsoft.com/office/drawing/2014/main" xmlns="" id="{55BA7123-1677-4DA2-A7C8-3CEEEA35C279}"/>
               </a:ext>
             </a:extLst>
           </p:cNvPr>
@@ -1390,7 +1389,7 @@
           <p:cNvPr id="4" name="Date Placeholder 3">
             <a:extLst>
               <a:ext uri="{FF2B5EF4-FFF2-40B4-BE49-F238E27FC236}">
-                <a16:creationId xmlns="" xmlns:a16="http://schemas.microsoft.com/office/drawing/2014/main" id="{936CFDB6-6B30-4085-9DA1-571E84F217B3}"/>
+                <a16:creationId xmlns:a16="http://schemas.microsoft.com/office/drawing/2014/main" xmlns="" id="{936CFDB6-6B30-4085-9DA1-571E84F217B3}"/>
               </a:ext>
             </a:extLst>
           </p:cNvPr>
@@ -1409,7 +1408,7 @@
             <a:fld id="{13F1D176-8A9A-45C3-9EE3-648356366E21}" type="datetimeFigureOut">
               <a:rPr lang="en-US" smtClean="0"/>
               <a:pPr/>
-              <a:t>9/25/2023</a:t>
+              <a:t>10/4/2023</a:t>
             </a:fld>
             <a:endParaRPr lang="en-US"/>
           </a:p>
@@ -1420,7 +1419,7 @@
           <p:cNvPr id="5" name="Footer Placeholder 4">
             <a:extLst>
               <a:ext uri="{FF2B5EF4-FFF2-40B4-BE49-F238E27FC236}">
-                <a16:creationId xmlns="" xmlns:a16="http://schemas.microsoft.com/office/drawing/2014/main" id="{4B02C6B3-0652-4E5F-9329-0EF699595AAC}"/>
+                <a16:creationId xmlns:a16="http://schemas.microsoft.com/office/drawing/2014/main" xmlns="" id="{4B02C6B3-0652-4E5F-9329-0EF699595AAC}"/>
               </a:ext>
             </a:extLst>
           </p:cNvPr>
@@ -1445,7 +1444,7 @@
           <p:cNvPr id="6" name="Slide Number Placeholder 5">
             <a:extLst>
               <a:ext uri="{FF2B5EF4-FFF2-40B4-BE49-F238E27FC236}">
-                <a16:creationId xmlns="" xmlns:a16="http://schemas.microsoft.com/office/drawing/2014/main" id="{BC89A7D7-817C-4DF3-9BA0-6F9C0EE228B5}"/>
+                <a16:creationId xmlns:a16="http://schemas.microsoft.com/office/drawing/2014/main" xmlns="" id="{BC89A7D7-817C-4DF3-9BA0-6F9C0EE228B5}"/>
               </a:ext>
             </a:extLst>
           </p:cNvPr>
@@ -1473,7 +1472,7 @@
     </p:spTree>
     <p:extLst>
       <p:ext uri="{BB962C8B-B14F-4D97-AF65-F5344CB8AC3E}">
-        <p14:creationId xmlns="" xmlns:p14="http://schemas.microsoft.com/office/powerpoint/2010/main" val="2684751480"/>
+        <p14:creationId xmlns:p14="http://schemas.microsoft.com/office/powerpoint/2010/main" xmlns="" val="2684751480"/>
       </p:ext>
     </p:extLst>
   </p:cSld>
@@ -1505,7 +1504,7 @@
           <p:cNvPr id="2" name="Title 1">
             <a:extLst>
               <a:ext uri="{FF2B5EF4-FFF2-40B4-BE49-F238E27FC236}">
-                <a16:creationId xmlns="" xmlns:a16="http://schemas.microsoft.com/office/drawing/2014/main" id="{6E46970D-7426-46D3-8C5E-EEBC8147FDCE}"/>
+                <a16:creationId xmlns:a16="http://schemas.microsoft.com/office/drawing/2014/main" xmlns="" id="{6E46970D-7426-46D3-8C5E-EEBC8147FDCE}"/>
               </a:ext>
             </a:extLst>
           </p:cNvPr>
@@ -1542,7 +1541,7 @@
           <p:cNvPr id="3" name="Text Placeholder 2">
             <a:extLst>
               <a:ext uri="{FF2B5EF4-FFF2-40B4-BE49-F238E27FC236}">
-                <a16:creationId xmlns="" xmlns:a16="http://schemas.microsoft.com/office/drawing/2014/main" id="{0CB91A1F-6909-4E19-A53F-782DFEE7AA2E}"/>
+                <a16:creationId xmlns:a16="http://schemas.microsoft.com/office/drawing/2014/main" xmlns="" id="{0CB91A1F-6909-4E19-A53F-782DFEE7AA2E}"/>
               </a:ext>
             </a:extLst>
           </p:cNvPr>
@@ -1667,7 +1666,7 @@
           <p:cNvPr id="4" name="Date Placeholder 3">
             <a:extLst>
               <a:ext uri="{FF2B5EF4-FFF2-40B4-BE49-F238E27FC236}">
-                <a16:creationId xmlns="" xmlns:a16="http://schemas.microsoft.com/office/drawing/2014/main" id="{F2A7CA63-83C6-47D0-8F8F-621134DFC252}"/>
+                <a16:creationId xmlns:a16="http://schemas.microsoft.com/office/drawing/2014/main" xmlns="" id="{F2A7CA63-83C6-47D0-8F8F-621134DFC252}"/>
               </a:ext>
             </a:extLst>
           </p:cNvPr>
@@ -1686,7 +1685,7 @@
             <a:fld id="{13F1D176-8A9A-45C3-9EE3-648356366E21}" type="datetimeFigureOut">
               <a:rPr lang="en-US" smtClean="0"/>
               <a:pPr/>
-              <a:t>9/25/2023</a:t>
+              <a:t>10/4/2023</a:t>
             </a:fld>
             <a:endParaRPr lang="en-US"/>
           </a:p>
@@ -1697,7 +1696,7 @@
           <p:cNvPr id="5" name="Footer Placeholder 4">
             <a:extLst>
               <a:ext uri="{FF2B5EF4-FFF2-40B4-BE49-F238E27FC236}">
-                <a16:creationId xmlns="" xmlns:a16="http://schemas.microsoft.com/office/drawing/2014/main" id="{425D4574-7B54-4F49-983A-B21C0886A6D6}"/>
+                <a16:creationId xmlns:a16="http://schemas.microsoft.com/office/drawing/2014/main" xmlns="" id="{425D4574-7B54-4F49-983A-B21C0886A6D6}"/>
               </a:ext>
             </a:extLst>
           </p:cNvPr>
@@ -1722,7 +1721,7 @@
           <p:cNvPr id="6" name="Slide Number Placeholder 5">
             <a:extLst>
               <a:ext uri="{FF2B5EF4-FFF2-40B4-BE49-F238E27FC236}">
-                <a16:creationId xmlns="" xmlns:a16="http://schemas.microsoft.com/office/drawing/2014/main" id="{E391EB90-B504-48E5-B8D6-9823EEBB37FC}"/>
+                <a16:creationId xmlns:a16="http://schemas.microsoft.com/office/drawing/2014/main" xmlns="" id="{E391EB90-B504-48E5-B8D6-9823EEBB37FC}"/>
               </a:ext>
             </a:extLst>
           </p:cNvPr>
@@ -1750,7 +1749,7 @@
     </p:spTree>
     <p:extLst>
       <p:ext uri="{BB962C8B-B14F-4D97-AF65-F5344CB8AC3E}">
-        <p14:creationId xmlns="" xmlns:p14="http://schemas.microsoft.com/office/powerpoint/2010/main" val="1830175838"/>
+        <p14:creationId xmlns:p14="http://schemas.microsoft.com/office/powerpoint/2010/main" xmlns="" val="1830175838"/>
       </p:ext>
     </p:extLst>
   </p:cSld>
@@ -1782,7 +1781,7 @@
           <p:cNvPr id="2" name="Title 1">
             <a:extLst>
               <a:ext uri="{FF2B5EF4-FFF2-40B4-BE49-F238E27FC236}">
-                <a16:creationId xmlns="" xmlns:a16="http://schemas.microsoft.com/office/drawing/2014/main" id="{445D0F3A-B3EC-400F-935E-C0A1451768AC}"/>
+                <a16:creationId xmlns:a16="http://schemas.microsoft.com/office/drawing/2014/main" xmlns="" id="{445D0F3A-B3EC-400F-935E-C0A1451768AC}"/>
               </a:ext>
             </a:extLst>
           </p:cNvPr>
@@ -1810,7 +1809,7 @@
           <p:cNvPr id="3" name="Content Placeholder 2">
             <a:extLst>
               <a:ext uri="{FF2B5EF4-FFF2-40B4-BE49-F238E27FC236}">
-                <a16:creationId xmlns="" xmlns:a16="http://schemas.microsoft.com/office/drawing/2014/main" id="{38274E72-A4CA-481F-8CD7-8A0F49A0DD5F}"/>
+                <a16:creationId xmlns:a16="http://schemas.microsoft.com/office/drawing/2014/main" xmlns="" id="{38274E72-A4CA-481F-8CD7-8A0F49A0DD5F}"/>
               </a:ext>
             </a:extLst>
           </p:cNvPr>
@@ -1872,7 +1871,7 @@
           <p:cNvPr id="4" name="Content Placeholder 3">
             <a:extLst>
               <a:ext uri="{FF2B5EF4-FFF2-40B4-BE49-F238E27FC236}">
-                <a16:creationId xmlns="" xmlns:a16="http://schemas.microsoft.com/office/drawing/2014/main" id="{B188ECA0-8839-4879-A4CC-FFE922D5DA35}"/>
+                <a16:creationId xmlns:a16="http://schemas.microsoft.com/office/drawing/2014/main" xmlns="" id="{B188ECA0-8839-4879-A4CC-FFE922D5DA35}"/>
               </a:ext>
             </a:extLst>
           </p:cNvPr>
@@ -1934,7 +1933,7 @@
           <p:cNvPr id="5" name="Date Placeholder 4">
             <a:extLst>
               <a:ext uri="{FF2B5EF4-FFF2-40B4-BE49-F238E27FC236}">
-                <a16:creationId xmlns="" xmlns:a16="http://schemas.microsoft.com/office/drawing/2014/main" id="{2597B3FD-7235-4266-9CFB-2362F088CB86}"/>
+                <a16:creationId xmlns:a16="http://schemas.microsoft.com/office/drawing/2014/main" xmlns="" id="{2597B3FD-7235-4266-9CFB-2362F088CB86}"/>
               </a:ext>
             </a:extLst>
           </p:cNvPr>
@@ -1953,7 +1952,7 @@
             <a:fld id="{13F1D176-8A9A-45C3-9EE3-648356366E21}" type="datetimeFigureOut">
               <a:rPr lang="en-US" smtClean="0"/>
               <a:pPr/>
-              <a:t>9/25/2023</a:t>
+              <a:t>10/4/2023</a:t>
             </a:fld>
             <a:endParaRPr lang="en-US"/>
           </a:p>
@@ -1964,7 +1963,7 @@
           <p:cNvPr id="6" name="Footer Placeholder 5">
             <a:extLst>
               <a:ext uri="{FF2B5EF4-FFF2-40B4-BE49-F238E27FC236}">
-                <a16:creationId xmlns="" xmlns:a16="http://schemas.microsoft.com/office/drawing/2014/main" id="{CA8AF738-C11A-44AC-A6FB-D5BB2C21E461}"/>
+                <a16:creationId xmlns:a16="http://schemas.microsoft.com/office/drawing/2014/main" xmlns="" id="{CA8AF738-C11A-44AC-A6FB-D5BB2C21E461}"/>
               </a:ext>
             </a:extLst>
           </p:cNvPr>
@@ -1989,7 +1988,7 @@
           <p:cNvPr id="7" name="Slide Number Placeholder 6">
             <a:extLst>
               <a:ext uri="{FF2B5EF4-FFF2-40B4-BE49-F238E27FC236}">
-                <a16:creationId xmlns="" xmlns:a16="http://schemas.microsoft.com/office/drawing/2014/main" id="{66F05F7B-078A-4F35-BB5D-5080031FC34D}"/>
+                <a16:creationId xmlns:a16="http://schemas.microsoft.com/office/drawing/2014/main" xmlns="" id="{66F05F7B-078A-4F35-BB5D-5080031FC34D}"/>
               </a:ext>
             </a:extLst>
           </p:cNvPr>
@@ -2017,7 +2016,7 @@
     </p:spTree>
     <p:extLst>
       <p:ext uri="{BB962C8B-B14F-4D97-AF65-F5344CB8AC3E}">
-        <p14:creationId xmlns="" xmlns:p14="http://schemas.microsoft.com/office/powerpoint/2010/main" val="723819645"/>
+        <p14:creationId xmlns:p14="http://schemas.microsoft.com/office/powerpoint/2010/main" xmlns="" val="723819645"/>
       </p:ext>
     </p:extLst>
   </p:cSld>
@@ -2049,7 +2048,7 @@
           <p:cNvPr id="2" name="Title 1">
             <a:extLst>
               <a:ext uri="{FF2B5EF4-FFF2-40B4-BE49-F238E27FC236}">
-                <a16:creationId xmlns="" xmlns:a16="http://schemas.microsoft.com/office/drawing/2014/main" id="{4DDD02A3-7A0B-4D1D-8D31-C3C107FC7A1C}"/>
+                <a16:creationId xmlns:a16="http://schemas.microsoft.com/office/drawing/2014/main" xmlns="" id="{4DDD02A3-7A0B-4D1D-8D31-C3C107FC7A1C}"/>
               </a:ext>
             </a:extLst>
           </p:cNvPr>
@@ -2082,7 +2081,7 @@
           <p:cNvPr id="3" name="Text Placeholder 2">
             <a:extLst>
               <a:ext uri="{FF2B5EF4-FFF2-40B4-BE49-F238E27FC236}">
-                <a16:creationId xmlns="" xmlns:a16="http://schemas.microsoft.com/office/drawing/2014/main" id="{A11C438F-B1A5-42BB-A574-BCE09E4C815E}"/>
+                <a16:creationId xmlns:a16="http://schemas.microsoft.com/office/drawing/2014/main" xmlns="" id="{A11C438F-B1A5-42BB-A574-BCE09E4C815E}"/>
               </a:ext>
             </a:extLst>
           </p:cNvPr>
@@ -2153,7 +2152,7 @@
           <p:cNvPr id="4" name="Content Placeholder 3">
             <a:extLst>
               <a:ext uri="{FF2B5EF4-FFF2-40B4-BE49-F238E27FC236}">
-                <a16:creationId xmlns="" xmlns:a16="http://schemas.microsoft.com/office/drawing/2014/main" id="{A6BBE7B3-6DA5-48F8-87F0-AA76B678672A}"/>
+                <a16:creationId xmlns:a16="http://schemas.microsoft.com/office/drawing/2014/main" xmlns="" id="{A6BBE7B3-6DA5-48F8-87F0-AA76B678672A}"/>
               </a:ext>
             </a:extLst>
           </p:cNvPr>
@@ -2215,7 +2214,7 @@
           <p:cNvPr id="5" name="Text Placeholder 4">
             <a:extLst>
               <a:ext uri="{FF2B5EF4-FFF2-40B4-BE49-F238E27FC236}">
-                <a16:creationId xmlns="" xmlns:a16="http://schemas.microsoft.com/office/drawing/2014/main" id="{72F54A93-A67E-452C-8003-AFA08B9D3EC9}"/>
+                <a16:creationId xmlns:a16="http://schemas.microsoft.com/office/drawing/2014/main" xmlns="" id="{72F54A93-A67E-452C-8003-AFA08B9D3EC9}"/>
               </a:ext>
             </a:extLst>
           </p:cNvPr>
@@ -2286,7 +2285,7 @@
           <p:cNvPr id="6" name="Content Placeholder 5">
             <a:extLst>
               <a:ext uri="{FF2B5EF4-FFF2-40B4-BE49-F238E27FC236}">
-                <a16:creationId xmlns="" xmlns:a16="http://schemas.microsoft.com/office/drawing/2014/main" id="{9C6395BD-FCE7-4031-BF98-D576536BE7A3}"/>
+                <a16:creationId xmlns:a16="http://schemas.microsoft.com/office/drawing/2014/main" xmlns="" id="{9C6395BD-FCE7-4031-BF98-D576536BE7A3}"/>
               </a:ext>
             </a:extLst>
           </p:cNvPr>
@@ -2348,7 +2347,7 @@
           <p:cNvPr id="7" name="Date Placeholder 6">
             <a:extLst>
               <a:ext uri="{FF2B5EF4-FFF2-40B4-BE49-F238E27FC236}">
-                <a16:creationId xmlns="" xmlns:a16="http://schemas.microsoft.com/office/drawing/2014/main" id="{A3C9E698-A8AF-438A-8AF6-9785D2893BC3}"/>
+                <a16:creationId xmlns:a16="http://schemas.microsoft.com/office/drawing/2014/main" xmlns="" id="{A3C9E698-A8AF-438A-8AF6-9785D2893BC3}"/>
               </a:ext>
             </a:extLst>
           </p:cNvPr>
@@ -2367,7 +2366,7 @@
             <a:fld id="{13F1D176-8A9A-45C3-9EE3-648356366E21}" type="datetimeFigureOut">
               <a:rPr lang="en-US" smtClean="0"/>
               <a:pPr/>
-              <a:t>9/25/2023</a:t>
+              <a:t>10/4/2023</a:t>
             </a:fld>
             <a:endParaRPr lang="en-US"/>
           </a:p>
@@ -2378,7 +2377,7 @@
           <p:cNvPr id="8" name="Footer Placeholder 7">
             <a:extLst>
               <a:ext uri="{FF2B5EF4-FFF2-40B4-BE49-F238E27FC236}">
-                <a16:creationId xmlns="" xmlns:a16="http://schemas.microsoft.com/office/drawing/2014/main" id="{4ECE7EDC-C5B8-4E2B-B668-8909D5E55392}"/>
+                <a16:creationId xmlns:a16="http://schemas.microsoft.com/office/drawing/2014/main" xmlns="" id="{4ECE7EDC-C5B8-4E2B-B668-8909D5E55392}"/>
               </a:ext>
             </a:extLst>
           </p:cNvPr>
@@ -2403,7 +2402,7 @@
           <p:cNvPr id="9" name="Slide Number Placeholder 8">
             <a:extLst>
               <a:ext uri="{FF2B5EF4-FFF2-40B4-BE49-F238E27FC236}">
-                <a16:creationId xmlns="" xmlns:a16="http://schemas.microsoft.com/office/drawing/2014/main" id="{8B6026AE-5F48-47DA-AA38-9B6452A2D51A}"/>
+                <a16:creationId xmlns:a16="http://schemas.microsoft.com/office/drawing/2014/main" xmlns="" id="{8B6026AE-5F48-47DA-AA38-9B6452A2D51A}"/>
               </a:ext>
             </a:extLst>
           </p:cNvPr>
@@ -2431,7 +2430,7 @@
     </p:spTree>
     <p:extLst>
       <p:ext uri="{BB962C8B-B14F-4D97-AF65-F5344CB8AC3E}">
-        <p14:creationId xmlns="" xmlns:p14="http://schemas.microsoft.com/office/powerpoint/2010/main" val="1744337588"/>
+        <p14:creationId xmlns:p14="http://schemas.microsoft.com/office/powerpoint/2010/main" xmlns="" val="1744337588"/>
       </p:ext>
     </p:extLst>
   </p:cSld>
@@ -2463,7 +2462,7 @@
           <p:cNvPr id="2" name="Title 1">
             <a:extLst>
               <a:ext uri="{FF2B5EF4-FFF2-40B4-BE49-F238E27FC236}">
-                <a16:creationId xmlns="" xmlns:a16="http://schemas.microsoft.com/office/drawing/2014/main" id="{428832C5-9A43-4F25-9D45-CB667326191B}"/>
+                <a16:creationId xmlns:a16="http://schemas.microsoft.com/office/drawing/2014/main" xmlns="" id="{428832C5-9A43-4F25-9D45-CB667326191B}"/>
               </a:ext>
             </a:extLst>
           </p:cNvPr>
@@ -2491,7 +2490,7 @@
           <p:cNvPr id="3" name="Date Placeholder 2">
             <a:extLst>
               <a:ext uri="{FF2B5EF4-FFF2-40B4-BE49-F238E27FC236}">
-                <a16:creationId xmlns="" xmlns:a16="http://schemas.microsoft.com/office/drawing/2014/main" id="{B413B867-F74F-4228-B9B4-C0AF9911FCDE}"/>
+                <a16:creationId xmlns:a16="http://schemas.microsoft.com/office/drawing/2014/main" xmlns="" id="{B413B867-F74F-4228-B9B4-C0AF9911FCDE}"/>
               </a:ext>
             </a:extLst>
           </p:cNvPr>
@@ -2510,7 +2509,7 @@
             <a:fld id="{13F1D176-8A9A-45C3-9EE3-648356366E21}" type="datetimeFigureOut">
               <a:rPr lang="en-US" smtClean="0"/>
               <a:pPr/>
-              <a:t>9/25/2023</a:t>
+              <a:t>10/4/2023</a:t>
             </a:fld>
             <a:endParaRPr lang="en-US"/>
           </a:p>
@@ -2521,7 +2520,7 @@
           <p:cNvPr id="4" name="Footer Placeholder 3">
             <a:extLst>
               <a:ext uri="{FF2B5EF4-FFF2-40B4-BE49-F238E27FC236}">
-                <a16:creationId xmlns="" xmlns:a16="http://schemas.microsoft.com/office/drawing/2014/main" id="{44282410-A339-42A7-BB9F-24B33BA224A0}"/>
+                <a16:creationId xmlns:a16="http://schemas.microsoft.com/office/drawing/2014/main" xmlns="" id="{44282410-A339-42A7-BB9F-24B33BA224A0}"/>
               </a:ext>
             </a:extLst>
           </p:cNvPr>
@@ -2546,7 +2545,7 @@
           <p:cNvPr id="5" name="Slide Number Placeholder 4">
             <a:extLst>
               <a:ext uri="{FF2B5EF4-FFF2-40B4-BE49-F238E27FC236}">
-                <a16:creationId xmlns="" xmlns:a16="http://schemas.microsoft.com/office/drawing/2014/main" id="{6F96B3BE-EC5E-4A5A-A399-477BCA874CC7}"/>
+                <a16:creationId xmlns:a16="http://schemas.microsoft.com/office/drawing/2014/main" xmlns="" id="{6F96B3BE-EC5E-4A5A-A399-477BCA874CC7}"/>
               </a:ext>
             </a:extLst>
           </p:cNvPr>
@@ -2574,7 +2573,7 @@
     </p:spTree>
     <p:extLst>
       <p:ext uri="{BB962C8B-B14F-4D97-AF65-F5344CB8AC3E}">
-        <p14:creationId xmlns="" xmlns:p14="http://schemas.microsoft.com/office/powerpoint/2010/main" val="3817301375"/>
+        <p14:creationId xmlns:p14="http://schemas.microsoft.com/office/powerpoint/2010/main" xmlns="" val="3817301375"/>
       </p:ext>
     </p:extLst>
   </p:cSld>
@@ -2606,7 +2605,7 @@
           <p:cNvPr id="2" name="Date Placeholder 1">
             <a:extLst>
               <a:ext uri="{FF2B5EF4-FFF2-40B4-BE49-F238E27FC236}">
-                <a16:creationId xmlns="" xmlns:a16="http://schemas.microsoft.com/office/drawing/2014/main" id="{A4AC69B9-63F1-4A9C-8F33-A1611545A5A1}"/>
+                <a16:creationId xmlns:a16="http://schemas.microsoft.com/office/drawing/2014/main" xmlns="" id="{A4AC69B9-63F1-4A9C-8F33-A1611545A5A1}"/>
               </a:ext>
             </a:extLst>
           </p:cNvPr>
@@ -2625,7 +2624,7 @@
             <a:fld id="{13F1D176-8A9A-45C3-9EE3-648356366E21}" type="datetimeFigureOut">
               <a:rPr lang="en-US" smtClean="0"/>
               <a:pPr/>
-              <a:t>9/25/2023</a:t>
+              <a:t>10/4/2023</a:t>
             </a:fld>
             <a:endParaRPr lang="en-US"/>
           </a:p>
@@ -2636,7 +2635,7 @@
           <p:cNvPr id="3" name="Footer Placeholder 2">
             <a:extLst>
               <a:ext uri="{FF2B5EF4-FFF2-40B4-BE49-F238E27FC236}">
-                <a16:creationId xmlns="" xmlns:a16="http://schemas.microsoft.com/office/drawing/2014/main" id="{8FE0C724-D8C2-4328-8617-A7616244E8D5}"/>
+                <a16:creationId xmlns:a16="http://schemas.microsoft.com/office/drawing/2014/main" xmlns="" id="{8FE0C724-D8C2-4328-8617-A7616244E8D5}"/>
               </a:ext>
             </a:extLst>
           </p:cNvPr>
@@ -2661,7 +2660,7 @@
           <p:cNvPr id="4" name="Slide Number Placeholder 3">
             <a:extLst>
               <a:ext uri="{FF2B5EF4-FFF2-40B4-BE49-F238E27FC236}">
-                <a16:creationId xmlns="" xmlns:a16="http://schemas.microsoft.com/office/drawing/2014/main" id="{18203B7D-6FD4-479E-AA8E-93DADA39558B}"/>
+                <a16:creationId xmlns:a16="http://schemas.microsoft.com/office/drawing/2014/main" xmlns="" id="{18203B7D-6FD4-479E-AA8E-93DADA39558B}"/>
               </a:ext>
             </a:extLst>
           </p:cNvPr>
@@ -2689,7 +2688,7 @@
     </p:spTree>
     <p:extLst>
       <p:ext uri="{BB962C8B-B14F-4D97-AF65-F5344CB8AC3E}">
-        <p14:creationId xmlns="" xmlns:p14="http://schemas.microsoft.com/office/powerpoint/2010/main" val="2203153077"/>
+        <p14:creationId xmlns:p14="http://schemas.microsoft.com/office/powerpoint/2010/main" xmlns="" val="2203153077"/>
       </p:ext>
     </p:extLst>
   </p:cSld>
@@ -2721,7 +2720,7 @@
           <p:cNvPr id="2" name="Title 1">
             <a:extLst>
               <a:ext uri="{FF2B5EF4-FFF2-40B4-BE49-F238E27FC236}">
-                <a16:creationId xmlns="" xmlns:a16="http://schemas.microsoft.com/office/drawing/2014/main" id="{6F9613AB-B0F6-44B3-8CDA-563C5D762AB4}"/>
+                <a16:creationId xmlns:a16="http://schemas.microsoft.com/office/drawing/2014/main" xmlns="" id="{6F9613AB-B0F6-44B3-8CDA-563C5D762AB4}"/>
               </a:ext>
             </a:extLst>
           </p:cNvPr>
@@ -2758,7 +2757,7 @@
           <p:cNvPr id="3" name="Content Placeholder 2">
             <a:extLst>
               <a:ext uri="{FF2B5EF4-FFF2-40B4-BE49-F238E27FC236}">
-                <a16:creationId xmlns="" xmlns:a16="http://schemas.microsoft.com/office/drawing/2014/main" id="{A5F12CB7-85CE-44B6-A446-7D88F290F464}"/>
+                <a16:creationId xmlns:a16="http://schemas.microsoft.com/office/drawing/2014/main" xmlns="" id="{A5F12CB7-85CE-44B6-A446-7D88F290F464}"/>
               </a:ext>
             </a:extLst>
           </p:cNvPr>
@@ -2848,7 +2847,7 @@
           <p:cNvPr id="4" name="Text Placeholder 3">
             <a:extLst>
               <a:ext uri="{FF2B5EF4-FFF2-40B4-BE49-F238E27FC236}">
-                <a16:creationId xmlns="" xmlns:a16="http://schemas.microsoft.com/office/drawing/2014/main" id="{89F09585-3953-4E85-8E55-6FB53FACCDAA}"/>
+                <a16:creationId xmlns:a16="http://schemas.microsoft.com/office/drawing/2014/main" xmlns="" id="{89F09585-3953-4E85-8E55-6FB53FACCDAA}"/>
               </a:ext>
             </a:extLst>
           </p:cNvPr>
@@ -2919,7 +2918,7 @@
           <p:cNvPr id="5" name="Date Placeholder 4">
             <a:extLst>
               <a:ext uri="{FF2B5EF4-FFF2-40B4-BE49-F238E27FC236}">
-                <a16:creationId xmlns="" xmlns:a16="http://schemas.microsoft.com/office/drawing/2014/main" id="{E1A6AF71-BE82-4183-BDF3-A77814B6E2BE}"/>
+                <a16:creationId xmlns:a16="http://schemas.microsoft.com/office/drawing/2014/main" xmlns="" id="{E1A6AF71-BE82-4183-BDF3-A77814B6E2BE}"/>
               </a:ext>
             </a:extLst>
           </p:cNvPr>
@@ -2938,7 +2937,7 @@
             <a:fld id="{13F1D176-8A9A-45C3-9EE3-648356366E21}" type="datetimeFigureOut">
               <a:rPr lang="en-US" smtClean="0"/>
               <a:pPr/>
-              <a:t>9/25/2023</a:t>
+              <a:t>10/4/2023</a:t>
             </a:fld>
             <a:endParaRPr lang="en-US"/>
           </a:p>
@@ -2949,7 +2948,7 @@
           <p:cNvPr id="6" name="Footer Placeholder 5">
             <a:extLst>
               <a:ext uri="{FF2B5EF4-FFF2-40B4-BE49-F238E27FC236}">
-                <a16:creationId xmlns="" xmlns:a16="http://schemas.microsoft.com/office/drawing/2014/main" id="{A5360BA0-84B1-455C-803D-A25FE334B4CC}"/>
+                <a16:creationId xmlns:a16="http://schemas.microsoft.com/office/drawing/2014/main" xmlns="" id="{A5360BA0-84B1-455C-803D-A25FE334B4CC}"/>
               </a:ext>
             </a:extLst>
           </p:cNvPr>
@@ -2974,7 +2973,7 @@
           <p:cNvPr id="7" name="Slide Number Placeholder 6">
             <a:extLst>
               <a:ext uri="{FF2B5EF4-FFF2-40B4-BE49-F238E27FC236}">
-                <a16:creationId xmlns="" xmlns:a16="http://schemas.microsoft.com/office/drawing/2014/main" id="{493CA76B-08B0-4A8B-A3BD-E5D6BB29FF58}"/>
+                <a16:creationId xmlns:a16="http://schemas.microsoft.com/office/drawing/2014/main" xmlns="" id="{493CA76B-08B0-4A8B-A3BD-E5D6BB29FF58}"/>
               </a:ext>
             </a:extLst>
           </p:cNvPr>
@@ -3002,7 +3001,7 @@
     </p:spTree>
     <p:extLst>
       <p:ext uri="{BB962C8B-B14F-4D97-AF65-F5344CB8AC3E}">
-        <p14:creationId xmlns="" xmlns:p14="http://schemas.microsoft.com/office/powerpoint/2010/main" val="4108328264"/>
+        <p14:creationId xmlns:p14="http://schemas.microsoft.com/office/powerpoint/2010/main" xmlns="" val="4108328264"/>
       </p:ext>
     </p:extLst>
   </p:cSld>
@@ -3034,7 +3033,7 @@
           <p:cNvPr id="2" name="Title 1">
             <a:extLst>
               <a:ext uri="{FF2B5EF4-FFF2-40B4-BE49-F238E27FC236}">
-                <a16:creationId xmlns="" xmlns:a16="http://schemas.microsoft.com/office/drawing/2014/main" id="{969C3997-74AB-44CB-899B-ACCB70426E1C}"/>
+                <a16:creationId xmlns:a16="http://schemas.microsoft.com/office/drawing/2014/main" xmlns="" id="{969C3997-74AB-44CB-899B-ACCB70426E1C}"/>
               </a:ext>
             </a:extLst>
           </p:cNvPr>
@@ -3071,7 +3070,7 @@
           <p:cNvPr id="3" name="Picture Placeholder 2">
             <a:extLst>
               <a:ext uri="{FF2B5EF4-FFF2-40B4-BE49-F238E27FC236}">
-                <a16:creationId xmlns="" xmlns:a16="http://schemas.microsoft.com/office/drawing/2014/main" id="{A9B8E40E-23F9-4316-8BF5-74CA44D09CB1}"/>
+                <a16:creationId xmlns:a16="http://schemas.microsoft.com/office/drawing/2014/main" xmlns="" id="{A9B8E40E-23F9-4316-8BF5-74CA44D09CB1}"/>
               </a:ext>
             </a:extLst>
           </p:cNvPr>
@@ -3138,7 +3137,7 @@
           <p:cNvPr id="4" name="Text Placeholder 3">
             <a:extLst>
               <a:ext uri="{FF2B5EF4-FFF2-40B4-BE49-F238E27FC236}">
-                <a16:creationId xmlns="" xmlns:a16="http://schemas.microsoft.com/office/drawing/2014/main" id="{7971E5D5-7137-4054-915E-4EA820A794FB}"/>
+                <a16:creationId xmlns:a16="http://schemas.microsoft.com/office/drawing/2014/main" xmlns="" id="{7971E5D5-7137-4054-915E-4EA820A794FB}"/>
               </a:ext>
             </a:extLst>
           </p:cNvPr>
@@ -3209,7 +3208,7 @@
           <p:cNvPr id="5" name="Date Placeholder 4">
             <a:extLst>
               <a:ext uri="{FF2B5EF4-FFF2-40B4-BE49-F238E27FC236}">
-                <a16:creationId xmlns="" xmlns:a16="http://schemas.microsoft.com/office/drawing/2014/main" id="{9DFB27A8-C0EE-41D4-BE1E-4043AD3E0090}"/>
+                <a16:creationId xmlns:a16="http://schemas.microsoft.com/office/drawing/2014/main" xmlns="" id="{9DFB27A8-C0EE-41D4-BE1E-4043AD3E0090}"/>
               </a:ext>
             </a:extLst>
           </p:cNvPr>
@@ -3228,7 +3227,7 @@
             <a:fld id="{13F1D176-8A9A-45C3-9EE3-648356366E21}" type="datetimeFigureOut">
               <a:rPr lang="en-US" smtClean="0"/>
               <a:pPr/>
-              <a:t>9/25/2023</a:t>
+              <a:t>10/4/2023</a:t>
             </a:fld>
             <a:endParaRPr lang="en-US"/>
           </a:p>
@@ -3239,7 +3238,7 @@
           <p:cNvPr id="6" name="Footer Placeholder 5">
             <a:extLst>
               <a:ext uri="{FF2B5EF4-FFF2-40B4-BE49-F238E27FC236}">
-                <a16:creationId xmlns="" xmlns:a16="http://schemas.microsoft.com/office/drawing/2014/main" id="{98B38393-5864-4E52-ADB7-806279D6DB33}"/>
+                <a16:creationId xmlns:a16="http://schemas.microsoft.com/office/drawing/2014/main" xmlns="" id="{98B38393-5864-4E52-ADB7-806279D6DB33}"/>
               </a:ext>
             </a:extLst>
           </p:cNvPr>
@@ -3264,7 +3263,7 @@
           <p:cNvPr id="7" name="Slide Number Placeholder 6">
             <a:extLst>
               <a:ext uri="{FF2B5EF4-FFF2-40B4-BE49-F238E27FC236}">
-                <a16:creationId xmlns="" xmlns:a16="http://schemas.microsoft.com/office/drawing/2014/main" id="{4891E60A-B926-4933-A7D2-931F15FA49CB}"/>
+                <a16:creationId xmlns:a16="http://schemas.microsoft.com/office/drawing/2014/main" xmlns="" id="{4891E60A-B926-4933-A7D2-931F15FA49CB}"/>
               </a:ext>
             </a:extLst>
           </p:cNvPr>
@@ -3292,7 +3291,7 @@
     </p:spTree>
     <p:extLst>
       <p:ext uri="{BB962C8B-B14F-4D97-AF65-F5344CB8AC3E}">
-        <p14:creationId xmlns="" xmlns:p14="http://schemas.microsoft.com/office/powerpoint/2010/main" val="4068714423"/>
+        <p14:creationId xmlns:p14="http://schemas.microsoft.com/office/powerpoint/2010/main" xmlns="" val="4068714423"/>
       </p:ext>
     </p:extLst>
   </p:cSld>
@@ -3329,7 +3328,7 @@
           <p:cNvPr id="2" name="Title Placeholder 1">
             <a:extLst>
               <a:ext uri="{FF2B5EF4-FFF2-40B4-BE49-F238E27FC236}">
-                <a16:creationId xmlns="" xmlns:a16="http://schemas.microsoft.com/office/drawing/2014/main" id="{38D34F2D-E1DD-4371-9538-AEA9C15206FF}"/>
+                <a16:creationId xmlns:a16="http://schemas.microsoft.com/office/drawing/2014/main" xmlns="" id="{38D34F2D-E1DD-4371-9538-AEA9C15206FF}"/>
               </a:ext>
             </a:extLst>
           </p:cNvPr>
@@ -3367,7 +3366,7 @@
           <p:cNvPr id="3" name="Text Placeholder 2">
             <a:extLst>
               <a:ext uri="{FF2B5EF4-FFF2-40B4-BE49-F238E27FC236}">
-                <a16:creationId xmlns="" xmlns:a16="http://schemas.microsoft.com/office/drawing/2014/main" id="{4D2EA48B-9C62-4982-9FD4-0D822DC486E9}"/>
+                <a16:creationId xmlns:a16="http://schemas.microsoft.com/office/drawing/2014/main" xmlns="" id="{4D2EA48B-9C62-4982-9FD4-0D822DC486E9}"/>
               </a:ext>
             </a:extLst>
           </p:cNvPr>
@@ -3434,7 +3433,7 @@
           <p:cNvPr id="4" name="Date Placeholder 3">
             <a:extLst>
               <a:ext uri="{FF2B5EF4-FFF2-40B4-BE49-F238E27FC236}">
-                <a16:creationId xmlns="" xmlns:a16="http://schemas.microsoft.com/office/drawing/2014/main" id="{F6D3E8D5-AD18-4638-A1FF-653C95E9075C}"/>
+                <a16:creationId xmlns:a16="http://schemas.microsoft.com/office/drawing/2014/main" xmlns="" id="{F6D3E8D5-AD18-4638-A1FF-653C95E9075C}"/>
               </a:ext>
             </a:extLst>
           </p:cNvPr>
@@ -3471,7 +3470,7 @@
             <a:fld id="{13F1D176-8A9A-45C3-9EE3-648356366E21}" type="datetimeFigureOut">
               <a:rPr lang="en-US" smtClean="0"/>
               <a:pPr/>
-              <a:t>9/25/2023</a:t>
+              <a:t>10/4/2023</a:t>
             </a:fld>
             <a:endParaRPr lang="en-US"/>
           </a:p>
@@ -3482,7 +3481,7 @@
           <p:cNvPr id="5" name="Footer Placeholder 4">
             <a:extLst>
               <a:ext uri="{FF2B5EF4-FFF2-40B4-BE49-F238E27FC236}">
-                <a16:creationId xmlns="" xmlns:a16="http://schemas.microsoft.com/office/drawing/2014/main" id="{414996A7-1490-45C5-A0BF-21A9D5211388}"/>
+                <a16:creationId xmlns:a16="http://schemas.microsoft.com/office/drawing/2014/main" xmlns="" id="{414996A7-1490-45C5-A0BF-21A9D5211388}"/>
               </a:ext>
             </a:extLst>
           </p:cNvPr>
@@ -3525,7 +3524,7 @@
           <p:cNvPr id="6" name="Slide Number Placeholder 5">
             <a:extLst>
               <a:ext uri="{FF2B5EF4-FFF2-40B4-BE49-F238E27FC236}">
-                <a16:creationId xmlns="" xmlns:a16="http://schemas.microsoft.com/office/drawing/2014/main" id="{FE7DBC39-FCC4-4D82-BC3B-CC7BFB59D293}"/>
+                <a16:creationId xmlns:a16="http://schemas.microsoft.com/office/drawing/2014/main" xmlns="" id="{FE7DBC39-FCC4-4D82-BC3B-CC7BFB59D293}"/>
               </a:ext>
             </a:extLst>
           </p:cNvPr>
@@ -3571,7 +3570,7 @@
     </p:spTree>
     <p:extLst>
       <p:ext uri="{BB962C8B-B14F-4D97-AF65-F5344CB8AC3E}">
-        <p14:creationId xmlns="" xmlns:p14="http://schemas.microsoft.com/office/powerpoint/2010/main" val="3791977480"/>
+        <p14:creationId xmlns:p14="http://schemas.microsoft.com/office/powerpoint/2010/main" xmlns="" val="3791977480"/>
       </p:ext>
     </p:extLst>
   </p:cSld>
@@ -3902,10 +3901,10 @@
           <p:cNvPr id="1028" name="Rectangle 191">
             <a:extLst>
               <a:ext uri="{FF2B5EF4-FFF2-40B4-BE49-F238E27FC236}">
-                <a16:creationId xmlns="" xmlns:a16="http://schemas.microsoft.com/office/drawing/2014/main" id="{49B447FE-DDA9-4B30-828A-59FC569124E2}"/>
+                <a16:creationId xmlns:a16="http://schemas.microsoft.com/office/drawing/2014/main" xmlns="" id="{49B447FE-DDA9-4B30-828A-59FC569124E2}"/>
               </a:ext>
               <a:ext uri="{C183D7F6-B498-43B3-948B-1728B52AA6E4}">
-                <adec:decorative xmlns="" xmlns:adec="http://schemas.microsoft.com/office/drawing/2017/decorative" val="1"/>
+                <adec:decorative xmlns:adec="http://schemas.microsoft.com/office/drawing/2017/decorative" xmlns="" val="1"/>
               </a:ext>
             </a:extLst>
           </p:cNvPr>
@@ -3915,7 +3914,7 @@
           <p:nvPr>
             <p:extLst>
               <p:ext uri="{386F3935-93C4-4BCD-93E2-E3B085C9AB24}">
-                <p16:designElem xmlns="" xmlns:p16="http://schemas.microsoft.com/office/powerpoint/2015/main" val="1"/>
+                <p16:designElem xmlns:p16="http://schemas.microsoft.com/office/powerpoint/2015/main" xmlns="" val="1"/>
               </p:ext>
             </p:extLst>
           </p:nvPr>
@@ -3962,10 +3961,10 @@
           <p:cNvPr id="1029" name="Rectangle 192">
             <a:extLst>
               <a:ext uri="{FF2B5EF4-FFF2-40B4-BE49-F238E27FC236}">
-                <a16:creationId xmlns="" xmlns:a16="http://schemas.microsoft.com/office/drawing/2014/main" id="{C3D487F7-9050-4871-B351-34A72ADB296C}"/>
+                <a16:creationId xmlns:a16="http://schemas.microsoft.com/office/drawing/2014/main" xmlns="" id="{C3D487F7-9050-4871-B351-34A72ADB296C}"/>
               </a:ext>
               <a:ext uri="{C183D7F6-B498-43B3-948B-1728B52AA6E4}">
-                <adec:decorative xmlns="" xmlns:adec="http://schemas.microsoft.com/office/drawing/2017/decorative" val="1"/>
+                <adec:decorative xmlns:adec="http://schemas.microsoft.com/office/drawing/2017/decorative" xmlns="" val="1"/>
               </a:ext>
             </a:extLst>
           </p:cNvPr>
@@ -3975,7 +3974,7 @@
           <p:nvPr>
             <p:extLst>
               <p:ext uri="{386F3935-93C4-4BCD-93E2-E3B085C9AB24}">
-                <p16:designElem xmlns="" xmlns:p16="http://schemas.microsoft.com/office/powerpoint/2015/main" val="1"/>
+                <p16:designElem xmlns:p16="http://schemas.microsoft.com/office/powerpoint/2015/main" xmlns="" val="1"/>
               </p:ext>
             </p:extLst>
           </p:nvPr>
@@ -4035,10 +4034,10 @@
           <p:cNvPr id="1030" name="Rectangle 193">
             <a:extLst>
               <a:ext uri="{FF2B5EF4-FFF2-40B4-BE49-F238E27FC236}">
-                <a16:creationId xmlns="" xmlns:a16="http://schemas.microsoft.com/office/drawing/2014/main" id="{F43C27DD-EF6A-4C48-9669-C2970E71A814}"/>
+                <a16:creationId xmlns:a16="http://schemas.microsoft.com/office/drawing/2014/main" xmlns="" id="{F43C27DD-EF6A-4C48-9669-C2970E71A814}"/>
               </a:ext>
               <a:ext uri="{C183D7F6-B498-43B3-948B-1728B52AA6E4}">
-                <adec:decorative xmlns="" xmlns:adec="http://schemas.microsoft.com/office/drawing/2017/decorative" val="1"/>
+                <adec:decorative xmlns:adec="http://schemas.microsoft.com/office/drawing/2017/decorative" xmlns="" val="1"/>
               </a:ext>
             </a:extLst>
           </p:cNvPr>
@@ -4048,7 +4047,7 @@
           <p:nvPr>
             <p:extLst>
               <p:ext uri="{386F3935-93C4-4BCD-93E2-E3B085C9AB24}">
-                <p16:designElem xmlns="" xmlns:p16="http://schemas.microsoft.com/office/powerpoint/2015/main" val="1"/>
+                <p16:designElem xmlns:p16="http://schemas.microsoft.com/office/powerpoint/2015/main" xmlns="" val="1"/>
               </p:ext>
             </p:extLst>
           </p:nvPr>
@@ -4116,10 +4115,10 @@
           <p:cNvPr id="1031" name="Rectangle 194">
             <a:extLst>
               <a:ext uri="{FF2B5EF4-FFF2-40B4-BE49-F238E27FC236}">
-                <a16:creationId xmlns="" xmlns:a16="http://schemas.microsoft.com/office/drawing/2014/main" id="{05A1AA86-B7E6-4C02-AA34-F1A25CD4CCBD}"/>
+                <a16:creationId xmlns:a16="http://schemas.microsoft.com/office/drawing/2014/main" xmlns="" id="{05A1AA86-B7E6-4C02-AA34-F1A25CD4CCBD}"/>
               </a:ext>
               <a:ext uri="{C183D7F6-B498-43B3-948B-1728B52AA6E4}">
-                <adec:decorative xmlns="" xmlns:adec="http://schemas.microsoft.com/office/drawing/2017/decorative" val="1"/>
+                <adec:decorative xmlns:adec="http://schemas.microsoft.com/office/drawing/2017/decorative" xmlns="" val="1"/>
               </a:ext>
             </a:extLst>
           </p:cNvPr>
@@ -4129,7 +4128,7 @@
           <p:nvPr>
             <p:extLst>
               <p:ext uri="{386F3935-93C4-4BCD-93E2-E3B085C9AB24}">
-                <p16:designElem xmlns="" xmlns:p16="http://schemas.microsoft.com/office/powerpoint/2015/main" val="1"/>
+                <p16:designElem xmlns:p16="http://schemas.microsoft.com/office/powerpoint/2015/main" xmlns="" val="1"/>
               </p:ext>
             </p:extLst>
           </p:nvPr>
@@ -4191,10 +4190,10 @@
           <p:cNvPr id="1032" name="Oval 195">
             <a:extLst>
               <a:ext uri="{FF2B5EF4-FFF2-40B4-BE49-F238E27FC236}">
-                <a16:creationId xmlns="" xmlns:a16="http://schemas.microsoft.com/office/drawing/2014/main" id="{86C3B9CB-4E48-4726-B7B9-9E02F71B150F}"/>
+                <a16:creationId xmlns:a16="http://schemas.microsoft.com/office/drawing/2014/main" xmlns="" id="{86C3B9CB-4E48-4726-B7B9-9E02F71B150F}"/>
               </a:ext>
               <a:ext uri="{C183D7F6-B498-43B3-948B-1728B52AA6E4}">
-                <adec:decorative xmlns="" xmlns:adec="http://schemas.microsoft.com/office/drawing/2017/decorative" val="1"/>
+                <adec:decorative xmlns:adec="http://schemas.microsoft.com/office/drawing/2017/decorative" xmlns="" val="1"/>
               </a:ext>
             </a:extLst>
           </p:cNvPr>
@@ -4204,7 +4203,7 @@
           <p:nvPr>
             <p:extLst>
               <p:ext uri="{386F3935-93C4-4BCD-93E2-E3B085C9AB24}">
-                <p16:designElem xmlns="" xmlns:p16="http://schemas.microsoft.com/office/powerpoint/2015/main" val="1"/>
+                <p16:designElem xmlns:p16="http://schemas.microsoft.com/office/powerpoint/2015/main" xmlns="" val="1"/>
               </p:ext>
             </p:extLst>
           </p:nvPr>
@@ -4268,10 +4267,10 @@
           <p:cNvPr id="1033" name="Rectangle 196">
             <a:extLst>
               <a:ext uri="{FF2B5EF4-FFF2-40B4-BE49-F238E27FC236}">
-                <a16:creationId xmlns="" xmlns:a16="http://schemas.microsoft.com/office/drawing/2014/main" id="{C84384FE-1C88-4CAA-8FB8-2313A3AE734D}"/>
+                <a16:creationId xmlns:a16="http://schemas.microsoft.com/office/drawing/2014/main" xmlns="" id="{C84384FE-1C88-4CAA-8FB8-2313A3AE734D}"/>
               </a:ext>
               <a:ext uri="{C183D7F6-B498-43B3-948B-1728B52AA6E4}">
-                <adec:decorative xmlns="" xmlns:adec="http://schemas.microsoft.com/office/drawing/2017/decorative" val="1"/>
+                <adec:decorative xmlns:adec="http://schemas.microsoft.com/office/drawing/2017/decorative" xmlns="" val="1"/>
               </a:ext>
             </a:extLst>
           </p:cNvPr>
@@ -4281,7 +4280,7 @@
           <p:nvPr>
             <p:extLst>
               <p:ext uri="{386F3935-93C4-4BCD-93E2-E3B085C9AB24}">
-                <p16:designElem xmlns="" xmlns:p16="http://schemas.microsoft.com/office/powerpoint/2015/main" val="1"/>
+                <p16:designElem xmlns:p16="http://schemas.microsoft.com/office/powerpoint/2015/main" xmlns="" val="1"/>
               </p:ext>
             </p:extLst>
           </p:nvPr>
@@ -4343,7 +4342,7 @@
           <p:cNvPr id="2" name="Title 1">
             <a:extLst>
               <a:ext uri="{FF2B5EF4-FFF2-40B4-BE49-F238E27FC236}">
-                <a16:creationId xmlns="" xmlns:a16="http://schemas.microsoft.com/office/drawing/2014/main" id="{82BA1605-8CA4-4B4A-80B2-F578630E32C9}"/>
+                <a16:creationId xmlns:a16="http://schemas.microsoft.com/office/drawing/2014/main" xmlns="" id="{82BA1605-8CA4-4B4A-80B2-F578630E32C9}"/>
               </a:ext>
             </a:extLst>
           </p:cNvPr>
@@ -4424,7 +4423,7 @@
           <p:cNvPr id="1026" name="Picture 2" descr="A group of people standing together&#10;&#10;Description automatically generated with medium confidence">
             <a:extLst>
               <a:ext uri="{FF2B5EF4-FFF2-40B4-BE49-F238E27FC236}">
-                <a16:creationId xmlns="" xmlns:a16="http://schemas.microsoft.com/office/drawing/2014/main" id="{6FC3A43D-544E-4F10-81D6-4A51413B07F9}"/>
+                <a16:creationId xmlns:a16="http://schemas.microsoft.com/office/drawing/2014/main" xmlns="" id="{6FC3A43D-544E-4F10-81D6-4A51413B07F9}"/>
               </a:ext>
             </a:extLst>
           </p:cNvPr>
@@ -4437,7 +4436,7 @@
           <a:blip r:embed="rId3">
             <a:extLst>
               <a:ext uri="{28A0092B-C50C-407E-A947-70E740481C1C}">
-                <a14:useLocalDpi xmlns="" xmlns:a14="http://schemas.microsoft.com/office/drawing/2010/main" val="0"/>
+                <a14:useLocalDpi xmlns:a14="http://schemas.microsoft.com/office/drawing/2010/main" xmlns="" val="0"/>
               </a:ext>
             </a:extLst>
           </a:blip>
@@ -4455,7 +4454,7 @@
           <a:noFill/>
           <a:extLst>
             <a:ext uri="{909E8E84-426E-40DD-AFC4-6F175D3DCCD1}">
-              <a14:hiddenFill xmlns="" xmlns:a14="http://schemas.microsoft.com/office/drawing/2010/main">
+              <a14:hiddenFill xmlns:a14="http://schemas.microsoft.com/office/drawing/2010/main" xmlns="">
                 <a:solidFill>
                   <a:srgbClr val="FFFFFF"/>
                 </a:solidFill>
@@ -4469,7 +4468,7 @@
           <p:cNvPr id="4" name="TextBox 3">
             <a:extLst>
               <a:ext uri="{FF2B5EF4-FFF2-40B4-BE49-F238E27FC236}">
-                <a16:creationId xmlns="" xmlns:a16="http://schemas.microsoft.com/office/drawing/2014/main" id="{574FE41F-76F6-4976-9C45-E35E930411F1}"/>
+                <a16:creationId xmlns:a16="http://schemas.microsoft.com/office/drawing/2014/main" xmlns="" id="{574FE41F-76F6-4976-9C45-E35E930411F1}"/>
               </a:ext>
             </a:extLst>
           </p:cNvPr>
@@ -4504,7 +4503,7 @@
     </p:spTree>
     <p:extLst>
       <p:ext uri="{BB962C8B-B14F-4D97-AF65-F5344CB8AC3E}">
-        <p14:creationId xmlns="" xmlns:p14="http://schemas.microsoft.com/office/powerpoint/2010/main" val="191761657"/>
+        <p14:creationId xmlns:p14="http://schemas.microsoft.com/office/powerpoint/2010/main" xmlns="" val="191761657"/>
       </p:ext>
     </p:extLst>
   </p:cSld>
@@ -4514,7 +4513,196 @@
 </p:sld>
 </file>
 
-<file path=ppt/slides/slide10.xml><?xml version="1.0" encoding="utf-8"?>
+<file path=ppt/slides/slide2.xml><?xml version="1.0" encoding="utf-8"?>
+<p:sld xmlns:a="http://schemas.openxmlformats.org/drawingml/2006/main" xmlns:r="http://schemas.openxmlformats.org/officeDocument/2006/relationships" xmlns:p="http://schemas.openxmlformats.org/presentationml/2006/main">
+  <p:cSld>
+    <p:spTree>
+      <p:nvGrpSpPr>
+        <p:cNvPr id="1" name=""/>
+        <p:cNvGrpSpPr/>
+        <p:nvPr/>
+      </p:nvGrpSpPr>
+      <p:grpSpPr>
+        <a:xfrm>
+          <a:off x="0" y="0"/>
+          <a:ext cx="0" cy="0"/>
+          <a:chOff x="0" y="0"/>
+          <a:chExt cx="0" cy="0"/>
+        </a:xfrm>
+      </p:grpSpPr>
+      <p:sp>
+        <p:nvSpPr>
+          <p:cNvPr id="2" name="Title 1">
+            <a:extLst>
+              <a:ext uri="{FF2B5EF4-FFF2-40B4-BE49-F238E27FC236}">
+                <a16:creationId xmlns:a16="http://schemas.microsoft.com/office/drawing/2014/main" xmlns="" id="{5736FF43-A53A-411F-BAE9-0A9DDB54DB7A}"/>
+              </a:ext>
+            </a:extLst>
+          </p:cNvPr>
+          <p:cNvSpPr>
+            <a:spLocks noGrp="1"/>
+          </p:cNvSpPr>
+          <p:nvPr>
+            <p:ph type="title"/>
+          </p:nvPr>
+        </p:nvSpPr>
+        <p:spPr>
+          <a:xfrm>
+            <a:off x="715371" y="1378369"/>
+            <a:ext cx="10515600" cy="3330109"/>
+          </a:xfrm>
+        </p:spPr>
+        <p:txBody>
+          <a:bodyPr>
+            <a:normAutofit/>
+          </a:bodyPr>
+          <a:lstStyle/>
+          <a:p>
+            <a:pPr lvl="0"/>
+            <a:r>
+              <a:rPr lang="en-US" sz="4800" b="1" dirty="0" smtClean="0">
+                <a:solidFill>
+                  <a:srgbClr val="FF0000"/>
+                </a:solidFill>
+                <a:latin typeface="+mn-lt"/>
+                <a:ea typeface="+mn-ea"/>
+                <a:cs typeface="+mn-cs"/>
+              </a:rPr>
+              <a:t> Team Member:-  </a:t>
+            </a:r>
+            <a:r>
+              <a:rPr lang="en-US" sz="4800" dirty="0" err="1" smtClean="0"/>
+              <a:t>Shivam</a:t>
+            </a:r>
+            <a:r>
+              <a:rPr lang="en-US" sz="4800" dirty="0" smtClean="0"/>
+              <a:t> Kumar</a:t>
+            </a:r>
+            <a:br>
+              <a:rPr lang="en-US" sz="4800" dirty="0" smtClean="0"/>
+            </a:br>
+            <a:r>
+              <a:rPr lang="en-US" sz="4800" b="1" dirty="0" smtClean="0">
+                <a:solidFill>
+                  <a:srgbClr val="FF0000"/>
+                </a:solidFill>
+                <a:latin typeface="+mn-lt"/>
+                <a:ea typeface="+mn-ea"/>
+                <a:cs typeface="+mn-cs"/>
+              </a:rPr>
+              <a:t/>
+            </a:r>
+            <a:br>
+              <a:rPr lang="en-US" sz="4800" b="1" dirty="0" smtClean="0">
+                <a:solidFill>
+                  <a:srgbClr val="FF0000"/>
+                </a:solidFill>
+                <a:latin typeface="+mn-lt"/>
+                <a:ea typeface="+mn-ea"/>
+                <a:cs typeface="+mn-cs"/>
+              </a:rPr>
+            </a:br>
+            <a:r>
+              <a:rPr lang="en-US" sz="4800" b="1" dirty="0" smtClean="0">
+                <a:solidFill>
+                  <a:srgbClr val="FF0000"/>
+                </a:solidFill>
+                <a:latin typeface="+mn-lt"/>
+                <a:ea typeface="+mn-ea"/>
+                <a:cs typeface="+mn-cs"/>
+              </a:rPr>
+              <a:t>Project Supervisor:- </a:t>
+            </a:r>
+            <a:r>
+              <a:rPr lang="en-US" sz="4800" dirty="0" smtClean="0">
+                <a:solidFill>
+                  <a:srgbClr val="FF0000"/>
+                </a:solidFill>
+                <a:latin typeface="+mn-lt"/>
+                <a:ea typeface="+mn-ea"/>
+                <a:cs typeface="+mn-cs"/>
+              </a:rPr>
+              <a:t>Mr. </a:t>
+            </a:r>
+            <a:r>
+              <a:rPr lang="en-US" sz="4800" dirty="0" err="1" smtClean="0">
+                <a:solidFill>
+                  <a:srgbClr val="FF0000"/>
+                </a:solidFill>
+                <a:latin typeface="+mn-lt"/>
+                <a:ea typeface="+mn-ea"/>
+                <a:cs typeface="+mn-cs"/>
+              </a:rPr>
+              <a:t>Ankit</a:t>
+            </a:r>
+            <a:r>
+              <a:rPr lang="en-US" sz="4800" dirty="0" smtClean="0">
+                <a:solidFill>
+                  <a:srgbClr val="FF0000"/>
+                </a:solidFill>
+                <a:latin typeface="+mn-lt"/>
+                <a:ea typeface="+mn-ea"/>
+                <a:cs typeface="+mn-cs"/>
+              </a:rPr>
+              <a:t> </a:t>
+            </a:r>
+            <a:r>
+              <a:rPr lang="en-US" sz="4800" dirty="0" err="1" smtClean="0">
+                <a:solidFill>
+                  <a:srgbClr val="FF0000"/>
+                </a:solidFill>
+                <a:latin typeface="+mn-lt"/>
+                <a:ea typeface="+mn-ea"/>
+                <a:cs typeface="+mn-cs"/>
+              </a:rPr>
+              <a:t>Verma</a:t>
+            </a:r>
+            <a:r>
+              <a:rPr lang="en-US" sz="4800" b="1" dirty="0" smtClean="0">
+                <a:solidFill>
+                  <a:srgbClr val="FF0000"/>
+                </a:solidFill>
+                <a:latin typeface="+mn-lt"/>
+                <a:ea typeface="+mn-ea"/>
+                <a:cs typeface="+mn-cs"/>
+              </a:rPr>
+              <a:t/>
+            </a:r>
+            <a:br>
+              <a:rPr lang="en-US" sz="4800" b="1" dirty="0" smtClean="0">
+                <a:solidFill>
+                  <a:srgbClr val="FF0000"/>
+                </a:solidFill>
+                <a:latin typeface="+mn-lt"/>
+                <a:ea typeface="+mn-ea"/>
+                <a:cs typeface="+mn-cs"/>
+              </a:rPr>
+            </a:br>
+            <a:endParaRPr lang="en-US" sz="4800" b="1" dirty="0" smtClean="0">
+              <a:solidFill>
+                <a:srgbClr val="FF0000"/>
+              </a:solidFill>
+              <a:latin typeface="+mn-lt"/>
+              <a:ea typeface="+mn-ea"/>
+              <a:cs typeface="+mn-cs"/>
+            </a:endParaRPr>
+          </a:p>
+        </p:txBody>
+      </p:sp>
+    </p:spTree>
+    <p:extLst>
+      <p:ext uri="{BB962C8B-B14F-4D97-AF65-F5344CB8AC3E}">
+        <p14:creationId xmlns:p14="http://schemas.microsoft.com/office/powerpoint/2010/main" xmlns="" val="612263017"/>
+      </p:ext>
+    </p:extLst>
+  </p:cSld>
+  <p:clrMapOvr>
+    <a:masterClrMapping/>
+  </p:clrMapOvr>
+</p:sld>
+</file>
+
+<file path=ppt/slides/slide3.xml><?xml version="1.0" encoding="utf-8"?>
 <p:sld xmlns:a="http://schemas.openxmlformats.org/drawingml/2006/main" xmlns:r="http://schemas.openxmlformats.org/officeDocument/2006/relationships" xmlns:p="http://schemas.openxmlformats.org/presentationml/2006/main">
   <p:cSld>
     <p:bg>
@@ -4541,13 +4729,13 @@
       </p:grpSpPr>
       <p:sp useBgFill="1">
         <p:nvSpPr>
-          <p:cNvPr id="10" name="Rectangle 9">
-            <a:extLst>
-              <a:ext uri="{FF2B5EF4-FFF2-40B4-BE49-F238E27FC236}">
-                <a16:creationId xmlns="" xmlns:a16="http://schemas.microsoft.com/office/drawing/2014/main" id="{C4285719-470E-454C-AF62-8323075F1F5B}"/>
+          <p:cNvPr id="8" name="Rectangle 7">
+            <a:extLst>
+              <a:ext uri="{FF2B5EF4-FFF2-40B4-BE49-F238E27FC236}">
+                <a16:creationId xmlns:a16="http://schemas.microsoft.com/office/drawing/2014/main" xmlns="" id="{09588DA8-065E-4F6F-8EFD-43104AB2E0CF}"/>
               </a:ext>
               <a:ext uri="{C183D7F6-B498-43B3-948B-1728B52AA6E4}">
-                <adec:decorative xmlns="" xmlns:adec="http://schemas.microsoft.com/office/drawing/2017/decorative" val="1"/>
+                <adec:decorative xmlns:adec="http://schemas.microsoft.com/office/drawing/2017/decorative" xmlns="" val="1"/>
               </a:ext>
             </a:extLst>
           </p:cNvPr>
@@ -4557,7 +4745,7 @@
           <p:nvPr>
             <p:extLst>
               <p:ext uri="{386F3935-93C4-4BCD-93E2-E3B085C9AB24}">
-                <p16:designElem xmlns="" xmlns:p16="http://schemas.microsoft.com/office/powerpoint/2015/main" val="1"/>
+                <p16:designElem xmlns:p16="http://schemas.microsoft.com/office/powerpoint/2015/main" xmlns="" val="1"/>
               </p:ext>
             </p:extLst>
           </p:nvPr>
@@ -4565,7 +4753,7 @@
         <p:spPr>
           <a:xfrm>
             <a:off x="0" y="0"/>
-            <a:ext cx="12188952" cy="6858000"/>
+            <a:ext cx="12192000" cy="6858000"/>
           </a:xfrm>
           <a:prstGeom prst="rect">
             <a:avLst/>
@@ -4578,7 +4766,7 @@
           <a:effectLst/>
           <a:extLst>
             <a:ext uri="{91240B29-F687-4F45-9708-019B960494DF}">
-              <a14:hiddenLine xmlns="" xmlns:a14="http://schemas.microsoft.com/office/drawing/2010/main" w="12700" cap="flat" cmpd="sng" algn="ctr">
+              <a14:hiddenLine xmlns:a14="http://schemas.microsoft.com/office/drawing/2010/main" xmlns="" w="12700" cap="flat" cmpd="sng" algn="ctr">
                 <a:solidFill>
                   <a:schemeClr val="accent1">
                     <a:shade val="50000"/>
@@ -4615,15 +4803,15 @@
           </a:p>
         </p:txBody>
       </p:sp>
-      <p:sp>
-        <p:nvSpPr>
-          <p:cNvPr id="12" name="Rectangle 11">
-            <a:extLst>
-              <a:ext uri="{FF2B5EF4-FFF2-40B4-BE49-F238E27FC236}">
-                <a16:creationId xmlns="" xmlns:a16="http://schemas.microsoft.com/office/drawing/2014/main" id="{CD9FE4EF-C4D8-49A0-B2FF-81D8DB7D8A24}"/>
+      <p:sp useBgFill="1">
+        <p:nvSpPr>
+          <p:cNvPr id="10" name="Rectangle 9">
+            <a:extLst>
+              <a:ext uri="{FF2B5EF4-FFF2-40B4-BE49-F238E27FC236}">
+                <a16:creationId xmlns:a16="http://schemas.microsoft.com/office/drawing/2014/main" xmlns="" id="{C4285719-470E-454C-AF62-8323075F1F5B}"/>
               </a:ext>
               <a:ext uri="{C183D7F6-B498-43B3-948B-1728B52AA6E4}">
-                <adec:decorative xmlns="" xmlns:adec="http://schemas.microsoft.com/office/drawing/2017/decorative" val="1"/>
+                <adec:decorative xmlns:adec="http://schemas.microsoft.com/office/drawing/2017/decorative" xmlns="" val="1"/>
               </a:ext>
             </a:extLst>
           </p:cNvPr>
@@ -4633,7 +4821,83 @@
           <p:nvPr>
             <p:extLst>
               <p:ext uri="{386F3935-93C4-4BCD-93E2-E3B085C9AB24}">
-                <p16:designElem xmlns="" xmlns:p16="http://schemas.microsoft.com/office/powerpoint/2015/main" val="1"/>
+                <p16:designElem xmlns:p16="http://schemas.microsoft.com/office/powerpoint/2015/main" xmlns="" val="1"/>
+              </p:ext>
+            </p:extLst>
+          </p:nvPr>
+        </p:nvSpPr>
+        <p:spPr>
+          <a:xfrm>
+            <a:off x="0" y="0"/>
+            <a:ext cx="12188952" cy="6858000"/>
+          </a:xfrm>
+          <a:prstGeom prst="rect">
+            <a:avLst/>
+          </a:prstGeom>
+          <a:ln w="12700" cap="flat" cmpd="sng" algn="ctr">
+            <a:noFill/>
+            <a:prstDash val="solid"/>
+            <a:miter lim="800000"/>
+          </a:ln>
+          <a:effectLst/>
+          <a:extLst>
+            <a:ext uri="{91240B29-F687-4F45-9708-019B960494DF}">
+              <a14:hiddenLine xmlns:a14="http://schemas.microsoft.com/office/drawing/2010/main" xmlns="" w="12700" cap="flat" cmpd="sng" algn="ctr">
+                <a:solidFill>
+                  <a:schemeClr val="accent1">
+                    <a:shade val="50000"/>
+                  </a:schemeClr>
+                </a:solidFill>
+                <a:prstDash val="solid"/>
+                <a:miter lim="800000"/>
+              </a14:hiddenLine>
+            </a:ext>
+          </a:extLst>
+        </p:spPr>
+        <p:style>
+          <a:lnRef idx="2">
+            <a:schemeClr val="accent1">
+              <a:shade val="50000"/>
+            </a:schemeClr>
+          </a:lnRef>
+          <a:fillRef idx="1">
+            <a:schemeClr val="accent1"/>
+          </a:fillRef>
+          <a:effectRef idx="0">
+            <a:schemeClr val="accent1"/>
+          </a:effectRef>
+          <a:fontRef idx="minor">
+            <a:schemeClr val="lt1"/>
+          </a:fontRef>
+        </p:style>
+        <p:txBody>
+          <a:bodyPr rtlCol="0" anchor="ctr"/>
+          <a:lstStyle/>
+          <a:p>
+            <a:pPr algn="ctr"/>
+            <a:endParaRPr lang="en-US"/>
+          </a:p>
+        </p:txBody>
+      </p:sp>
+      <p:sp>
+        <p:nvSpPr>
+          <p:cNvPr id="12" name="Rectangle 11">
+            <a:extLst>
+              <a:ext uri="{FF2B5EF4-FFF2-40B4-BE49-F238E27FC236}">
+                <a16:creationId xmlns:a16="http://schemas.microsoft.com/office/drawing/2014/main" xmlns="" id="{CD9FE4EF-C4D8-49A0-B2FF-81D8DB7D8A24}"/>
+              </a:ext>
+              <a:ext uri="{C183D7F6-B498-43B3-948B-1728B52AA6E4}">
+                <adec:decorative xmlns:adec="http://schemas.microsoft.com/office/drawing/2017/decorative" xmlns="" val="1"/>
+              </a:ext>
+            </a:extLst>
+          </p:cNvPr>
+          <p:cNvSpPr>
+            <a:spLocks noGrp="1" noRot="1" noChangeAspect="1" noMove="1" noResize="1" noEditPoints="1" noAdjustHandles="1" noChangeArrowheads="1" noChangeShapeType="1" noTextEdit="1"/>
+          </p:cNvSpPr>
+          <p:nvPr>
+            <p:extLst>
+              <p:ext uri="{386F3935-93C4-4BCD-93E2-E3B085C9AB24}">
+                <p16:designElem xmlns:p16="http://schemas.microsoft.com/office/powerpoint/2015/main" xmlns="" val="1"/>
               </p:ext>
             </p:extLst>
           </p:nvPr>
@@ -4693,10 +4957,10 @@
           <p:cNvPr id="14" name="Rectangle 13">
             <a:extLst>
               <a:ext uri="{FF2B5EF4-FFF2-40B4-BE49-F238E27FC236}">
-                <a16:creationId xmlns="" xmlns:a16="http://schemas.microsoft.com/office/drawing/2014/main" id="{4300840D-0A0B-4512-BACA-B439D5B9C57C}"/>
+                <a16:creationId xmlns:a16="http://schemas.microsoft.com/office/drawing/2014/main" xmlns="" id="{4300840D-0A0B-4512-BACA-B439D5B9C57C}"/>
               </a:ext>
               <a:ext uri="{C183D7F6-B498-43B3-948B-1728B52AA6E4}">
-                <adec:decorative xmlns="" xmlns:adec="http://schemas.microsoft.com/office/drawing/2017/decorative" val="1"/>
+                <adec:decorative xmlns:adec="http://schemas.microsoft.com/office/drawing/2017/decorative" xmlns="" val="1"/>
               </a:ext>
             </a:extLst>
           </p:cNvPr>
@@ -4706,7 +4970,7 @@
           <p:nvPr>
             <p:extLst>
               <p:ext uri="{386F3935-93C4-4BCD-93E2-E3B085C9AB24}">
-                <p16:designElem xmlns="" xmlns:p16="http://schemas.microsoft.com/office/powerpoint/2015/main" val="1"/>
+                <p16:designElem xmlns:p16="http://schemas.microsoft.com/office/powerpoint/2015/main" xmlns="" val="1"/>
               </p:ext>
             </p:extLst>
           </p:nvPr>
@@ -4768,10 +5032,10 @@
           <p:cNvPr id="16" name="Rectangle 15">
             <a:extLst>
               <a:ext uri="{FF2B5EF4-FFF2-40B4-BE49-F238E27FC236}">
-                <a16:creationId xmlns="" xmlns:a16="http://schemas.microsoft.com/office/drawing/2014/main" id="{D2B78728-A580-49A7-84F9-6EF6F583ADE0}"/>
+                <a16:creationId xmlns:a16="http://schemas.microsoft.com/office/drawing/2014/main" xmlns="" id="{D2B78728-A580-49A7-84F9-6EF6F583ADE0}"/>
               </a:ext>
               <a:ext uri="{C183D7F6-B498-43B3-948B-1728B52AA6E4}">
-                <adec:decorative xmlns="" xmlns:adec="http://schemas.microsoft.com/office/drawing/2017/decorative" val="1"/>
+                <adec:decorative xmlns:adec="http://schemas.microsoft.com/office/drawing/2017/decorative" xmlns="" val="1"/>
               </a:ext>
             </a:extLst>
           </p:cNvPr>
@@ -4781,7 +5045,7 @@
           <p:nvPr>
             <p:extLst>
               <p:ext uri="{386F3935-93C4-4BCD-93E2-E3B085C9AB24}">
-                <p16:designElem xmlns="" xmlns:p16="http://schemas.microsoft.com/office/powerpoint/2015/main" val="1"/>
+                <p16:designElem xmlns:p16="http://schemas.microsoft.com/office/powerpoint/2015/main" xmlns="" val="1"/>
               </p:ext>
             </p:extLst>
           </p:nvPr>
@@ -4843,10 +5107,10 @@
           <p:cNvPr id="18" name="Freeform: Shape 17">
             <a:extLst>
               <a:ext uri="{FF2B5EF4-FFF2-40B4-BE49-F238E27FC236}">
-                <a16:creationId xmlns="" xmlns:a16="http://schemas.microsoft.com/office/drawing/2014/main" id="{38FAA1A1-D861-433F-88FA-1E9D6FD31D11}"/>
+                <a16:creationId xmlns:a16="http://schemas.microsoft.com/office/drawing/2014/main" xmlns="" id="{38FAA1A1-D861-433F-88FA-1E9D6FD31D11}"/>
               </a:ext>
               <a:ext uri="{C183D7F6-B498-43B3-948B-1728B52AA6E4}">
-                <adec:decorative xmlns="" xmlns:adec="http://schemas.microsoft.com/office/drawing/2017/decorative" val="1"/>
+                <adec:decorative xmlns:adec="http://schemas.microsoft.com/office/drawing/2017/decorative" xmlns="" val="1"/>
               </a:ext>
             </a:extLst>
           </p:cNvPr>
@@ -4856,7 +5120,7 @@
           <p:nvPr>
             <p:extLst>
               <p:ext uri="{386F3935-93C4-4BCD-93E2-E3B085C9AB24}">
-                <p16:designElem xmlns="" xmlns:p16="http://schemas.microsoft.com/office/powerpoint/2015/main" val="1"/>
+                <p16:designElem xmlns:p16="http://schemas.microsoft.com/office/powerpoint/2015/main" xmlns="" val="1"/>
               </p:ext>
             </p:extLst>
           </p:nvPr>
@@ -5013,10 +5277,10 @@
           <p:cNvPr id="20" name="Rectangle 19">
             <a:extLst>
               <a:ext uri="{FF2B5EF4-FFF2-40B4-BE49-F238E27FC236}">
-                <a16:creationId xmlns="" xmlns:a16="http://schemas.microsoft.com/office/drawing/2014/main" id="{8D71EDA1-87BF-4D5D-AB79-F346FD19278A}"/>
+                <a16:creationId xmlns:a16="http://schemas.microsoft.com/office/drawing/2014/main" xmlns="" id="{8D71EDA1-87BF-4D5D-AB79-F346FD19278A}"/>
               </a:ext>
               <a:ext uri="{C183D7F6-B498-43B3-948B-1728B52AA6E4}">
-                <adec:decorative xmlns="" xmlns:adec="http://schemas.microsoft.com/office/drawing/2017/decorative" val="1"/>
+                <adec:decorative xmlns:adec="http://schemas.microsoft.com/office/drawing/2017/decorative" xmlns="" val="1"/>
               </a:ext>
             </a:extLst>
           </p:cNvPr>
@@ -5026,7 +5290,7 @@
           <p:nvPr>
             <p:extLst>
               <p:ext uri="{386F3935-93C4-4BCD-93E2-E3B085C9AB24}">
-                <p16:designElem xmlns="" xmlns:p16="http://schemas.microsoft.com/office/powerpoint/2015/main" val="1"/>
+                <p16:designElem xmlns:p16="http://schemas.microsoft.com/office/powerpoint/2015/main" xmlns="" val="1"/>
               </p:ext>
             </p:extLst>
           </p:nvPr>
@@ -5087,10 +5351,10 @@
       </p:sp>
       <p:sp>
         <p:nvSpPr>
-          <p:cNvPr id="3" name="Content Placeholder 2">
-            <a:extLst>
-              <a:ext uri="{FF2B5EF4-FFF2-40B4-BE49-F238E27FC236}">
-                <a16:creationId xmlns="" xmlns:a16="http://schemas.microsoft.com/office/drawing/2014/main" id="{299A7D7D-A3EB-4E0D-8DD2-E1ABD82FC171}"/>
+          <p:cNvPr id="2" name="Title 1">
+            <a:extLst>
+              <a:ext uri="{FF2B5EF4-FFF2-40B4-BE49-F238E27FC236}">
+                <a16:creationId xmlns:a16="http://schemas.microsoft.com/office/drawing/2014/main" xmlns="" id="{DEFAD171-E1E0-49ED-B646-0B2EB34D4D19}"/>
               </a:ext>
             </a:extLst>
           </p:cNvPr>
@@ -5098,105 +5362,178 @@
             <a:spLocks noGrp="1"/>
           </p:cNvSpPr>
           <p:nvPr>
-            <p:ph idx="1"/>
+            <p:ph type="title"/>
           </p:nvPr>
         </p:nvSpPr>
         <p:spPr>
           <a:xfrm>
-            <a:off x="4738889" y="645836"/>
-            <a:ext cx="3025303" cy="5546047"/>
+            <a:off x="466722" y="586855"/>
+            <a:ext cx="3201366" cy="3387497"/>
           </a:xfrm>
         </p:spPr>
         <p:txBody>
+          <a:bodyPr anchor="b">
+            <a:normAutofit/>
+          </a:bodyPr>
+          <a:lstStyle/>
+          <a:p>
+            <a:pPr algn="r"/>
+            <a:r>
+              <a:rPr lang="en-US" sz="4000" b="0" i="0" dirty="0" smtClean="0">
+                <a:solidFill>
+                  <a:srgbClr val="FFFFFF"/>
+                </a:solidFill>
+                <a:effectLst/>
+                <a:latin typeface="arial" panose="020B0604020202020204" pitchFamily="34" charset="0"/>
+              </a:rPr>
+              <a:t> </a:t>
+            </a:r>
+            <a:r>
+              <a:rPr lang="en-US" sz="4000" dirty="0" smtClean="0">
+                <a:solidFill>
+                  <a:srgbClr val="FFFFFF"/>
+                </a:solidFill>
+                <a:latin typeface="arial" panose="020B0604020202020204" pitchFamily="34" charset="0"/>
+              </a:rPr>
+              <a:t/>
+            </a:r>
+            <a:br>
+              <a:rPr lang="en-US" sz="4000" dirty="0" smtClean="0">
+                <a:solidFill>
+                  <a:srgbClr val="FFFFFF"/>
+                </a:solidFill>
+                <a:latin typeface="arial" panose="020B0604020202020204" pitchFamily="34" charset="0"/>
+              </a:rPr>
+            </a:br>
+            <a:r>
+              <a:rPr lang="en-US" sz="4000" dirty="0" smtClean="0">
+                <a:solidFill>
+                  <a:srgbClr val="FFFFFF"/>
+                </a:solidFill>
+                <a:latin typeface="arial" panose="020B0604020202020204" pitchFamily="34" charset="0"/>
+              </a:rPr>
+              <a:t>Introduction</a:t>
+            </a:r>
+            <a:r>
+              <a:rPr lang="en-US" sz="4000" dirty="0">
+                <a:solidFill>
+                  <a:srgbClr val="FFFFFF"/>
+                </a:solidFill>
+                <a:latin typeface="arial" panose="020B0604020202020204" pitchFamily="34" charset="0"/>
+              </a:rPr>
+              <a:t/>
+            </a:r>
+            <a:br>
+              <a:rPr lang="en-US" sz="4000" dirty="0">
+                <a:solidFill>
+                  <a:srgbClr val="FFFFFF"/>
+                </a:solidFill>
+                <a:latin typeface="arial" panose="020B0604020202020204" pitchFamily="34" charset="0"/>
+              </a:rPr>
+            </a:br>
+            <a:endParaRPr lang="en-US" sz="4000" dirty="0">
+              <a:solidFill>
+                <a:srgbClr val="FFFFFF"/>
+              </a:solidFill>
+              <a:latin typeface="arial" panose="020B0604020202020204" pitchFamily="34" charset="0"/>
+            </a:endParaRPr>
+          </a:p>
+        </p:txBody>
+      </p:sp>
+      <p:sp>
+        <p:nvSpPr>
+          <p:cNvPr id="3" name="Content Placeholder 2">
+            <a:extLst>
+              <a:ext uri="{FF2B5EF4-FFF2-40B4-BE49-F238E27FC236}">
+                <a16:creationId xmlns:a16="http://schemas.microsoft.com/office/drawing/2014/main" xmlns="" id="{C7AD63DF-3114-425C-8AE0-727EC98A9F43}"/>
+              </a:ext>
+            </a:extLst>
+          </p:cNvPr>
+          <p:cNvSpPr>
+            <a:spLocks noGrp="1"/>
+          </p:cNvSpPr>
+          <p:nvPr>
+            <p:ph idx="1"/>
+          </p:nvPr>
+        </p:nvSpPr>
+        <p:spPr>
+          <a:xfrm>
+            <a:off x="4810259" y="649480"/>
+            <a:ext cx="6555347" cy="5546047"/>
+          </a:xfrm>
+        </p:spPr>
+        <p:txBody>
           <a:bodyPr anchor="ctr">
-            <a:normAutofit/>
+            <a:normAutofit lnSpcReduction="10000"/>
           </a:bodyPr>
           <a:lstStyle/>
           <a:p>
             <a:pPr marL="0" indent="0">
               <a:buNone/>
             </a:pPr>
-            <a:r>
-              <a:rPr lang="en-US" sz="4400" dirty="0"/>
-              <a:t>Thank you !</a:t>
-            </a:r>
-          </a:p>
-        </p:txBody>
-      </p:sp>
-      <p:pic>
-        <p:nvPicPr>
-          <p:cNvPr id="7" name="Graphic 6" descr="Right Double Quote">
-            <a:extLst>
-              <a:ext uri="{FF2B5EF4-FFF2-40B4-BE49-F238E27FC236}">
-                <a16:creationId xmlns="" xmlns:a16="http://schemas.microsoft.com/office/drawing/2014/main" id="{15A80693-52DB-4CD3-8628-47F58DBA594D}"/>
-              </a:ext>
-            </a:extLst>
-          </p:cNvPr>
-          <p:cNvPicPr>
-            <a:picLocks noChangeAspect="1"/>
-          </p:cNvPicPr>
-          <p:nvPr/>
-        </p:nvPicPr>
-        <p:blipFill>
-          <a:blip r:embed="rId2">
-            <a:extLst>
-              <a:ext uri="{28A0092B-C50C-407E-A947-70E740481C1C}">
-                <a14:useLocalDpi xmlns="" xmlns:a14="http://schemas.microsoft.com/office/drawing/2010/main" val="0"/>
-              </a:ext>
-              <a:ext uri="{96DAC541-7B7A-43D3-8B79-37D633B846F1}">
-                <asvg:svgBlip xmlns="" xmlns:asvg="http://schemas.microsoft.com/office/drawing/2016/SVG/main" r:embed="rId3"/>
-              </a:ext>
-            </a:extLst>
-          </a:blip>
-          <a:stretch>
-            <a:fillRect/>
-          </a:stretch>
-        </p:blipFill>
-        <p:spPr>
-          <a:xfrm>
-            <a:off x="8109502" y="1627051"/>
-            <a:ext cx="3615776" cy="3615776"/>
-          </a:xfrm>
-          <a:prstGeom prst="rect">
-            <a:avLst/>
-          </a:prstGeom>
-        </p:spPr>
-      </p:pic>
-      <p:sp>
-        <p:nvSpPr>
-          <p:cNvPr id="11" name="TextBox 10">
-            <a:extLst>
-              <a:ext uri="{FF2B5EF4-FFF2-40B4-BE49-F238E27FC236}">
-                <a16:creationId xmlns="" xmlns:a16="http://schemas.microsoft.com/office/drawing/2014/main" id="{AE8D3519-99DA-4FC9-84F7-4977FD0B88BC}"/>
-              </a:ext>
-            </a:extLst>
-          </p:cNvPr>
-          <p:cNvSpPr txBox="1"/>
-          <p:nvPr/>
-        </p:nvSpPr>
-        <p:spPr>
-          <a:xfrm>
-            <a:off x="9486900" y="5643563"/>
-            <a:ext cx="2224753" cy="466231"/>
-          </a:xfrm>
-          <a:prstGeom prst="rect">
-            <a:avLst/>
-          </a:prstGeom>
-        </p:spPr>
-        <p:txBody>
-          <a:bodyPr vert="horz" lIns="91440" tIns="45720" rIns="91440" bIns="45720" rtlCol="0">
-            <a:normAutofit/>
-          </a:bodyPr>
-          <a:lstStyle/>
-          <a:p>
-            <a:pPr>
-              <a:lnSpc>
-                <a:spcPct val="90000"/>
-              </a:lnSpc>
-              <a:spcAft>
-                <a:spcPts val="600"/>
-              </a:spcAft>
+            <a:endParaRPr lang="en-US" sz="2000" b="0" i="0" dirty="0" smtClean="0">
+              <a:effectLst/>
+              <a:latin typeface="arial" panose="020B0604020202020204" pitchFamily="34" charset="0"/>
+            </a:endParaRPr>
+          </a:p>
+          <a:p>
+            <a:pPr algn="just">
+              <a:buNone/>
             </a:pPr>
+            <a:r>
+              <a:rPr lang="en-US" sz="2000" dirty="0" smtClean="0">
+                <a:latin typeface="arial" panose="020B0604020202020204" pitchFamily="34" charset="0"/>
+              </a:rPr>
+              <a:t>  </a:t>
+            </a:r>
+            <a:r>
+              <a:rPr lang="en-US" sz="2000" dirty="0" smtClean="0">
+                <a:latin typeface="arial" panose="020B0604020202020204" pitchFamily="34" charset="0"/>
+              </a:rPr>
+              <a:t>  </a:t>
+            </a:r>
+            <a:r>
+              <a:rPr lang="en-US" sz="2000" dirty="0" smtClean="0">
+                <a:latin typeface="arial" panose="020B0604020202020204" pitchFamily="34" charset="0"/>
+              </a:rPr>
+              <a:t>In a world driven by rapid technological advancements and evolving career landscapes, making informed decisions about education and career paths has become more critical than ever. For students, navigating this complex terrain can be daunting, as they strive to align their passions and interests with the right educational choices and future career prospects. To address this challenge, we present the "Personalized Student Career Path Guidance System," a transformative web-based platform that empowers students to chart their educational journey with confidence.</a:t>
+            </a:r>
+          </a:p>
+          <a:p>
+            <a:pPr algn="just">
+              <a:buNone/>
+            </a:pPr>
+            <a:r>
+              <a:rPr lang="en-US" sz="2000" dirty="0" smtClean="0">
+                <a:latin typeface="arial" panose="020B0604020202020204" pitchFamily="34" charset="0"/>
+              </a:rPr>
+              <a:t>  </a:t>
+            </a:r>
+            <a:r>
+              <a:rPr lang="en-US" sz="2000" dirty="0" smtClean="0"/>
+              <a:t> </a:t>
+            </a:r>
+            <a:r>
+              <a:rPr lang="en-US" sz="2000" dirty="0" smtClean="0"/>
+              <a:t> </a:t>
+            </a:r>
+            <a:r>
+              <a:rPr lang="en-US" sz="2000" dirty="0" smtClean="0">
+                <a:latin typeface="arial" panose="020B0604020202020204" pitchFamily="34" charset="0"/>
+              </a:rPr>
+              <a:t>“Career Path:-Personalized Student Career Path Guidance System” starts by collecting detailed information from students about their educational backgrounds, academic achievements, extracurricular activities, and, most importantly, their areas of interest and career aspirations. Leveraging advanced algorithms and data analysis techniques, the system transforms this information into actionable insights</a:t>
+            </a:r>
+          </a:p>
+          <a:p>
+            <a:pPr algn="just">
+              <a:buNone/>
+            </a:pPr>
+            <a:endParaRPr lang="en-US" sz="2000" b="0" i="0" dirty="0">
+              <a:effectLst/>
+              <a:latin typeface="arial" panose="020B0604020202020204" pitchFamily="34" charset="0"/>
+            </a:endParaRPr>
+          </a:p>
+          <a:p>
             <a:endParaRPr lang="en-US" sz="2000" dirty="0"/>
           </a:p>
         </p:txBody>
@@ -5204,7 +5541,7 @@
     </p:spTree>
     <p:extLst>
       <p:ext uri="{BB962C8B-B14F-4D97-AF65-F5344CB8AC3E}">
-        <p14:creationId xmlns="" xmlns:p14="http://schemas.microsoft.com/office/powerpoint/2010/main" val="1307769778"/>
+        <p14:creationId xmlns:p14="http://schemas.microsoft.com/office/powerpoint/2010/main" xmlns="" val="2646768332"/>
       </p:ext>
     </p:extLst>
   </p:cSld>
@@ -5214,196 +5551,7 @@
 </p:sld>
 </file>
 
-<file path=ppt/slides/slide2.xml><?xml version="1.0" encoding="utf-8"?>
-<p:sld xmlns:a="http://schemas.openxmlformats.org/drawingml/2006/main" xmlns:r="http://schemas.openxmlformats.org/officeDocument/2006/relationships" xmlns:p="http://schemas.openxmlformats.org/presentationml/2006/main">
-  <p:cSld>
-    <p:spTree>
-      <p:nvGrpSpPr>
-        <p:cNvPr id="1" name=""/>
-        <p:cNvGrpSpPr/>
-        <p:nvPr/>
-      </p:nvGrpSpPr>
-      <p:grpSpPr>
-        <a:xfrm>
-          <a:off x="0" y="0"/>
-          <a:ext cx="0" cy="0"/>
-          <a:chOff x="0" y="0"/>
-          <a:chExt cx="0" cy="0"/>
-        </a:xfrm>
-      </p:grpSpPr>
-      <p:sp>
-        <p:nvSpPr>
-          <p:cNvPr id="2" name="Title 1">
-            <a:extLst>
-              <a:ext uri="{FF2B5EF4-FFF2-40B4-BE49-F238E27FC236}">
-                <a16:creationId xmlns="" xmlns:a16="http://schemas.microsoft.com/office/drawing/2014/main" id="{5736FF43-A53A-411F-BAE9-0A9DDB54DB7A}"/>
-              </a:ext>
-            </a:extLst>
-          </p:cNvPr>
-          <p:cNvSpPr>
-            <a:spLocks noGrp="1"/>
-          </p:cNvSpPr>
-          <p:nvPr>
-            <p:ph type="title"/>
-          </p:nvPr>
-        </p:nvSpPr>
-        <p:spPr>
-          <a:xfrm>
-            <a:off x="715371" y="1378369"/>
-            <a:ext cx="10515600" cy="3330109"/>
-          </a:xfrm>
-        </p:spPr>
-        <p:txBody>
-          <a:bodyPr>
-            <a:normAutofit/>
-          </a:bodyPr>
-          <a:lstStyle/>
-          <a:p>
-            <a:pPr lvl="0"/>
-            <a:r>
-              <a:rPr lang="en-US" sz="4800" b="1" dirty="0" smtClean="0">
-                <a:solidFill>
-                  <a:srgbClr val="FF0000"/>
-                </a:solidFill>
-                <a:latin typeface="+mn-lt"/>
-                <a:ea typeface="+mn-ea"/>
-                <a:cs typeface="+mn-cs"/>
-              </a:rPr>
-              <a:t> Team Member:-  </a:t>
-            </a:r>
-            <a:r>
-              <a:rPr lang="en-US" sz="4800" dirty="0" err="1" smtClean="0"/>
-              <a:t>Shivam</a:t>
-            </a:r>
-            <a:r>
-              <a:rPr lang="en-US" sz="4800" dirty="0" smtClean="0"/>
-              <a:t> Kumar</a:t>
-            </a:r>
-            <a:br>
-              <a:rPr lang="en-US" sz="4800" dirty="0" smtClean="0"/>
-            </a:br>
-            <a:r>
-              <a:rPr lang="en-US" sz="4800" b="1" dirty="0" smtClean="0">
-                <a:solidFill>
-                  <a:srgbClr val="FF0000"/>
-                </a:solidFill>
-                <a:latin typeface="+mn-lt"/>
-                <a:ea typeface="+mn-ea"/>
-                <a:cs typeface="+mn-cs"/>
-              </a:rPr>
-              <a:t/>
-            </a:r>
-            <a:br>
-              <a:rPr lang="en-US" sz="4800" b="1" dirty="0" smtClean="0">
-                <a:solidFill>
-                  <a:srgbClr val="FF0000"/>
-                </a:solidFill>
-                <a:latin typeface="+mn-lt"/>
-                <a:ea typeface="+mn-ea"/>
-                <a:cs typeface="+mn-cs"/>
-              </a:rPr>
-            </a:br>
-            <a:r>
-              <a:rPr lang="en-US" sz="4800" b="1" dirty="0" smtClean="0">
-                <a:solidFill>
-                  <a:srgbClr val="FF0000"/>
-                </a:solidFill>
-                <a:latin typeface="+mn-lt"/>
-                <a:ea typeface="+mn-ea"/>
-                <a:cs typeface="+mn-cs"/>
-              </a:rPr>
-              <a:t>Project Supervisor:- </a:t>
-            </a:r>
-            <a:r>
-              <a:rPr lang="en-US" sz="4800" dirty="0" smtClean="0">
-                <a:solidFill>
-                  <a:srgbClr val="FF0000"/>
-                </a:solidFill>
-                <a:latin typeface="+mn-lt"/>
-                <a:ea typeface="+mn-ea"/>
-                <a:cs typeface="+mn-cs"/>
-              </a:rPr>
-              <a:t>Mr. </a:t>
-            </a:r>
-            <a:r>
-              <a:rPr lang="en-US" sz="4800" dirty="0" err="1" smtClean="0">
-                <a:solidFill>
-                  <a:srgbClr val="FF0000"/>
-                </a:solidFill>
-                <a:latin typeface="+mn-lt"/>
-                <a:ea typeface="+mn-ea"/>
-                <a:cs typeface="+mn-cs"/>
-              </a:rPr>
-              <a:t>Ankit</a:t>
-            </a:r>
-            <a:r>
-              <a:rPr lang="en-US" sz="4800" dirty="0" smtClean="0">
-                <a:solidFill>
-                  <a:srgbClr val="FF0000"/>
-                </a:solidFill>
-                <a:latin typeface="+mn-lt"/>
-                <a:ea typeface="+mn-ea"/>
-                <a:cs typeface="+mn-cs"/>
-              </a:rPr>
-              <a:t> </a:t>
-            </a:r>
-            <a:r>
-              <a:rPr lang="en-US" sz="4800" dirty="0" err="1" smtClean="0">
-                <a:solidFill>
-                  <a:srgbClr val="FF0000"/>
-                </a:solidFill>
-                <a:latin typeface="+mn-lt"/>
-                <a:ea typeface="+mn-ea"/>
-                <a:cs typeface="+mn-cs"/>
-              </a:rPr>
-              <a:t>Verma</a:t>
-            </a:r>
-            <a:r>
-              <a:rPr lang="en-US" sz="4800" b="1" dirty="0" smtClean="0">
-                <a:solidFill>
-                  <a:srgbClr val="FF0000"/>
-                </a:solidFill>
-                <a:latin typeface="+mn-lt"/>
-                <a:ea typeface="+mn-ea"/>
-                <a:cs typeface="+mn-cs"/>
-              </a:rPr>
-              <a:t/>
-            </a:r>
-            <a:br>
-              <a:rPr lang="en-US" sz="4800" b="1" dirty="0" smtClean="0">
-                <a:solidFill>
-                  <a:srgbClr val="FF0000"/>
-                </a:solidFill>
-                <a:latin typeface="+mn-lt"/>
-                <a:ea typeface="+mn-ea"/>
-                <a:cs typeface="+mn-cs"/>
-              </a:rPr>
-            </a:br>
-            <a:endParaRPr lang="en-US" sz="4800" b="1" dirty="0" smtClean="0">
-              <a:solidFill>
-                <a:srgbClr val="FF0000"/>
-              </a:solidFill>
-              <a:latin typeface="+mn-lt"/>
-              <a:ea typeface="+mn-ea"/>
-              <a:cs typeface="+mn-cs"/>
-            </a:endParaRPr>
-          </a:p>
-        </p:txBody>
-      </p:sp>
-    </p:spTree>
-    <p:extLst>
-      <p:ext uri="{BB962C8B-B14F-4D97-AF65-F5344CB8AC3E}">
-        <p14:creationId xmlns="" xmlns:p14="http://schemas.microsoft.com/office/powerpoint/2010/main" val="612263017"/>
-      </p:ext>
-    </p:extLst>
-  </p:cSld>
-  <p:clrMapOvr>
-    <a:masterClrMapping/>
-  </p:clrMapOvr>
-</p:sld>
-</file>
-
-<file path=ppt/slides/slide3.xml><?xml version="1.0" encoding="utf-8"?>
+<file path=ppt/slides/slide4.xml><?xml version="1.0" encoding="utf-8"?>
 <p:sld xmlns:a="http://schemas.openxmlformats.org/drawingml/2006/main" xmlns:r="http://schemas.openxmlformats.org/officeDocument/2006/relationships" xmlns:p="http://schemas.openxmlformats.org/presentationml/2006/main">
   <p:cSld>
     <p:bg>
@@ -5433,10 +5581,10 @@
           <p:cNvPr id="8" name="Rectangle 7">
             <a:extLst>
               <a:ext uri="{FF2B5EF4-FFF2-40B4-BE49-F238E27FC236}">
-                <a16:creationId xmlns="" xmlns:a16="http://schemas.microsoft.com/office/drawing/2014/main" id="{09588DA8-065E-4F6F-8EFD-43104AB2E0CF}"/>
+                <a16:creationId xmlns:a16="http://schemas.microsoft.com/office/drawing/2014/main" xmlns="" id="{09588DA8-065E-4F6F-8EFD-43104AB2E0CF}"/>
               </a:ext>
               <a:ext uri="{C183D7F6-B498-43B3-948B-1728B52AA6E4}">
-                <adec:decorative xmlns="" xmlns:adec="http://schemas.microsoft.com/office/drawing/2017/decorative" val="1"/>
+                <adec:decorative xmlns:adec="http://schemas.microsoft.com/office/drawing/2017/decorative" xmlns="" val="1"/>
               </a:ext>
             </a:extLst>
           </p:cNvPr>
@@ -5446,7 +5594,7 @@
           <p:nvPr>
             <p:extLst>
               <p:ext uri="{386F3935-93C4-4BCD-93E2-E3B085C9AB24}">
-                <p16:designElem xmlns="" xmlns:p16="http://schemas.microsoft.com/office/powerpoint/2015/main" val="1"/>
+                <p16:designElem xmlns:p16="http://schemas.microsoft.com/office/powerpoint/2015/main" xmlns="" val="1"/>
               </p:ext>
             </p:extLst>
           </p:nvPr>
@@ -5467,7 +5615,7 @@
           <a:effectLst/>
           <a:extLst>
             <a:ext uri="{91240B29-F687-4F45-9708-019B960494DF}">
-              <a14:hiddenLine xmlns="" xmlns:a14="http://schemas.microsoft.com/office/drawing/2010/main" w="12700" cap="flat" cmpd="sng" algn="ctr">
+              <a14:hiddenLine xmlns:a14="http://schemas.microsoft.com/office/drawing/2010/main" xmlns="" w="12700" cap="flat" cmpd="sng" algn="ctr">
                 <a:solidFill>
                   <a:schemeClr val="accent1">
                     <a:shade val="50000"/>
@@ -5509,10 +5657,10 @@
           <p:cNvPr id="10" name="Rectangle 9">
             <a:extLst>
               <a:ext uri="{FF2B5EF4-FFF2-40B4-BE49-F238E27FC236}">
-                <a16:creationId xmlns="" xmlns:a16="http://schemas.microsoft.com/office/drawing/2014/main" id="{C4285719-470E-454C-AF62-8323075F1F5B}"/>
+                <a16:creationId xmlns:a16="http://schemas.microsoft.com/office/drawing/2014/main" xmlns="" id="{C4285719-470E-454C-AF62-8323075F1F5B}"/>
               </a:ext>
               <a:ext uri="{C183D7F6-B498-43B3-948B-1728B52AA6E4}">
-                <adec:decorative xmlns="" xmlns:adec="http://schemas.microsoft.com/office/drawing/2017/decorative" val="1"/>
+                <adec:decorative xmlns:adec="http://schemas.microsoft.com/office/drawing/2017/decorative" xmlns="" val="1"/>
               </a:ext>
             </a:extLst>
           </p:cNvPr>
@@ -5522,7 +5670,7 @@
           <p:nvPr>
             <p:extLst>
               <p:ext uri="{386F3935-93C4-4BCD-93E2-E3B085C9AB24}">
-                <p16:designElem xmlns="" xmlns:p16="http://schemas.microsoft.com/office/powerpoint/2015/main" val="1"/>
+                <p16:designElem xmlns:p16="http://schemas.microsoft.com/office/powerpoint/2015/main" xmlns="" val="1"/>
               </p:ext>
             </p:extLst>
           </p:nvPr>
@@ -5543,7 +5691,7 @@
           <a:effectLst/>
           <a:extLst>
             <a:ext uri="{91240B29-F687-4F45-9708-019B960494DF}">
-              <a14:hiddenLine xmlns="" xmlns:a14="http://schemas.microsoft.com/office/drawing/2010/main" w="12700" cap="flat" cmpd="sng" algn="ctr">
+              <a14:hiddenLine xmlns:a14="http://schemas.microsoft.com/office/drawing/2010/main" xmlns="" w="12700" cap="flat" cmpd="sng" algn="ctr">
                 <a:solidFill>
                   <a:schemeClr val="accent1">
                     <a:shade val="50000"/>
@@ -5585,10 +5733,10 @@
           <p:cNvPr id="12" name="Rectangle 11">
             <a:extLst>
               <a:ext uri="{FF2B5EF4-FFF2-40B4-BE49-F238E27FC236}">
-                <a16:creationId xmlns="" xmlns:a16="http://schemas.microsoft.com/office/drawing/2014/main" id="{CD9FE4EF-C4D8-49A0-B2FF-81D8DB7D8A24}"/>
+                <a16:creationId xmlns:a16="http://schemas.microsoft.com/office/drawing/2014/main" xmlns="" id="{CD9FE4EF-C4D8-49A0-B2FF-81D8DB7D8A24}"/>
               </a:ext>
               <a:ext uri="{C183D7F6-B498-43B3-948B-1728B52AA6E4}">
-                <adec:decorative xmlns="" xmlns:adec="http://schemas.microsoft.com/office/drawing/2017/decorative" val="1"/>
+                <adec:decorative xmlns:adec="http://schemas.microsoft.com/office/drawing/2017/decorative" xmlns="" val="1"/>
               </a:ext>
             </a:extLst>
           </p:cNvPr>
@@ -5598,7 +5746,7 @@
           <p:nvPr>
             <p:extLst>
               <p:ext uri="{386F3935-93C4-4BCD-93E2-E3B085C9AB24}">
-                <p16:designElem xmlns="" xmlns:p16="http://schemas.microsoft.com/office/powerpoint/2015/main" val="1"/>
+                <p16:designElem xmlns:p16="http://schemas.microsoft.com/office/powerpoint/2015/main" xmlns="" val="1"/>
               </p:ext>
             </p:extLst>
           </p:nvPr>
@@ -5658,10 +5806,10 @@
           <p:cNvPr id="14" name="Rectangle 13">
             <a:extLst>
               <a:ext uri="{FF2B5EF4-FFF2-40B4-BE49-F238E27FC236}">
-                <a16:creationId xmlns="" xmlns:a16="http://schemas.microsoft.com/office/drawing/2014/main" id="{4300840D-0A0B-4512-BACA-B439D5B9C57C}"/>
+                <a16:creationId xmlns:a16="http://schemas.microsoft.com/office/drawing/2014/main" xmlns="" id="{4300840D-0A0B-4512-BACA-B439D5B9C57C}"/>
               </a:ext>
               <a:ext uri="{C183D7F6-B498-43B3-948B-1728B52AA6E4}">
-                <adec:decorative xmlns="" xmlns:adec="http://schemas.microsoft.com/office/drawing/2017/decorative" val="1"/>
+                <adec:decorative xmlns:adec="http://schemas.microsoft.com/office/drawing/2017/decorative" xmlns="" val="1"/>
               </a:ext>
             </a:extLst>
           </p:cNvPr>
@@ -5671,7 +5819,7 @@
           <p:nvPr>
             <p:extLst>
               <p:ext uri="{386F3935-93C4-4BCD-93E2-E3B085C9AB24}">
-                <p16:designElem xmlns="" xmlns:p16="http://schemas.microsoft.com/office/powerpoint/2015/main" val="1"/>
+                <p16:designElem xmlns:p16="http://schemas.microsoft.com/office/powerpoint/2015/main" xmlns="" val="1"/>
               </p:ext>
             </p:extLst>
           </p:nvPr>
@@ -5733,10 +5881,10 @@
           <p:cNvPr id="16" name="Rectangle 15">
             <a:extLst>
               <a:ext uri="{FF2B5EF4-FFF2-40B4-BE49-F238E27FC236}">
-                <a16:creationId xmlns="" xmlns:a16="http://schemas.microsoft.com/office/drawing/2014/main" id="{D2B78728-A580-49A7-84F9-6EF6F583ADE0}"/>
+                <a16:creationId xmlns:a16="http://schemas.microsoft.com/office/drawing/2014/main" xmlns="" id="{D2B78728-A580-49A7-84F9-6EF6F583ADE0}"/>
               </a:ext>
               <a:ext uri="{C183D7F6-B498-43B3-948B-1728B52AA6E4}">
-                <adec:decorative xmlns="" xmlns:adec="http://schemas.microsoft.com/office/drawing/2017/decorative" val="1"/>
+                <adec:decorative xmlns:adec="http://schemas.microsoft.com/office/drawing/2017/decorative" xmlns="" val="1"/>
               </a:ext>
             </a:extLst>
           </p:cNvPr>
@@ -5746,7 +5894,7 @@
           <p:nvPr>
             <p:extLst>
               <p:ext uri="{386F3935-93C4-4BCD-93E2-E3B085C9AB24}">
-                <p16:designElem xmlns="" xmlns:p16="http://schemas.microsoft.com/office/powerpoint/2015/main" val="1"/>
+                <p16:designElem xmlns:p16="http://schemas.microsoft.com/office/powerpoint/2015/main" xmlns="" val="1"/>
               </p:ext>
             </p:extLst>
           </p:nvPr>
@@ -5808,10 +5956,10 @@
           <p:cNvPr id="18" name="Freeform: Shape 17">
             <a:extLst>
               <a:ext uri="{FF2B5EF4-FFF2-40B4-BE49-F238E27FC236}">
-                <a16:creationId xmlns="" xmlns:a16="http://schemas.microsoft.com/office/drawing/2014/main" id="{38FAA1A1-D861-433F-88FA-1E9D6FD31D11}"/>
+                <a16:creationId xmlns:a16="http://schemas.microsoft.com/office/drawing/2014/main" xmlns="" id="{38FAA1A1-D861-433F-88FA-1E9D6FD31D11}"/>
               </a:ext>
               <a:ext uri="{C183D7F6-B498-43B3-948B-1728B52AA6E4}">
-                <adec:decorative xmlns="" xmlns:adec="http://schemas.microsoft.com/office/drawing/2017/decorative" val="1"/>
+                <adec:decorative xmlns:adec="http://schemas.microsoft.com/office/drawing/2017/decorative" xmlns="" val="1"/>
               </a:ext>
             </a:extLst>
           </p:cNvPr>
@@ -5821,7 +5969,7 @@
           <p:nvPr>
             <p:extLst>
               <p:ext uri="{386F3935-93C4-4BCD-93E2-E3B085C9AB24}">
-                <p16:designElem xmlns="" xmlns:p16="http://schemas.microsoft.com/office/powerpoint/2015/main" val="1"/>
+                <p16:designElem xmlns:p16="http://schemas.microsoft.com/office/powerpoint/2015/main" xmlns="" val="1"/>
               </p:ext>
             </p:extLst>
           </p:nvPr>
@@ -5978,10 +6126,10 @@
           <p:cNvPr id="20" name="Rectangle 19">
             <a:extLst>
               <a:ext uri="{FF2B5EF4-FFF2-40B4-BE49-F238E27FC236}">
-                <a16:creationId xmlns="" xmlns:a16="http://schemas.microsoft.com/office/drawing/2014/main" id="{8D71EDA1-87BF-4D5D-AB79-F346FD19278A}"/>
+                <a16:creationId xmlns:a16="http://schemas.microsoft.com/office/drawing/2014/main" xmlns="" id="{8D71EDA1-87BF-4D5D-AB79-F346FD19278A}"/>
               </a:ext>
               <a:ext uri="{C183D7F6-B498-43B3-948B-1728B52AA6E4}">
-                <adec:decorative xmlns="" xmlns:adec="http://schemas.microsoft.com/office/drawing/2017/decorative" val="1"/>
+                <adec:decorative xmlns:adec="http://schemas.microsoft.com/office/drawing/2017/decorative" xmlns="" val="1"/>
               </a:ext>
             </a:extLst>
           </p:cNvPr>
@@ -5991,7 +6139,7 @@
           <p:nvPr>
             <p:extLst>
               <p:ext uri="{386F3935-93C4-4BCD-93E2-E3B085C9AB24}">
-                <p16:designElem xmlns="" xmlns:p16="http://schemas.microsoft.com/office/powerpoint/2015/main" val="1"/>
+                <p16:designElem xmlns:p16="http://schemas.microsoft.com/office/powerpoint/2015/main" xmlns="" val="1"/>
               </p:ext>
             </p:extLst>
           </p:nvPr>
@@ -6055,7 +6203,7 @@
           <p:cNvPr id="2" name="Title 1">
             <a:extLst>
               <a:ext uri="{FF2B5EF4-FFF2-40B4-BE49-F238E27FC236}">
-                <a16:creationId xmlns="" xmlns:a16="http://schemas.microsoft.com/office/drawing/2014/main" id="{DEFAD171-E1E0-49ED-B646-0B2EB34D4D19}"/>
+                <a16:creationId xmlns:a16="http://schemas.microsoft.com/office/drawing/2014/main" xmlns="" id="{0D2B81DA-C1B2-4AF3-BB0F-C0B683CA61B3}"/>
               </a:ext>
             </a:extLst>
           </p:cNvPr>
@@ -6080,21 +6228,10 @@
           <a:p>
             <a:pPr algn="r"/>
             <a:r>
-              <a:rPr lang="en-US" sz="4000" b="0" i="0" dirty="0" smtClean="0">
-                <a:solidFill>
-                  <a:srgbClr val="FFFFFF"/>
-                </a:solidFill>
-                <a:effectLst/>
-                <a:latin typeface="arial" panose="020B0604020202020204" pitchFamily="34" charset="0"/>
-              </a:rPr>
-              <a:t> </a:t>
-            </a:r>
-            <a:r>
               <a:rPr lang="en-US" sz="4000" dirty="0" smtClean="0">
                 <a:solidFill>
                   <a:srgbClr val="FFFFFF"/>
                 </a:solidFill>
-                <a:latin typeface="arial" panose="020B0604020202020204" pitchFamily="34" charset="0"/>
               </a:rPr>
               <a:t/>
             </a:r>
@@ -6103,7 +6240,6 @@
                 <a:solidFill>
                   <a:srgbClr val="FFFFFF"/>
                 </a:solidFill>
-                <a:latin typeface="arial" panose="020B0604020202020204" pitchFamily="34" charset="0"/>
               </a:rPr>
             </a:br>
             <a:r>
@@ -6111,32 +6247,13 @@
                 <a:solidFill>
                   <a:srgbClr val="FFFFFF"/>
                 </a:solidFill>
-                <a:latin typeface="arial" panose="020B0604020202020204" pitchFamily="34" charset="0"/>
               </a:rPr>
               <a:t>Introduction</a:t>
             </a:r>
-            <a:r>
-              <a:rPr lang="en-US" sz="4000" dirty="0">
-                <a:solidFill>
-                  <a:srgbClr val="FFFFFF"/>
-                </a:solidFill>
-                <a:latin typeface="arial" panose="020B0604020202020204" pitchFamily="34" charset="0"/>
-              </a:rPr>
-              <a:t/>
-            </a:r>
-            <a:br>
-              <a:rPr lang="en-US" sz="4000" dirty="0">
-                <a:solidFill>
-                  <a:srgbClr val="FFFFFF"/>
-                </a:solidFill>
-                <a:latin typeface="arial" panose="020B0604020202020204" pitchFamily="34" charset="0"/>
-              </a:rPr>
-            </a:br>
             <a:endParaRPr lang="en-US" sz="4000" dirty="0">
               <a:solidFill>
                 <a:srgbClr val="FFFFFF"/>
               </a:solidFill>
-              <a:latin typeface="arial" panose="020B0604020202020204" pitchFamily="34" charset="0"/>
             </a:endParaRPr>
           </a:p>
         </p:txBody>
@@ -6146,7 +6263,7 @@
           <p:cNvPr id="3" name="Content Placeholder 2">
             <a:extLst>
               <a:ext uri="{FF2B5EF4-FFF2-40B4-BE49-F238E27FC236}">
-                <a16:creationId xmlns="" xmlns:a16="http://schemas.microsoft.com/office/drawing/2014/main" id="{C7AD63DF-3114-425C-8AE0-727EC98A9F43}"/>
+                <a16:creationId xmlns:a16="http://schemas.microsoft.com/office/drawing/2014/main" xmlns="" id="{C2EEE86A-492F-4C65-AB1B-09450A9ADDBE}"/>
               </a:ext>
             </a:extLst>
           </p:cNvPr>
@@ -6159,82 +6276,52 @@
         </p:nvSpPr>
         <p:spPr>
           <a:xfrm>
-            <a:off x="4810259" y="649480"/>
+            <a:off x="4810259" y="936083"/>
             <a:ext cx="6555347" cy="5546047"/>
           </a:xfrm>
         </p:spPr>
         <p:txBody>
           <a:bodyPr anchor="ctr">
-            <a:normAutofit fontScale="92500" lnSpcReduction="20000"/>
+            <a:normAutofit/>
           </a:bodyPr>
           <a:lstStyle/>
-          <a:p>
-            <a:pPr marL="0" indent="0">
-              <a:buNone/>
-            </a:pPr>
-            <a:endParaRPr lang="en-US" sz="2000" b="0" i="0" dirty="0" smtClean="0">
-              <a:effectLst/>
-              <a:latin typeface="arial" panose="020B0604020202020204" pitchFamily="34" charset="0"/>
-            </a:endParaRPr>
-          </a:p>
           <a:p>
             <a:pPr algn="just">
               <a:buNone/>
             </a:pPr>
             <a:r>
-              <a:rPr lang="en-US" sz="2000" dirty="0" smtClean="0">
+              <a:rPr lang="en-US" sz="1900" dirty="0" smtClean="0">
                 <a:latin typeface="arial" panose="020B0604020202020204" pitchFamily="34" charset="0"/>
               </a:rPr>
-              <a:t>   In a world driven by rapid technological advancements and evolving career landscapes, making informed decisions about education and career paths has become more critical than ever. For students, navigating this complex terrain can be daunting, as they strive to align their passions and interests with the right educational choices and future career prospects. To address this challenge, we present the "Personalized Student Career Path Guidance System," a transformative web-based platform that empowers students to chart their educational journey with confidence.</a:t>
-            </a:r>
-          </a:p>
-          <a:p>
-            <a:pPr algn="just">
-              <a:buNone/>
-            </a:pPr>
-            <a:r>
-              <a:rPr lang="en-US" sz="2000" dirty="0" smtClean="0">
+              <a:t>   The </a:t>
+            </a:r>
+            <a:r>
+              <a:rPr lang="en-US" sz="1900" dirty="0" smtClean="0">
                 <a:latin typeface="arial" panose="020B0604020202020204" pitchFamily="34" charset="0"/>
               </a:rPr>
-              <a:t>  </a:t>
-            </a:r>
-            <a:r>
-              <a:rPr lang="en-US" sz="2000" dirty="0" smtClean="0"/>
-              <a:t> </a:t>
-            </a:r>
-            <a:r>
-              <a:rPr lang="en-US" sz="2100" dirty="0" smtClean="0">
-                <a:latin typeface="arial" panose="020B0604020202020204" pitchFamily="34" charset="0"/>
-              </a:rPr>
-              <a:t>Our project recognizes that every student is unique, with distinct educational backgrounds, strengths, interests, and career aspirations. With this understanding, we have harnessed the power of data-driven decision-making to provide tailored guidance and support to each student on their path to success. Traditional, one-size-fits-all approaches to education and career counseling often fall short in meeting the diverse needs of students. Students are left with questions like, "Which college is the best fit for me?" or "What courses should I pursue to achieve my career goals?" These questions deserve personalized answers, and that's precisely what our system aims to deliver.</a:t>
+              <a:t>“Career Path:-Personalized Student Career Path Guidance System” is not just a project; it's a catalyst for empowering students to take charge of their futures. By providing personalized guidance, we aim to ensure that every student embarks on a journey of education and career success that is uniquely tailored to their individual strengths and aspirations. This project represents a significant step forward in the realm of educational technology, offering a holistic approach to career planning and preparation. Join us in exploring this innovative platform, where data meets ambition, and every student's dreams are within reach. Welcome to a future where personalized guidance leads to boundless opportunities for success.</a:t>
             </a:r>
           </a:p>
           <a:p>
             <a:pPr>
               <a:buNone/>
             </a:pPr>
-            <a:endParaRPr lang="en-US" sz="2000" dirty="0" smtClean="0">
+            <a:endParaRPr lang="en-US" sz="1900" dirty="0" smtClean="0">
               <a:latin typeface="arial" panose="020B0604020202020204" pitchFamily="34" charset="0"/>
             </a:endParaRPr>
           </a:p>
           <a:p>
-            <a:pPr algn="just">
+            <a:pPr>
               <a:buNone/>
             </a:pPr>
-            <a:endParaRPr lang="en-US" sz="2000" b="0" i="0" dirty="0">
-              <a:effectLst/>
-              <a:latin typeface="arial" panose="020B0604020202020204" pitchFamily="34" charset="0"/>
-            </a:endParaRPr>
-          </a:p>
-          <a:p>
-            <a:endParaRPr lang="en-US" sz="2000" dirty="0"/>
+            <a:endParaRPr lang="en-US" sz="3200" dirty="0"/>
           </a:p>
         </p:txBody>
       </p:sp>
     </p:spTree>
     <p:extLst>
       <p:ext uri="{BB962C8B-B14F-4D97-AF65-F5344CB8AC3E}">
-        <p14:creationId xmlns="" xmlns:p14="http://schemas.microsoft.com/office/powerpoint/2010/main" val="2646768332"/>
+        <p14:creationId xmlns:p14="http://schemas.microsoft.com/office/powerpoint/2010/main" xmlns="" val="1680735867"/>
       </p:ext>
     </p:extLst>
   </p:cSld>
@@ -6244,7 +6331,7 @@
 </p:sld>
 </file>
 
-<file path=ppt/slides/slide4.xml><?xml version="1.0" encoding="utf-8"?>
+<file path=ppt/slides/slide5.xml><?xml version="1.0" encoding="utf-8"?>
 <p:sld xmlns:a="http://schemas.openxmlformats.org/drawingml/2006/main" xmlns:r="http://schemas.openxmlformats.org/officeDocument/2006/relationships" xmlns:p="http://schemas.openxmlformats.org/presentationml/2006/main">
   <p:cSld>
     <p:bg>
@@ -6271,13 +6358,13 @@
       </p:grpSpPr>
       <p:sp useBgFill="1">
         <p:nvSpPr>
-          <p:cNvPr id="8" name="Rectangle 7">
-            <a:extLst>
-              <a:ext uri="{FF2B5EF4-FFF2-40B4-BE49-F238E27FC236}">
-                <a16:creationId xmlns="" xmlns:a16="http://schemas.microsoft.com/office/drawing/2014/main" id="{09588DA8-065E-4F6F-8EFD-43104AB2E0CF}"/>
+          <p:cNvPr id="9" name="Rectangle 8">
+            <a:extLst>
+              <a:ext uri="{FF2B5EF4-FFF2-40B4-BE49-F238E27FC236}">
+                <a16:creationId xmlns:a16="http://schemas.microsoft.com/office/drawing/2014/main" xmlns="" id="{09588DA8-065E-4F6F-8EFD-43104AB2E0CF}"/>
               </a:ext>
               <a:ext uri="{C183D7F6-B498-43B3-948B-1728B52AA6E4}">
-                <adec:decorative xmlns="" xmlns:adec="http://schemas.microsoft.com/office/drawing/2017/decorative" val="1"/>
+                <adec:decorative xmlns:adec="http://schemas.microsoft.com/office/drawing/2017/decorative" xmlns="" val="1"/>
               </a:ext>
             </a:extLst>
           </p:cNvPr>
@@ -6287,7 +6374,7 @@
           <p:nvPr>
             <p:extLst>
               <p:ext uri="{386F3935-93C4-4BCD-93E2-E3B085C9AB24}">
-                <p16:designElem xmlns="" xmlns:p16="http://schemas.microsoft.com/office/powerpoint/2015/main" val="1"/>
+                <p16:designElem xmlns:p16="http://schemas.microsoft.com/office/powerpoint/2015/main" xmlns="" val="1"/>
               </p:ext>
             </p:extLst>
           </p:nvPr>
@@ -6308,7 +6395,7 @@
           <a:effectLst/>
           <a:extLst>
             <a:ext uri="{91240B29-F687-4F45-9708-019B960494DF}">
-              <a14:hiddenLine xmlns="" xmlns:a14="http://schemas.microsoft.com/office/drawing/2010/main" w="12700" cap="flat" cmpd="sng" algn="ctr">
+              <a14:hiddenLine xmlns:a14="http://schemas.microsoft.com/office/drawing/2010/main" xmlns="" w="12700" cap="flat" cmpd="sng" algn="ctr">
                 <a:solidFill>
                   <a:schemeClr val="accent1">
                     <a:shade val="50000"/>
@@ -6347,13 +6434,13 @@
       </p:sp>
       <p:sp useBgFill="1">
         <p:nvSpPr>
-          <p:cNvPr id="10" name="Rectangle 9">
-            <a:extLst>
-              <a:ext uri="{FF2B5EF4-FFF2-40B4-BE49-F238E27FC236}">
-                <a16:creationId xmlns="" xmlns:a16="http://schemas.microsoft.com/office/drawing/2014/main" id="{C4285719-470E-454C-AF62-8323075F1F5B}"/>
+          <p:cNvPr id="11" name="Rectangle 10">
+            <a:extLst>
+              <a:ext uri="{FF2B5EF4-FFF2-40B4-BE49-F238E27FC236}">
+                <a16:creationId xmlns:a16="http://schemas.microsoft.com/office/drawing/2014/main" xmlns="" id="{C4285719-470E-454C-AF62-8323075F1F5B}"/>
               </a:ext>
               <a:ext uri="{C183D7F6-B498-43B3-948B-1728B52AA6E4}">
-                <adec:decorative xmlns="" xmlns:adec="http://schemas.microsoft.com/office/drawing/2017/decorative" val="1"/>
+                <adec:decorative xmlns:adec="http://schemas.microsoft.com/office/drawing/2017/decorative" xmlns="" val="1"/>
               </a:ext>
             </a:extLst>
           </p:cNvPr>
@@ -6363,7 +6450,7 @@
           <p:nvPr>
             <p:extLst>
               <p:ext uri="{386F3935-93C4-4BCD-93E2-E3B085C9AB24}">
-                <p16:designElem xmlns="" xmlns:p16="http://schemas.microsoft.com/office/powerpoint/2015/main" val="1"/>
+                <p16:designElem xmlns:p16="http://schemas.microsoft.com/office/powerpoint/2015/main" xmlns="" val="1"/>
               </p:ext>
             </p:extLst>
           </p:nvPr>
@@ -6384,7 +6471,7 @@
           <a:effectLst/>
           <a:extLst>
             <a:ext uri="{91240B29-F687-4F45-9708-019B960494DF}">
-              <a14:hiddenLine xmlns="" xmlns:a14="http://schemas.microsoft.com/office/drawing/2010/main" w="12700" cap="flat" cmpd="sng" algn="ctr">
+              <a14:hiddenLine xmlns:a14="http://schemas.microsoft.com/office/drawing/2010/main" xmlns="" w="12700" cap="flat" cmpd="sng" algn="ctr">
                 <a:solidFill>
                   <a:schemeClr val="accent1">
                     <a:shade val="50000"/>
@@ -6423,13 +6510,13 @@
       </p:sp>
       <p:sp>
         <p:nvSpPr>
-          <p:cNvPr id="12" name="Rectangle 11">
-            <a:extLst>
-              <a:ext uri="{FF2B5EF4-FFF2-40B4-BE49-F238E27FC236}">
-                <a16:creationId xmlns="" xmlns:a16="http://schemas.microsoft.com/office/drawing/2014/main" id="{CD9FE4EF-C4D8-49A0-B2FF-81D8DB7D8A24}"/>
+          <p:cNvPr id="13" name="Rectangle 12">
+            <a:extLst>
+              <a:ext uri="{FF2B5EF4-FFF2-40B4-BE49-F238E27FC236}">
+                <a16:creationId xmlns:a16="http://schemas.microsoft.com/office/drawing/2014/main" xmlns="" id="{CD9FE4EF-C4D8-49A0-B2FF-81D8DB7D8A24}"/>
               </a:ext>
               <a:ext uri="{C183D7F6-B498-43B3-948B-1728B52AA6E4}">
-                <adec:decorative xmlns="" xmlns:adec="http://schemas.microsoft.com/office/drawing/2017/decorative" val="1"/>
+                <adec:decorative xmlns:adec="http://schemas.microsoft.com/office/drawing/2017/decorative" xmlns="" val="1"/>
               </a:ext>
             </a:extLst>
           </p:cNvPr>
@@ -6439,7 +6526,7 @@
           <p:nvPr>
             <p:extLst>
               <p:ext uri="{386F3935-93C4-4BCD-93E2-E3B085C9AB24}">
-                <p16:designElem xmlns="" xmlns:p16="http://schemas.microsoft.com/office/powerpoint/2015/main" val="1"/>
+                <p16:designElem xmlns:p16="http://schemas.microsoft.com/office/powerpoint/2015/main" xmlns="" val="1"/>
               </p:ext>
             </p:extLst>
           </p:nvPr>
@@ -6496,13 +6583,13 @@
       </p:sp>
       <p:sp>
         <p:nvSpPr>
-          <p:cNvPr id="14" name="Rectangle 13">
-            <a:extLst>
-              <a:ext uri="{FF2B5EF4-FFF2-40B4-BE49-F238E27FC236}">
-                <a16:creationId xmlns="" xmlns:a16="http://schemas.microsoft.com/office/drawing/2014/main" id="{4300840D-0A0B-4512-BACA-B439D5B9C57C}"/>
+          <p:cNvPr id="15" name="Rectangle 14">
+            <a:extLst>
+              <a:ext uri="{FF2B5EF4-FFF2-40B4-BE49-F238E27FC236}">
+                <a16:creationId xmlns:a16="http://schemas.microsoft.com/office/drawing/2014/main" xmlns="" id="{4300840D-0A0B-4512-BACA-B439D5B9C57C}"/>
               </a:ext>
               <a:ext uri="{C183D7F6-B498-43B3-948B-1728B52AA6E4}">
-                <adec:decorative xmlns="" xmlns:adec="http://schemas.microsoft.com/office/drawing/2017/decorative" val="1"/>
+                <adec:decorative xmlns:adec="http://schemas.microsoft.com/office/drawing/2017/decorative" xmlns="" val="1"/>
               </a:ext>
             </a:extLst>
           </p:cNvPr>
@@ -6512,7 +6599,7 @@
           <p:nvPr>
             <p:extLst>
               <p:ext uri="{386F3935-93C4-4BCD-93E2-E3B085C9AB24}">
-                <p16:designElem xmlns="" xmlns:p16="http://schemas.microsoft.com/office/powerpoint/2015/main" val="1"/>
+                <p16:designElem xmlns:p16="http://schemas.microsoft.com/office/powerpoint/2015/main" xmlns="" val="1"/>
               </p:ext>
             </p:extLst>
           </p:nvPr>
@@ -6571,13 +6658,13 @@
       </p:sp>
       <p:sp>
         <p:nvSpPr>
-          <p:cNvPr id="16" name="Rectangle 15">
-            <a:extLst>
-              <a:ext uri="{FF2B5EF4-FFF2-40B4-BE49-F238E27FC236}">
-                <a16:creationId xmlns="" xmlns:a16="http://schemas.microsoft.com/office/drawing/2014/main" id="{D2B78728-A580-49A7-84F9-6EF6F583ADE0}"/>
+          <p:cNvPr id="17" name="Rectangle 16">
+            <a:extLst>
+              <a:ext uri="{FF2B5EF4-FFF2-40B4-BE49-F238E27FC236}">
+                <a16:creationId xmlns:a16="http://schemas.microsoft.com/office/drawing/2014/main" xmlns="" id="{D2B78728-A580-49A7-84F9-6EF6F583ADE0}"/>
               </a:ext>
               <a:ext uri="{C183D7F6-B498-43B3-948B-1728B52AA6E4}">
-                <adec:decorative xmlns="" xmlns:adec="http://schemas.microsoft.com/office/drawing/2017/decorative" val="1"/>
+                <adec:decorative xmlns:adec="http://schemas.microsoft.com/office/drawing/2017/decorative" xmlns="" val="1"/>
               </a:ext>
             </a:extLst>
           </p:cNvPr>
@@ -6587,7 +6674,7 @@
           <p:nvPr>
             <p:extLst>
               <p:ext uri="{386F3935-93C4-4BCD-93E2-E3B085C9AB24}">
-                <p16:designElem xmlns="" xmlns:p16="http://schemas.microsoft.com/office/powerpoint/2015/main" val="1"/>
+                <p16:designElem xmlns:p16="http://schemas.microsoft.com/office/powerpoint/2015/main" xmlns="" val="1"/>
               </p:ext>
             </p:extLst>
           </p:nvPr>
@@ -6646,13 +6733,13 @@
       </p:sp>
       <p:sp>
         <p:nvSpPr>
-          <p:cNvPr id="18" name="Freeform: Shape 17">
-            <a:extLst>
-              <a:ext uri="{FF2B5EF4-FFF2-40B4-BE49-F238E27FC236}">
-                <a16:creationId xmlns="" xmlns:a16="http://schemas.microsoft.com/office/drawing/2014/main" id="{38FAA1A1-D861-433F-88FA-1E9D6FD31D11}"/>
+          <p:cNvPr id="19" name="Freeform: Shape 18">
+            <a:extLst>
+              <a:ext uri="{FF2B5EF4-FFF2-40B4-BE49-F238E27FC236}">
+                <a16:creationId xmlns:a16="http://schemas.microsoft.com/office/drawing/2014/main" xmlns="" id="{38FAA1A1-D861-433F-88FA-1E9D6FD31D11}"/>
               </a:ext>
               <a:ext uri="{C183D7F6-B498-43B3-948B-1728B52AA6E4}">
-                <adec:decorative xmlns="" xmlns:adec="http://schemas.microsoft.com/office/drawing/2017/decorative" val="1"/>
+                <adec:decorative xmlns:adec="http://schemas.microsoft.com/office/drawing/2017/decorative" xmlns="" val="1"/>
               </a:ext>
             </a:extLst>
           </p:cNvPr>
@@ -6662,7 +6749,7 @@
           <p:nvPr>
             <p:extLst>
               <p:ext uri="{386F3935-93C4-4BCD-93E2-E3B085C9AB24}">
-                <p16:designElem xmlns="" xmlns:p16="http://schemas.microsoft.com/office/powerpoint/2015/main" val="1"/>
+                <p16:designElem xmlns:p16="http://schemas.microsoft.com/office/powerpoint/2015/main" xmlns="" val="1"/>
               </p:ext>
             </p:extLst>
           </p:nvPr>
@@ -6816,13 +6903,13 @@
       </p:sp>
       <p:sp>
         <p:nvSpPr>
-          <p:cNvPr id="20" name="Rectangle 19">
-            <a:extLst>
-              <a:ext uri="{FF2B5EF4-FFF2-40B4-BE49-F238E27FC236}">
-                <a16:creationId xmlns="" xmlns:a16="http://schemas.microsoft.com/office/drawing/2014/main" id="{8D71EDA1-87BF-4D5D-AB79-F346FD19278A}"/>
+          <p:cNvPr id="21" name="Rectangle 20">
+            <a:extLst>
+              <a:ext uri="{FF2B5EF4-FFF2-40B4-BE49-F238E27FC236}">
+                <a16:creationId xmlns:a16="http://schemas.microsoft.com/office/drawing/2014/main" xmlns="" id="{8D71EDA1-87BF-4D5D-AB79-F346FD19278A}"/>
               </a:ext>
               <a:ext uri="{C183D7F6-B498-43B3-948B-1728B52AA6E4}">
-                <adec:decorative xmlns="" xmlns:adec="http://schemas.microsoft.com/office/drawing/2017/decorative" val="1"/>
+                <adec:decorative xmlns:adec="http://schemas.microsoft.com/office/drawing/2017/decorative" xmlns="" val="1"/>
               </a:ext>
             </a:extLst>
           </p:cNvPr>
@@ -6832,7 +6919,7 @@
           <p:nvPr>
             <p:extLst>
               <p:ext uri="{386F3935-93C4-4BCD-93E2-E3B085C9AB24}">
-                <p16:designElem xmlns="" xmlns:p16="http://schemas.microsoft.com/office/powerpoint/2015/main" val="1"/>
+                <p16:designElem xmlns:p16="http://schemas.microsoft.com/office/powerpoint/2015/main" xmlns="" val="1"/>
               </p:ext>
             </p:extLst>
           </p:nvPr>
@@ -6893,60 +6980,94 @@
       </p:sp>
       <p:sp>
         <p:nvSpPr>
-          <p:cNvPr id="2" name="Title 1">
-            <a:extLst>
-              <a:ext uri="{FF2B5EF4-FFF2-40B4-BE49-F238E27FC236}">
-                <a16:creationId xmlns="" xmlns:a16="http://schemas.microsoft.com/office/drawing/2014/main" id="{0D2B81DA-C1B2-4AF3-BB0F-C0B683CA61B3}"/>
-              </a:ext>
-            </a:extLst>
-          </p:cNvPr>
-          <p:cNvSpPr>
-            <a:spLocks noGrp="1"/>
-          </p:cNvSpPr>
-          <p:nvPr>
-            <p:ph type="title"/>
-          </p:nvPr>
+          <p:cNvPr id="4" name="TextBox 3">
+            <a:extLst>
+              <a:ext uri="{FF2B5EF4-FFF2-40B4-BE49-F238E27FC236}">
+                <a16:creationId xmlns:a16="http://schemas.microsoft.com/office/drawing/2014/main" xmlns="" id="{6D5C5F48-0937-4292-B270-E6C6F7500FF2}"/>
+              </a:ext>
+            </a:extLst>
+          </p:cNvPr>
+          <p:cNvSpPr txBox="1"/>
+          <p:nvPr/>
         </p:nvSpPr>
         <p:spPr>
           <a:xfrm>
             <a:off x="466722" y="586855"/>
             <a:ext cx="3201366" cy="3387497"/>
           </a:xfrm>
+          <a:prstGeom prst="rect">
+            <a:avLst/>
+          </a:prstGeom>
         </p:spPr>
         <p:txBody>
-          <a:bodyPr anchor="b">
+          <a:bodyPr vert="horz" lIns="91440" tIns="45720" rIns="91440" bIns="45720" rtlCol="0" anchor="b">
             <a:normAutofit/>
           </a:bodyPr>
           <a:lstStyle/>
           <a:p>
-            <a:pPr algn="r"/>
-            <a:r>
-              <a:rPr lang="en-US" sz="4000" dirty="0" smtClean="0">
+            <a:pPr algn="r">
+              <a:lnSpc>
+                <a:spcPct val="90000"/>
+              </a:lnSpc>
+              <a:spcBef>
+                <a:spcPct val="0"/>
+              </a:spcBef>
+              <a:spcAft>
+                <a:spcPts val="600"/>
+              </a:spcAft>
+            </a:pPr>
+            <a:r>
+              <a:rPr lang="en-US" sz="4000" b="1" i="0" kern="1200" dirty="0" smtClean="0">
                 <a:solidFill>
                   <a:srgbClr val="FFFFFF"/>
                 </a:solidFill>
+                <a:effectLst/>
+                <a:latin typeface="+mj-lt"/>
+                <a:ea typeface="+mj-ea"/>
+                <a:cs typeface="+mj-cs"/>
               </a:rPr>
-              <a:t/>
-            </a:r>
-            <a:br>
-              <a:rPr lang="en-US" sz="4000" dirty="0" smtClean="0">
+              <a:t> </a:t>
+            </a:r>
+            <a:endParaRPr lang="en-US" sz="4000" b="1" i="0" dirty="0" smtClean="0">
+              <a:solidFill>
+                <a:srgbClr val="FFFFFF"/>
+              </a:solidFill>
+              <a:effectLst/>
+              <a:latin typeface="+mj-lt"/>
+              <a:ea typeface="+mj-ea"/>
+              <a:cs typeface="+mj-cs"/>
+            </a:endParaRPr>
+          </a:p>
+          <a:p>
+            <a:pPr algn="r">
+              <a:lnSpc>
+                <a:spcPct val="90000"/>
+              </a:lnSpc>
+              <a:spcBef>
+                <a:spcPct val="0"/>
+              </a:spcBef>
+              <a:spcAft>
+                <a:spcPts val="600"/>
+              </a:spcAft>
+            </a:pPr>
+            <a:r>
+              <a:rPr lang="en-US" sz="4000" b="1" dirty="0" smtClean="0">
                 <a:solidFill>
                   <a:srgbClr val="FFFFFF"/>
                 </a:solidFill>
+                <a:latin typeface="+mj-lt"/>
+                <a:ea typeface="+mj-ea"/>
+                <a:cs typeface="+mj-cs"/>
               </a:rPr>
-            </a:br>
-            <a:r>
-              <a:rPr lang="en-US" sz="4000" dirty="0" smtClean="0">
-                <a:solidFill>
-                  <a:srgbClr val="FFFFFF"/>
-                </a:solidFill>
-              </a:rPr>
-              <a:t>Introduction</a:t>
-            </a:r>
-            <a:endParaRPr lang="en-US" sz="4000" dirty="0">
+              <a:t>Technologies / Software Requirements </a:t>
+            </a:r>
+            <a:endParaRPr lang="en-US" sz="4000" b="1" dirty="0">
               <a:solidFill>
                 <a:srgbClr val="FFFFFF"/>
               </a:solidFill>
+              <a:latin typeface="+mj-lt"/>
+              <a:ea typeface="+mj-ea"/>
+              <a:cs typeface="+mj-cs"/>
             </a:endParaRPr>
           </a:p>
         </p:txBody>
@@ -6956,7 +7077,7 @@
           <p:cNvPr id="3" name="Content Placeholder 2">
             <a:extLst>
               <a:ext uri="{FF2B5EF4-FFF2-40B4-BE49-F238E27FC236}">
-                <a16:creationId xmlns="" xmlns:a16="http://schemas.microsoft.com/office/drawing/2014/main" id="{C2EEE86A-492F-4C65-AB1B-09450A9ADDBE}"/>
+                <a16:creationId xmlns:a16="http://schemas.microsoft.com/office/drawing/2014/main" xmlns="" id="{940E3CB7-9B5E-49D6-9BFF-6CCBAA2995C7}"/>
               </a:ext>
             </a:extLst>
           </p:cNvPr>
@@ -6969,57 +7090,73 @@
         </p:nvSpPr>
         <p:spPr>
           <a:xfrm>
-            <a:off x="4810259" y="936083"/>
-            <a:ext cx="6555347" cy="5546047"/>
+            <a:off x="4810260" y="649480"/>
+            <a:ext cx="6387624" cy="5546047"/>
           </a:xfrm>
         </p:spPr>
         <p:txBody>
-          <a:bodyPr anchor="ctr">
-            <a:normAutofit lnSpcReduction="10000"/>
+          <a:bodyPr vert="horz" lIns="91440" tIns="45720" rIns="91440" bIns="45720" rtlCol="0" anchor="ctr">
+            <a:normAutofit/>
           </a:bodyPr>
           <a:lstStyle/>
           <a:p>
-            <a:pPr algn="just">
+            <a:pPr marL="0" indent="0" algn="just">
               <a:buNone/>
             </a:pPr>
-            <a:r>
-              <a:rPr lang="en-US" sz="1900" dirty="0" smtClean="0">
-                <a:latin typeface="arial" panose="020B0604020202020204" pitchFamily="34" charset="0"/>
-              </a:rPr>
-              <a:t>   Our “Career Path:-Personalized Student Career Path Guidance System” starts by collecting detailed information from students about their educational backgrounds, academic achievements, extracurricular activities, and, most importantly, their areas of interest and career aspirations. Leveraging advanced algorithms and data analysis techniques, the system transforms this information into actionable insights.</a:t>
-            </a:r>
-          </a:p>
-          <a:p>
-            <a:pPr algn="just">
-              <a:buNone/>
-            </a:pPr>
-            <a:r>
-              <a:rPr lang="en-US" sz="1900" dirty="0" smtClean="0">
-                <a:latin typeface="arial" panose="020B0604020202020204" pitchFamily="34" charset="0"/>
-              </a:rPr>
-              <a:t>    The “Career Path:-Personalized Student Career Path Guidance System” is not just a project; it's a catalyst for empowering students to take charge of their futures. By providing personalized guidance, we aim to ensure that every student embarks on a journey of education and career success that is uniquely tailored to their individual strengths and aspirations. This project represents a significant step forward in the realm of educational technology, offering a holistic approach to career planning and preparation. Join us in exploring this innovative platform, where data meets ambition, and every student's dreams are within reach. Welcome to a future where personalized guidance leads to boundless opportunities for success.</a:t>
-            </a:r>
-          </a:p>
-          <a:p>
-            <a:pPr>
-              <a:buNone/>
-            </a:pPr>
-            <a:endParaRPr lang="en-US" sz="1900" dirty="0" smtClean="0">
-              <a:latin typeface="arial" panose="020B0604020202020204" pitchFamily="34" charset="0"/>
-            </a:endParaRPr>
-          </a:p>
-          <a:p>
-            <a:pPr>
-              <a:buNone/>
-            </a:pPr>
-            <a:endParaRPr lang="en-US" sz="3200" dirty="0"/>
+            <a:endParaRPr lang="en-US" dirty="0" smtClean="0"/>
+          </a:p>
+          <a:p>
+            <a:r>
+              <a:rPr lang="en-US" b="1" dirty="0" smtClean="0"/>
+              <a:t>Front-End Development:</a:t>
+            </a:r>
+            <a:endParaRPr lang="en-US" dirty="0" smtClean="0"/>
+          </a:p>
+          <a:p>
+            <a:pPr lvl="1"/>
+            <a:r>
+              <a:rPr lang="en-US" dirty="0" smtClean="0"/>
+              <a:t>HTML5</a:t>
+            </a:r>
+          </a:p>
+          <a:p>
+            <a:pPr lvl="1"/>
+            <a:r>
+              <a:rPr lang="en-US" dirty="0" smtClean="0"/>
+              <a:t>CSS</a:t>
+            </a:r>
+          </a:p>
+          <a:p>
+            <a:pPr lvl="1"/>
+            <a:r>
+              <a:rPr lang="en-US" dirty="0" smtClean="0"/>
+              <a:t>JavaScript</a:t>
+            </a:r>
+          </a:p>
+          <a:p>
+            <a:pPr marL="0" indent="0" algn="just"/>
+            <a:r>
+              <a:rPr lang="en-US" b="1" dirty="0" smtClean="0"/>
+              <a:t>Operating </a:t>
+            </a:r>
+            <a:r>
+              <a:rPr lang="en-US" b="1" dirty="0" smtClean="0"/>
+              <a:t>System</a:t>
+            </a:r>
+          </a:p>
+          <a:p>
+            <a:pPr marL="457200" lvl="1" indent="0" algn="just"/>
+            <a:r>
+              <a:rPr lang="en-US" dirty="0" smtClean="0"/>
+              <a:t>Window 10</a:t>
+            </a:r>
           </a:p>
         </p:txBody>
       </p:sp>
     </p:spTree>
     <p:extLst>
       <p:ext uri="{BB962C8B-B14F-4D97-AF65-F5344CB8AC3E}">
-        <p14:creationId xmlns="" xmlns:p14="http://schemas.microsoft.com/office/powerpoint/2010/main" val="1680735867"/>
+        <p14:creationId xmlns:p14="http://schemas.microsoft.com/office/powerpoint/2010/main" xmlns="" val="4166251472"/>
       </p:ext>
     </p:extLst>
   </p:cSld>
@@ -7029,7 +7166,7 @@
 </p:sld>
 </file>
 
-<file path=ppt/slides/slide5.xml><?xml version="1.0" encoding="utf-8"?>
+<file path=ppt/slides/slide6.xml><?xml version="1.0" encoding="utf-8"?>
 <p:sld xmlns:a="http://schemas.openxmlformats.org/drawingml/2006/main" xmlns:r="http://schemas.openxmlformats.org/officeDocument/2006/relationships" xmlns:p="http://schemas.openxmlformats.org/presentationml/2006/main">
   <p:cSld>
     <p:bg>
@@ -7056,13 +7193,13 @@
       </p:grpSpPr>
       <p:sp useBgFill="1">
         <p:nvSpPr>
-          <p:cNvPr id="9" name="Rectangle 8">
-            <a:extLst>
-              <a:ext uri="{FF2B5EF4-FFF2-40B4-BE49-F238E27FC236}">
-                <a16:creationId xmlns="" xmlns:a16="http://schemas.microsoft.com/office/drawing/2014/main" id="{09588DA8-065E-4F6F-8EFD-43104AB2E0CF}"/>
+          <p:cNvPr id="8" name="Rectangle 7">
+            <a:extLst>
+              <a:ext uri="{FF2B5EF4-FFF2-40B4-BE49-F238E27FC236}">
+                <a16:creationId xmlns:a16="http://schemas.microsoft.com/office/drawing/2014/main" xmlns="" id="{09588DA8-065E-4F6F-8EFD-43104AB2E0CF}"/>
               </a:ext>
               <a:ext uri="{C183D7F6-B498-43B3-948B-1728B52AA6E4}">
-                <adec:decorative xmlns="" xmlns:adec="http://schemas.microsoft.com/office/drawing/2017/decorative" val="1"/>
+                <adec:decorative xmlns:adec="http://schemas.microsoft.com/office/drawing/2017/decorative" xmlns="" val="1"/>
               </a:ext>
             </a:extLst>
           </p:cNvPr>
@@ -7072,7 +7209,7 @@
           <p:nvPr>
             <p:extLst>
               <p:ext uri="{386F3935-93C4-4BCD-93E2-E3B085C9AB24}">
-                <p16:designElem xmlns="" xmlns:p16="http://schemas.microsoft.com/office/powerpoint/2015/main" val="1"/>
+                <p16:designElem xmlns:p16="http://schemas.microsoft.com/office/powerpoint/2015/main" xmlns="" val="1"/>
               </p:ext>
             </p:extLst>
           </p:nvPr>
@@ -7093,7 +7230,7 @@
           <a:effectLst/>
           <a:extLst>
             <a:ext uri="{91240B29-F687-4F45-9708-019B960494DF}">
-              <a14:hiddenLine xmlns="" xmlns:a14="http://schemas.microsoft.com/office/drawing/2010/main" w="12700" cap="flat" cmpd="sng" algn="ctr">
+              <a14:hiddenLine xmlns:a14="http://schemas.microsoft.com/office/drawing/2010/main" xmlns="" w="12700" cap="flat" cmpd="sng" algn="ctr">
                 <a:solidFill>
                   <a:schemeClr val="accent1">
                     <a:shade val="50000"/>
@@ -7132,13 +7269,13 @@
       </p:sp>
       <p:sp useBgFill="1">
         <p:nvSpPr>
-          <p:cNvPr id="11" name="Rectangle 10">
-            <a:extLst>
-              <a:ext uri="{FF2B5EF4-FFF2-40B4-BE49-F238E27FC236}">
-                <a16:creationId xmlns="" xmlns:a16="http://schemas.microsoft.com/office/drawing/2014/main" id="{C4285719-470E-454C-AF62-8323075F1F5B}"/>
+          <p:cNvPr id="10" name="Rectangle 9">
+            <a:extLst>
+              <a:ext uri="{FF2B5EF4-FFF2-40B4-BE49-F238E27FC236}">
+                <a16:creationId xmlns:a16="http://schemas.microsoft.com/office/drawing/2014/main" xmlns="" id="{C4285719-470E-454C-AF62-8323075F1F5B}"/>
               </a:ext>
               <a:ext uri="{C183D7F6-B498-43B3-948B-1728B52AA6E4}">
-                <adec:decorative xmlns="" xmlns:adec="http://schemas.microsoft.com/office/drawing/2017/decorative" val="1"/>
+                <adec:decorative xmlns:adec="http://schemas.microsoft.com/office/drawing/2017/decorative" xmlns="" val="1"/>
               </a:ext>
             </a:extLst>
           </p:cNvPr>
@@ -7148,7 +7285,7 @@
           <p:nvPr>
             <p:extLst>
               <p:ext uri="{386F3935-93C4-4BCD-93E2-E3B085C9AB24}">
-                <p16:designElem xmlns="" xmlns:p16="http://schemas.microsoft.com/office/powerpoint/2015/main" val="1"/>
+                <p16:designElem xmlns:p16="http://schemas.microsoft.com/office/powerpoint/2015/main" xmlns="" val="1"/>
               </p:ext>
             </p:extLst>
           </p:nvPr>
@@ -7169,7 +7306,7 @@
           <a:effectLst/>
           <a:extLst>
             <a:ext uri="{91240B29-F687-4F45-9708-019B960494DF}">
-              <a14:hiddenLine xmlns="" xmlns:a14="http://schemas.microsoft.com/office/drawing/2010/main" w="12700" cap="flat" cmpd="sng" algn="ctr">
+              <a14:hiddenLine xmlns:a14="http://schemas.microsoft.com/office/drawing/2010/main" xmlns="" w="12700" cap="flat" cmpd="sng" algn="ctr">
                 <a:solidFill>
                   <a:schemeClr val="accent1">
                     <a:shade val="50000"/>
@@ -7208,13 +7345,13 @@
       </p:sp>
       <p:sp>
         <p:nvSpPr>
-          <p:cNvPr id="13" name="Rectangle 12">
-            <a:extLst>
-              <a:ext uri="{FF2B5EF4-FFF2-40B4-BE49-F238E27FC236}">
-                <a16:creationId xmlns="" xmlns:a16="http://schemas.microsoft.com/office/drawing/2014/main" id="{CD9FE4EF-C4D8-49A0-B2FF-81D8DB7D8A24}"/>
+          <p:cNvPr id="12" name="Rectangle 11">
+            <a:extLst>
+              <a:ext uri="{FF2B5EF4-FFF2-40B4-BE49-F238E27FC236}">
+                <a16:creationId xmlns:a16="http://schemas.microsoft.com/office/drawing/2014/main" xmlns="" id="{CD9FE4EF-C4D8-49A0-B2FF-81D8DB7D8A24}"/>
               </a:ext>
               <a:ext uri="{C183D7F6-B498-43B3-948B-1728B52AA6E4}">
-                <adec:decorative xmlns="" xmlns:adec="http://schemas.microsoft.com/office/drawing/2017/decorative" val="1"/>
+                <adec:decorative xmlns:adec="http://schemas.microsoft.com/office/drawing/2017/decorative" xmlns="" val="1"/>
               </a:ext>
             </a:extLst>
           </p:cNvPr>
@@ -7224,7 +7361,7 @@
           <p:nvPr>
             <p:extLst>
               <p:ext uri="{386F3935-93C4-4BCD-93E2-E3B085C9AB24}">
-                <p16:designElem xmlns="" xmlns:p16="http://schemas.microsoft.com/office/powerpoint/2015/main" val="1"/>
+                <p16:designElem xmlns:p16="http://schemas.microsoft.com/office/powerpoint/2015/main" xmlns="" val="1"/>
               </p:ext>
             </p:extLst>
           </p:nvPr>
@@ -7281,13 +7418,13 @@
       </p:sp>
       <p:sp>
         <p:nvSpPr>
-          <p:cNvPr id="15" name="Rectangle 14">
-            <a:extLst>
-              <a:ext uri="{FF2B5EF4-FFF2-40B4-BE49-F238E27FC236}">
-                <a16:creationId xmlns="" xmlns:a16="http://schemas.microsoft.com/office/drawing/2014/main" id="{4300840D-0A0B-4512-BACA-B439D5B9C57C}"/>
+          <p:cNvPr id="14" name="Rectangle 13">
+            <a:extLst>
+              <a:ext uri="{FF2B5EF4-FFF2-40B4-BE49-F238E27FC236}">
+                <a16:creationId xmlns:a16="http://schemas.microsoft.com/office/drawing/2014/main" xmlns="" id="{4300840D-0A0B-4512-BACA-B439D5B9C57C}"/>
               </a:ext>
               <a:ext uri="{C183D7F6-B498-43B3-948B-1728B52AA6E4}">
-                <adec:decorative xmlns="" xmlns:adec="http://schemas.microsoft.com/office/drawing/2017/decorative" val="1"/>
+                <adec:decorative xmlns:adec="http://schemas.microsoft.com/office/drawing/2017/decorative" xmlns="" val="1"/>
               </a:ext>
             </a:extLst>
           </p:cNvPr>
@@ -7297,7 +7434,7 @@
           <p:nvPr>
             <p:extLst>
               <p:ext uri="{386F3935-93C4-4BCD-93E2-E3B085C9AB24}">
-                <p16:designElem xmlns="" xmlns:p16="http://schemas.microsoft.com/office/powerpoint/2015/main" val="1"/>
+                <p16:designElem xmlns:p16="http://schemas.microsoft.com/office/powerpoint/2015/main" xmlns="" val="1"/>
               </p:ext>
             </p:extLst>
           </p:nvPr>
@@ -7356,13 +7493,13 @@
       </p:sp>
       <p:sp>
         <p:nvSpPr>
-          <p:cNvPr id="17" name="Rectangle 16">
-            <a:extLst>
-              <a:ext uri="{FF2B5EF4-FFF2-40B4-BE49-F238E27FC236}">
-                <a16:creationId xmlns="" xmlns:a16="http://schemas.microsoft.com/office/drawing/2014/main" id="{D2B78728-A580-49A7-84F9-6EF6F583ADE0}"/>
+          <p:cNvPr id="16" name="Rectangle 15">
+            <a:extLst>
+              <a:ext uri="{FF2B5EF4-FFF2-40B4-BE49-F238E27FC236}">
+                <a16:creationId xmlns:a16="http://schemas.microsoft.com/office/drawing/2014/main" xmlns="" id="{D2B78728-A580-49A7-84F9-6EF6F583ADE0}"/>
               </a:ext>
               <a:ext uri="{C183D7F6-B498-43B3-948B-1728B52AA6E4}">
-                <adec:decorative xmlns="" xmlns:adec="http://schemas.microsoft.com/office/drawing/2017/decorative" val="1"/>
+                <adec:decorative xmlns:adec="http://schemas.microsoft.com/office/drawing/2017/decorative" xmlns="" val="1"/>
               </a:ext>
             </a:extLst>
           </p:cNvPr>
@@ -7372,7 +7509,7 @@
           <p:nvPr>
             <p:extLst>
               <p:ext uri="{386F3935-93C4-4BCD-93E2-E3B085C9AB24}">
-                <p16:designElem xmlns="" xmlns:p16="http://schemas.microsoft.com/office/powerpoint/2015/main" val="1"/>
+                <p16:designElem xmlns:p16="http://schemas.microsoft.com/office/powerpoint/2015/main" xmlns="" val="1"/>
               </p:ext>
             </p:extLst>
           </p:nvPr>
@@ -7431,13 +7568,13 @@
       </p:sp>
       <p:sp>
         <p:nvSpPr>
-          <p:cNvPr id="19" name="Freeform: Shape 18">
-            <a:extLst>
-              <a:ext uri="{FF2B5EF4-FFF2-40B4-BE49-F238E27FC236}">
-                <a16:creationId xmlns="" xmlns:a16="http://schemas.microsoft.com/office/drawing/2014/main" id="{38FAA1A1-D861-433F-88FA-1E9D6FD31D11}"/>
+          <p:cNvPr id="18" name="Freeform: Shape 17">
+            <a:extLst>
+              <a:ext uri="{FF2B5EF4-FFF2-40B4-BE49-F238E27FC236}">
+                <a16:creationId xmlns:a16="http://schemas.microsoft.com/office/drawing/2014/main" xmlns="" id="{38FAA1A1-D861-433F-88FA-1E9D6FD31D11}"/>
               </a:ext>
               <a:ext uri="{C183D7F6-B498-43B3-948B-1728B52AA6E4}">
-                <adec:decorative xmlns="" xmlns:adec="http://schemas.microsoft.com/office/drawing/2017/decorative" val="1"/>
+                <adec:decorative xmlns:adec="http://schemas.microsoft.com/office/drawing/2017/decorative" xmlns="" val="1"/>
               </a:ext>
             </a:extLst>
           </p:cNvPr>
@@ -7447,7 +7584,7 @@
           <p:nvPr>
             <p:extLst>
               <p:ext uri="{386F3935-93C4-4BCD-93E2-E3B085C9AB24}">
-                <p16:designElem xmlns="" xmlns:p16="http://schemas.microsoft.com/office/powerpoint/2015/main" val="1"/>
+                <p16:designElem xmlns:p16="http://schemas.microsoft.com/office/powerpoint/2015/main" xmlns="" val="1"/>
               </p:ext>
             </p:extLst>
           </p:nvPr>
@@ -7601,13 +7738,13 @@
       </p:sp>
       <p:sp>
         <p:nvSpPr>
-          <p:cNvPr id="21" name="Rectangle 20">
-            <a:extLst>
-              <a:ext uri="{FF2B5EF4-FFF2-40B4-BE49-F238E27FC236}">
-                <a16:creationId xmlns="" xmlns:a16="http://schemas.microsoft.com/office/drawing/2014/main" id="{8D71EDA1-87BF-4D5D-AB79-F346FD19278A}"/>
+          <p:cNvPr id="20" name="Rectangle 19">
+            <a:extLst>
+              <a:ext uri="{FF2B5EF4-FFF2-40B4-BE49-F238E27FC236}">
+                <a16:creationId xmlns:a16="http://schemas.microsoft.com/office/drawing/2014/main" xmlns="" id="{8D71EDA1-87BF-4D5D-AB79-F346FD19278A}"/>
               </a:ext>
               <a:ext uri="{C183D7F6-B498-43B3-948B-1728B52AA6E4}">
-                <adec:decorative xmlns="" xmlns:adec="http://schemas.microsoft.com/office/drawing/2017/decorative" val="1"/>
+                <adec:decorative xmlns:adec="http://schemas.microsoft.com/office/drawing/2017/decorative" xmlns="" val="1"/>
               </a:ext>
             </a:extLst>
           </p:cNvPr>
@@ -7617,7 +7754,7 @@
           <p:nvPr>
             <p:extLst>
               <p:ext uri="{386F3935-93C4-4BCD-93E2-E3B085C9AB24}">
-                <p16:designElem xmlns="" xmlns:p16="http://schemas.microsoft.com/office/powerpoint/2015/main" val="1"/>
+                <p16:designElem xmlns:p16="http://schemas.microsoft.com/office/powerpoint/2015/main" xmlns="" val="1"/>
               </p:ext>
             </p:extLst>
           </p:nvPr>
@@ -7678,96 +7815,62 @@
       </p:sp>
       <p:sp>
         <p:nvSpPr>
-          <p:cNvPr id="4" name="TextBox 3">
-            <a:extLst>
-              <a:ext uri="{FF2B5EF4-FFF2-40B4-BE49-F238E27FC236}">
-                <a16:creationId xmlns="" xmlns:a16="http://schemas.microsoft.com/office/drawing/2014/main" id="{6D5C5F48-0937-4292-B270-E6C6F7500FF2}"/>
-              </a:ext>
-            </a:extLst>
-          </p:cNvPr>
-          <p:cNvSpPr txBox="1"/>
-          <p:nvPr/>
+          <p:cNvPr id="2" name="Title 1">
+            <a:extLst>
+              <a:ext uri="{FF2B5EF4-FFF2-40B4-BE49-F238E27FC236}">
+                <a16:creationId xmlns:a16="http://schemas.microsoft.com/office/drawing/2014/main" xmlns="" id="{D33526B9-E125-4A8D-9B56-5E5197168B5B}"/>
+              </a:ext>
+            </a:extLst>
+          </p:cNvPr>
+          <p:cNvSpPr>
+            <a:spLocks noGrp="1"/>
+          </p:cNvSpPr>
+          <p:nvPr>
+            <p:ph type="title"/>
+          </p:nvPr>
         </p:nvSpPr>
         <p:spPr>
           <a:xfrm>
-            <a:off x="466722" y="586855"/>
-            <a:ext cx="3201366" cy="3387497"/>
+            <a:off x="466722" y="1733268"/>
+            <a:ext cx="3201366" cy="2381428"/>
           </a:xfrm>
-          <a:prstGeom prst="rect">
-            <a:avLst/>
-          </a:prstGeom>
         </p:spPr>
         <p:txBody>
-          <a:bodyPr vert="horz" lIns="91440" tIns="45720" rIns="91440" bIns="45720" rtlCol="0" anchor="b">
+          <a:bodyPr anchor="ctr">
             <a:normAutofit/>
           </a:bodyPr>
           <a:lstStyle/>
           <a:p>
-            <a:pPr algn="r">
-              <a:lnSpc>
-                <a:spcPct val="90000"/>
-              </a:lnSpc>
-              <a:spcBef>
-                <a:spcPct val="0"/>
-              </a:spcBef>
-              <a:spcAft>
-                <a:spcPts val="600"/>
-              </a:spcAft>
-            </a:pPr>
-            <a:r>
-              <a:rPr lang="en-US" sz="4000" b="1" i="0" kern="1200" dirty="0" smtClean="0">
+            <a:pPr algn="ctr"/>
+            <a:r>
+              <a:rPr lang="en-US" sz="4800" b="1" dirty="0" smtClean="0">
                 <a:solidFill>
                   <a:srgbClr val="FFFFFF"/>
                 </a:solidFill>
-                <a:effectLst/>
-                <a:latin typeface="+mj-lt"/>
-                <a:ea typeface="+mj-ea"/>
-                <a:cs typeface="+mj-cs"/>
               </a:rPr>
-              <a:t> </a:t>
-            </a:r>
-            <a:endParaRPr lang="en-US" sz="4000" b="1" i="0" dirty="0" smtClean="0">
+              <a:t/>
+            </a:r>
+            <a:br>
+              <a:rPr lang="en-US" sz="4800" b="1" dirty="0" smtClean="0">
+                <a:solidFill>
+                  <a:srgbClr val="FFFFFF"/>
+                </a:solidFill>
+              </a:rPr>
+            </a:br>
+            <a:r>
+              <a:rPr lang="en-US" sz="4800" b="1" dirty="0" smtClean="0">
+                <a:solidFill>
+                  <a:srgbClr val="FFFFFF"/>
+                </a:solidFill>
+              </a:rPr>
+              <a:t>Modules Description </a:t>
+            </a:r>
+            <a:endParaRPr lang="en-US" sz="4800" b="1" dirty="0">
               <a:solidFill>
                 <a:srgbClr val="FFFFFF"/>
               </a:solidFill>
-              <a:effectLst/>
-              <a:latin typeface="+mj-lt"/>
-              <a:ea typeface="+mj-ea"/>
-              <a:cs typeface="+mj-cs"/>
             </a:endParaRPr>
           </a:p>
-          <a:p>
-            <a:pPr algn="r">
-              <a:lnSpc>
-                <a:spcPct val="90000"/>
-              </a:lnSpc>
-              <a:spcBef>
-                <a:spcPct val="0"/>
-              </a:spcBef>
-              <a:spcAft>
-                <a:spcPts val="600"/>
-              </a:spcAft>
-            </a:pPr>
-            <a:r>
-              <a:rPr lang="en-US" sz="4000" b="1" dirty="0" smtClean="0">
-                <a:solidFill>
-                  <a:srgbClr val="FFFFFF"/>
-                </a:solidFill>
-                <a:latin typeface="+mj-lt"/>
-                <a:ea typeface="+mj-ea"/>
-                <a:cs typeface="+mj-cs"/>
-              </a:rPr>
-              <a:t>Technologies / Software Requirements </a:t>
-            </a:r>
-            <a:endParaRPr lang="en-US" sz="4000" b="1" dirty="0">
-              <a:solidFill>
-                <a:srgbClr val="FFFFFF"/>
-              </a:solidFill>
-              <a:latin typeface="+mj-lt"/>
-              <a:ea typeface="+mj-ea"/>
-              <a:cs typeface="+mj-cs"/>
-            </a:endParaRPr>
-          </a:p>
         </p:txBody>
       </p:sp>
       <p:sp>
@@ -7775,7 +7878,7 @@
           <p:cNvPr id="3" name="Content Placeholder 2">
             <a:extLst>
               <a:ext uri="{FF2B5EF4-FFF2-40B4-BE49-F238E27FC236}">
-                <a16:creationId xmlns="" xmlns:a16="http://schemas.microsoft.com/office/drawing/2014/main" id="{940E3CB7-9B5E-49D6-9BFF-6CCBAA2995C7}"/>
+                <a16:creationId xmlns:a16="http://schemas.microsoft.com/office/drawing/2014/main" xmlns="" id="{978C332D-0BDB-445C-A5C1-B8617CCD8DAA}"/>
               </a:ext>
             </a:extLst>
           </p:cNvPr>
@@ -7788,75 +7891,132 @@
         </p:nvSpPr>
         <p:spPr>
           <a:xfrm>
-            <a:off x="4810260" y="649480"/>
-            <a:ext cx="6387624" cy="5546047"/>
+            <a:off x="4810259" y="649480"/>
+            <a:ext cx="6555347" cy="5546047"/>
           </a:xfrm>
         </p:spPr>
         <p:txBody>
-          <a:bodyPr vert="horz" lIns="91440" tIns="45720" rIns="91440" bIns="45720" rtlCol="0" anchor="ctr">
-            <a:normAutofit/>
+          <a:bodyPr anchor="ctr">
+            <a:noAutofit/>
           </a:bodyPr>
           <a:lstStyle/>
           <a:p>
-            <a:pPr marL="0" indent="0" algn="just">
+            <a:r>
+              <a:rPr lang="en-US" sz="1600" b="1" dirty="0" smtClean="0"/>
+              <a:t>1. </a:t>
+            </a:r>
+            <a:r>
+              <a:rPr lang="en-US" sz="1600" b="1" dirty="0" smtClean="0"/>
+              <a:t>User Interface:</a:t>
+            </a:r>
+            <a:endParaRPr lang="en-US" sz="1600" b="1" dirty="0" smtClean="0"/>
+          </a:p>
+          <a:p>
+            <a:pPr>
+              <a:buFont typeface="Arial" panose="020B0604020202020204" pitchFamily="34" charset="0"/>
               <a:buNone/>
             </a:pPr>
-            <a:endParaRPr lang="en-US" dirty="0" smtClean="0"/>
-          </a:p>
-          <a:p>
-            <a:r>
-              <a:rPr lang="en-US" b="1" dirty="0" smtClean="0"/>
-              <a:t>Front-End Development:</a:t>
-            </a:r>
-            <a:endParaRPr lang="en-US" dirty="0" smtClean="0"/>
-          </a:p>
-          <a:p>
-            <a:pPr lvl="1"/>
-            <a:r>
-              <a:rPr lang="en-US" dirty="0" smtClean="0"/>
-              <a:t>HTML5</a:t>
-            </a:r>
-          </a:p>
-          <a:p>
-            <a:pPr lvl="1"/>
-            <a:r>
-              <a:rPr lang="en-US" dirty="0" smtClean="0"/>
-              <a:t>CSS</a:t>
-            </a:r>
-          </a:p>
-          <a:p>
-            <a:pPr lvl="1"/>
-            <a:r>
-              <a:rPr lang="en-US" dirty="0" smtClean="0"/>
-              <a:t>JavaScript</a:t>
-            </a:r>
-          </a:p>
-          <a:p>
-            <a:r>
-              <a:rPr lang="en-US" b="1" dirty="0" smtClean="0"/>
-              <a:t>Back-End Development:</a:t>
-            </a:r>
-            <a:endParaRPr lang="en-US" dirty="0" smtClean="0"/>
-          </a:p>
-          <a:p>
-            <a:pPr lvl="1"/>
-            <a:r>
-              <a:rPr lang="en-US" dirty="0" smtClean="0"/>
-              <a:t>Python</a:t>
-            </a:r>
-          </a:p>
-          <a:p>
-            <a:pPr marL="0" indent="0" algn="just"/>
-            <a:r>
-              <a:rPr lang="en-US" b="1" dirty="0" smtClean="0"/>
-              <a:t>Operating System</a:t>
-            </a:r>
-          </a:p>
-          <a:p>
-            <a:pPr marL="457200" lvl="1" indent="0" algn="just"/>
-            <a:r>
-              <a:rPr lang="en-US" dirty="0" smtClean="0"/>
-              <a:t>Window 10</a:t>
+            <a:r>
+              <a:rPr lang="en-US" sz="1600" dirty="0" smtClean="0"/>
+              <a:t>	Description: This module allows students to </a:t>
+            </a:r>
+            <a:r>
+              <a:rPr lang="en-US" sz="1600" dirty="0" smtClean="0"/>
+              <a:t>providing </a:t>
+            </a:r>
+            <a:r>
+              <a:rPr lang="en-US" sz="1600" dirty="0" smtClean="0"/>
+              <a:t>essential personal information, educational history, interests, and career aspirations. </a:t>
+            </a:r>
+            <a:r>
+              <a:rPr lang="en-US" sz="1600" dirty="0" smtClean="0"/>
+              <a:t>And All the Information will be fill in the Form which provide on Web Application.</a:t>
+            </a:r>
+            <a:endParaRPr lang="en-US" sz="1600" dirty="0" smtClean="0"/>
+          </a:p>
+          <a:p>
+            <a:r>
+              <a:rPr lang="en-US" sz="1600" b="1" dirty="0" smtClean="0"/>
+              <a:t>2. Data Collection and Input:</a:t>
+            </a:r>
+          </a:p>
+          <a:p>
+            <a:pPr>
+              <a:buFont typeface="Arial" panose="020B0604020202020204" pitchFamily="34" charset="0"/>
+              <a:buNone/>
+            </a:pPr>
+            <a:r>
+              <a:rPr lang="en-US" sz="1600" dirty="0" smtClean="0"/>
+              <a:t>	 Description: This module facilitates the collection of detailed data from students, including academic achievements, extracurricular activities, </a:t>
+            </a:r>
+            <a:r>
+              <a:rPr lang="en-US" sz="1600" dirty="0" smtClean="0"/>
+              <a:t>and </a:t>
+            </a:r>
+            <a:r>
+              <a:rPr lang="en-US" sz="1600" dirty="0" smtClean="0"/>
+              <a:t>preferences. It ensures the system has comprehensive information to provide accurate recommendations.</a:t>
+            </a:r>
+          </a:p>
+          <a:p>
+            <a:r>
+              <a:rPr lang="en-US" sz="1600" b="1" dirty="0" smtClean="0"/>
+              <a:t>3. College and Program </a:t>
+            </a:r>
+            <a:r>
+              <a:rPr lang="en-US" sz="1600" b="1" dirty="0" smtClean="0"/>
+              <a:t>Data:</a:t>
+            </a:r>
+            <a:endParaRPr lang="en-US" sz="1600" b="1" dirty="0" smtClean="0"/>
+          </a:p>
+          <a:p>
+            <a:pPr>
+              <a:buFont typeface="Arial" panose="020B0604020202020204" pitchFamily="34" charset="0"/>
+              <a:buNone/>
+            </a:pPr>
+            <a:r>
+              <a:rPr lang="en-US" sz="1600" dirty="0" smtClean="0"/>
+              <a:t>	 Description: This module includes a comprehensive </a:t>
+            </a:r>
+            <a:r>
+              <a:rPr lang="en-US" sz="1600" dirty="0" smtClean="0"/>
+              <a:t>data </a:t>
+            </a:r>
+            <a:r>
+              <a:rPr lang="en-US" sz="1600" dirty="0" smtClean="0"/>
+              <a:t>of colleges, universities, and educational programs. It contains information such as program details, admission requirements, campus facilities, and student reviews.</a:t>
+            </a:r>
+          </a:p>
+          <a:p>
+            <a:r>
+              <a:rPr lang="en-US" sz="1600" b="1" dirty="0" smtClean="0"/>
+              <a:t>4. Recommendation Engine:</a:t>
+            </a:r>
+          </a:p>
+          <a:p>
+            <a:pPr>
+              <a:buFont typeface="Arial" panose="020B0604020202020204" pitchFamily="34" charset="0"/>
+              <a:buNone/>
+            </a:pPr>
+            <a:r>
+              <a:rPr lang="en-US" sz="1600" dirty="0" smtClean="0"/>
+              <a:t>	 Description: The recommendation engine analyzes </a:t>
+            </a:r>
+            <a:r>
+              <a:rPr lang="en-US" sz="1600" dirty="0" smtClean="0"/>
+              <a:t> provided </a:t>
+            </a:r>
+            <a:r>
+              <a:rPr lang="en-US" sz="1600" dirty="0" smtClean="0"/>
+              <a:t>information </a:t>
+            </a:r>
+            <a:r>
+              <a:rPr lang="en-US" sz="1600" dirty="0" smtClean="0"/>
+              <a:t>and </a:t>
+            </a:r>
+            <a:r>
+              <a:rPr lang="en-US" sz="1600" dirty="0" smtClean="0"/>
+              <a:t>preferences to suggest the best-fit colleges, courses, and majors. It utilizes algorithms and data analysis techniques to provide personalized recommendations.</a:t>
             </a:r>
           </a:p>
         </p:txBody>
@@ -7864,7 +8024,7 @@
     </p:spTree>
     <p:extLst>
       <p:ext uri="{BB962C8B-B14F-4D97-AF65-F5344CB8AC3E}">
-        <p14:creationId xmlns="" xmlns:p14="http://schemas.microsoft.com/office/powerpoint/2010/main" val="4166251472"/>
+        <p14:creationId xmlns:p14="http://schemas.microsoft.com/office/powerpoint/2010/main" xmlns="" val="3478142877"/>
       </p:ext>
     </p:extLst>
   </p:cSld>
@@ -7874,7 +8034,7 @@
 </p:sld>
 </file>
 
-<file path=ppt/slides/slide6.xml><?xml version="1.0" encoding="utf-8"?>
+<file path=ppt/slides/slide7.xml><?xml version="1.0" encoding="utf-8"?>
 <p:sld xmlns:a="http://schemas.openxmlformats.org/drawingml/2006/main" xmlns:r="http://schemas.openxmlformats.org/officeDocument/2006/relationships" xmlns:p="http://schemas.openxmlformats.org/presentationml/2006/main">
   <p:cSld>
     <p:bg>
@@ -7904,10 +8064,10 @@
           <p:cNvPr id="8" name="Rectangle 7">
             <a:extLst>
               <a:ext uri="{FF2B5EF4-FFF2-40B4-BE49-F238E27FC236}">
-                <a16:creationId xmlns="" xmlns:a16="http://schemas.microsoft.com/office/drawing/2014/main" id="{09588DA8-065E-4F6F-8EFD-43104AB2E0CF}"/>
+                <a16:creationId xmlns:a16="http://schemas.microsoft.com/office/drawing/2014/main" xmlns="" id="{09588DA8-065E-4F6F-8EFD-43104AB2E0CF}"/>
               </a:ext>
               <a:ext uri="{C183D7F6-B498-43B3-948B-1728B52AA6E4}">
-                <adec:decorative xmlns="" xmlns:adec="http://schemas.microsoft.com/office/drawing/2017/decorative" val="1"/>
+                <adec:decorative xmlns:adec="http://schemas.microsoft.com/office/drawing/2017/decorative" xmlns="" val="1"/>
               </a:ext>
             </a:extLst>
           </p:cNvPr>
@@ -7917,7 +8077,7 @@
           <p:nvPr>
             <p:extLst>
               <p:ext uri="{386F3935-93C4-4BCD-93E2-E3B085C9AB24}">
-                <p16:designElem xmlns="" xmlns:p16="http://schemas.microsoft.com/office/powerpoint/2015/main" val="1"/>
+                <p16:designElem xmlns:p16="http://schemas.microsoft.com/office/powerpoint/2015/main" xmlns="" val="1"/>
               </p:ext>
             </p:extLst>
           </p:nvPr>
@@ -7938,7 +8098,7 @@
           <a:effectLst/>
           <a:extLst>
             <a:ext uri="{91240B29-F687-4F45-9708-019B960494DF}">
-              <a14:hiddenLine xmlns="" xmlns:a14="http://schemas.microsoft.com/office/drawing/2010/main" w="12700" cap="flat" cmpd="sng" algn="ctr">
+              <a14:hiddenLine xmlns:a14="http://schemas.microsoft.com/office/drawing/2010/main" xmlns="" w="12700" cap="flat" cmpd="sng" algn="ctr">
                 <a:solidFill>
                   <a:schemeClr val="accent1">
                     <a:shade val="50000"/>
@@ -7980,10 +8140,10 @@
           <p:cNvPr id="10" name="Rectangle 9">
             <a:extLst>
               <a:ext uri="{FF2B5EF4-FFF2-40B4-BE49-F238E27FC236}">
-                <a16:creationId xmlns="" xmlns:a16="http://schemas.microsoft.com/office/drawing/2014/main" id="{C4285719-470E-454C-AF62-8323075F1F5B}"/>
+                <a16:creationId xmlns:a16="http://schemas.microsoft.com/office/drawing/2014/main" xmlns="" id="{C4285719-470E-454C-AF62-8323075F1F5B}"/>
               </a:ext>
               <a:ext uri="{C183D7F6-B498-43B3-948B-1728B52AA6E4}">
-                <adec:decorative xmlns="" xmlns:adec="http://schemas.microsoft.com/office/drawing/2017/decorative" val="1"/>
+                <adec:decorative xmlns:adec="http://schemas.microsoft.com/office/drawing/2017/decorative" xmlns="" val="1"/>
               </a:ext>
             </a:extLst>
           </p:cNvPr>
@@ -7993,7 +8153,7 @@
           <p:nvPr>
             <p:extLst>
               <p:ext uri="{386F3935-93C4-4BCD-93E2-E3B085C9AB24}">
-                <p16:designElem xmlns="" xmlns:p16="http://schemas.microsoft.com/office/powerpoint/2015/main" val="1"/>
+                <p16:designElem xmlns:p16="http://schemas.microsoft.com/office/powerpoint/2015/main" xmlns="" val="1"/>
               </p:ext>
             </p:extLst>
           </p:nvPr>
@@ -8014,7 +8174,7 @@
           <a:effectLst/>
           <a:extLst>
             <a:ext uri="{91240B29-F687-4F45-9708-019B960494DF}">
-              <a14:hiddenLine xmlns="" xmlns:a14="http://schemas.microsoft.com/office/drawing/2010/main" w="12700" cap="flat" cmpd="sng" algn="ctr">
+              <a14:hiddenLine xmlns:a14="http://schemas.microsoft.com/office/drawing/2010/main" xmlns="" w="12700" cap="flat" cmpd="sng" algn="ctr">
                 <a:solidFill>
                   <a:schemeClr val="accent1">
                     <a:shade val="50000"/>
@@ -8056,10 +8216,10 @@
           <p:cNvPr id="12" name="Rectangle 11">
             <a:extLst>
               <a:ext uri="{FF2B5EF4-FFF2-40B4-BE49-F238E27FC236}">
-                <a16:creationId xmlns="" xmlns:a16="http://schemas.microsoft.com/office/drawing/2014/main" id="{CD9FE4EF-C4D8-49A0-B2FF-81D8DB7D8A24}"/>
+                <a16:creationId xmlns:a16="http://schemas.microsoft.com/office/drawing/2014/main" xmlns="" id="{CD9FE4EF-C4D8-49A0-B2FF-81D8DB7D8A24}"/>
               </a:ext>
               <a:ext uri="{C183D7F6-B498-43B3-948B-1728B52AA6E4}">
-                <adec:decorative xmlns="" xmlns:adec="http://schemas.microsoft.com/office/drawing/2017/decorative" val="1"/>
+                <adec:decorative xmlns:adec="http://schemas.microsoft.com/office/drawing/2017/decorative" xmlns="" val="1"/>
               </a:ext>
             </a:extLst>
           </p:cNvPr>
@@ -8069,7 +8229,7 @@
           <p:nvPr>
             <p:extLst>
               <p:ext uri="{386F3935-93C4-4BCD-93E2-E3B085C9AB24}">
-                <p16:designElem xmlns="" xmlns:p16="http://schemas.microsoft.com/office/powerpoint/2015/main" val="1"/>
+                <p16:designElem xmlns:p16="http://schemas.microsoft.com/office/powerpoint/2015/main" xmlns="" val="1"/>
               </p:ext>
             </p:extLst>
           </p:nvPr>
@@ -8129,10 +8289,10 @@
           <p:cNvPr id="14" name="Rectangle 13">
             <a:extLst>
               <a:ext uri="{FF2B5EF4-FFF2-40B4-BE49-F238E27FC236}">
-                <a16:creationId xmlns="" xmlns:a16="http://schemas.microsoft.com/office/drawing/2014/main" id="{4300840D-0A0B-4512-BACA-B439D5B9C57C}"/>
+                <a16:creationId xmlns:a16="http://schemas.microsoft.com/office/drawing/2014/main" xmlns="" id="{4300840D-0A0B-4512-BACA-B439D5B9C57C}"/>
               </a:ext>
               <a:ext uri="{C183D7F6-B498-43B3-948B-1728B52AA6E4}">
-                <adec:decorative xmlns="" xmlns:adec="http://schemas.microsoft.com/office/drawing/2017/decorative" val="1"/>
+                <adec:decorative xmlns:adec="http://schemas.microsoft.com/office/drawing/2017/decorative" xmlns="" val="1"/>
               </a:ext>
             </a:extLst>
           </p:cNvPr>
@@ -8142,7 +8302,7 @@
           <p:nvPr>
             <p:extLst>
               <p:ext uri="{386F3935-93C4-4BCD-93E2-E3B085C9AB24}">
-                <p16:designElem xmlns="" xmlns:p16="http://schemas.microsoft.com/office/powerpoint/2015/main" val="1"/>
+                <p16:designElem xmlns:p16="http://schemas.microsoft.com/office/powerpoint/2015/main" xmlns="" val="1"/>
               </p:ext>
             </p:extLst>
           </p:nvPr>
@@ -8204,10 +8364,10 @@
           <p:cNvPr id="16" name="Rectangle 15">
             <a:extLst>
               <a:ext uri="{FF2B5EF4-FFF2-40B4-BE49-F238E27FC236}">
-                <a16:creationId xmlns="" xmlns:a16="http://schemas.microsoft.com/office/drawing/2014/main" id="{D2B78728-A580-49A7-84F9-6EF6F583ADE0}"/>
+                <a16:creationId xmlns:a16="http://schemas.microsoft.com/office/drawing/2014/main" xmlns="" id="{D2B78728-A580-49A7-84F9-6EF6F583ADE0}"/>
               </a:ext>
               <a:ext uri="{C183D7F6-B498-43B3-948B-1728B52AA6E4}">
-                <adec:decorative xmlns="" xmlns:adec="http://schemas.microsoft.com/office/drawing/2017/decorative" val="1"/>
+                <adec:decorative xmlns:adec="http://schemas.microsoft.com/office/drawing/2017/decorative" xmlns="" val="1"/>
               </a:ext>
             </a:extLst>
           </p:cNvPr>
@@ -8217,7 +8377,7 @@
           <p:nvPr>
             <p:extLst>
               <p:ext uri="{386F3935-93C4-4BCD-93E2-E3B085C9AB24}">
-                <p16:designElem xmlns="" xmlns:p16="http://schemas.microsoft.com/office/powerpoint/2015/main" val="1"/>
+                <p16:designElem xmlns:p16="http://schemas.microsoft.com/office/powerpoint/2015/main" xmlns="" val="1"/>
               </p:ext>
             </p:extLst>
           </p:nvPr>
@@ -8279,10 +8439,10 @@
           <p:cNvPr id="18" name="Freeform: Shape 17">
             <a:extLst>
               <a:ext uri="{FF2B5EF4-FFF2-40B4-BE49-F238E27FC236}">
-                <a16:creationId xmlns="" xmlns:a16="http://schemas.microsoft.com/office/drawing/2014/main" id="{38FAA1A1-D861-433F-88FA-1E9D6FD31D11}"/>
+                <a16:creationId xmlns:a16="http://schemas.microsoft.com/office/drawing/2014/main" xmlns="" id="{38FAA1A1-D861-433F-88FA-1E9D6FD31D11}"/>
               </a:ext>
               <a:ext uri="{C183D7F6-B498-43B3-948B-1728B52AA6E4}">
-                <adec:decorative xmlns="" xmlns:adec="http://schemas.microsoft.com/office/drawing/2017/decorative" val="1"/>
+                <adec:decorative xmlns:adec="http://schemas.microsoft.com/office/drawing/2017/decorative" xmlns="" val="1"/>
               </a:ext>
             </a:extLst>
           </p:cNvPr>
@@ -8292,7 +8452,7 @@
           <p:nvPr>
             <p:extLst>
               <p:ext uri="{386F3935-93C4-4BCD-93E2-E3B085C9AB24}">
-                <p16:designElem xmlns="" xmlns:p16="http://schemas.microsoft.com/office/powerpoint/2015/main" val="1"/>
+                <p16:designElem xmlns:p16="http://schemas.microsoft.com/office/powerpoint/2015/main" xmlns="" val="1"/>
               </p:ext>
             </p:extLst>
           </p:nvPr>
@@ -8449,10 +8609,10 @@
           <p:cNvPr id="20" name="Rectangle 19">
             <a:extLst>
               <a:ext uri="{FF2B5EF4-FFF2-40B4-BE49-F238E27FC236}">
-                <a16:creationId xmlns="" xmlns:a16="http://schemas.microsoft.com/office/drawing/2014/main" id="{8D71EDA1-87BF-4D5D-AB79-F346FD19278A}"/>
+                <a16:creationId xmlns:a16="http://schemas.microsoft.com/office/drawing/2014/main" xmlns="" id="{8D71EDA1-87BF-4D5D-AB79-F346FD19278A}"/>
               </a:ext>
               <a:ext uri="{C183D7F6-B498-43B3-948B-1728B52AA6E4}">
-                <adec:decorative xmlns="" xmlns:adec="http://schemas.microsoft.com/office/drawing/2017/decorative" val="1"/>
+                <adec:decorative xmlns:adec="http://schemas.microsoft.com/office/drawing/2017/decorative" xmlns="" val="1"/>
               </a:ext>
             </a:extLst>
           </p:cNvPr>
@@ -8462,7 +8622,7 @@
           <p:nvPr>
             <p:extLst>
               <p:ext uri="{386F3935-93C4-4BCD-93E2-E3B085C9AB24}">
-                <p16:designElem xmlns="" xmlns:p16="http://schemas.microsoft.com/office/powerpoint/2015/main" val="1"/>
+                <p16:designElem xmlns:p16="http://schemas.microsoft.com/office/powerpoint/2015/main" xmlns="" val="1"/>
               </p:ext>
             </p:extLst>
           </p:nvPr>
@@ -8526,7 +8686,7 @@
           <p:cNvPr id="2" name="Title 1">
             <a:extLst>
               <a:ext uri="{FF2B5EF4-FFF2-40B4-BE49-F238E27FC236}">
-                <a16:creationId xmlns="" xmlns:a16="http://schemas.microsoft.com/office/drawing/2014/main" id="{D33526B9-E125-4A8D-9B56-5E5197168B5B}"/>
+                <a16:creationId xmlns:a16="http://schemas.microsoft.com/office/drawing/2014/main" xmlns="" id="{099853F4-453A-483E-A31B-4A3AB978EB08}"/>
               </a:ext>
             </a:extLst>
           </p:cNvPr>
@@ -8539,41 +8699,38 @@
         </p:nvSpPr>
         <p:spPr>
           <a:xfrm>
-            <a:off x="466722" y="1733268"/>
-            <a:ext cx="3201366" cy="2381428"/>
+            <a:off x="466722" y="586855"/>
+            <a:ext cx="3201366" cy="3387497"/>
           </a:xfrm>
         </p:spPr>
         <p:txBody>
-          <a:bodyPr anchor="ctr">
+          <a:bodyPr anchor="b">
             <a:normAutofit/>
           </a:bodyPr>
           <a:lstStyle/>
           <a:p>
-            <a:pPr algn="ctr"/>
-            <a:r>
-              <a:rPr lang="en-US" sz="4800" b="1" dirty="0" smtClean="0">
+            <a:pPr algn="r"/>
+            <a:r>
+              <a:rPr lang="en-US" sz="4000" b="1" i="0" dirty="0" smtClean="0">
                 <a:solidFill>
                   <a:srgbClr val="FFFFFF"/>
                 </a:solidFill>
+                <a:effectLst/>
+                <a:latin typeface="arial" panose="020B0604020202020204" pitchFamily="34" charset="0"/>
               </a:rPr>
-              <a:t/>
-            </a:r>
-            <a:br>
-              <a:rPr lang="en-US" sz="4800" b="1" dirty="0" smtClean="0">
+              <a:t>Output</a:t>
+            </a:r>
+            <a:r>
+              <a:rPr lang="en-US" sz="4000" b="0" i="0" dirty="0">
                 <a:solidFill>
                   <a:srgbClr val="FFFFFF"/>
                 </a:solidFill>
+                <a:effectLst/>
+                <a:latin typeface="arial" panose="020B0604020202020204" pitchFamily="34" charset="0"/>
               </a:rPr>
-            </a:br>
-            <a:r>
-              <a:rPr lang="en-US" sz="4800" b="1" dirty="0" smtClean="0">
-                <a:solidFill>
-                  <a:srgbClr val="FFFFFF"/>
-                </a:solidFill>
-              </a:rPr>
-              <a:t>Modules Description </a:t>
-            </a:r>
-            <a:endParaRPr lang="en-US" sz="4800" b="1" dirty="0">
+              <a:t> </a:t>
+            </a:r>
+            <a:endParaRPr lang="en-US" sz="4000" dirty="0">
               <a:solidFill>
                 <a:srgbClr val="FFFFFF"/>
               </a:solidFill>
@@ -8586,7 +8743,7 @@
           <p:cNvPr id="3" name="Content Placeholder 2">
             <a:extLst>
               <a:ext uri="{FF2B5EF4-FFF2-40B4-BE49-F238E27FC236}">
-                <a16:creationId xmlns="" xmlns:a16="http://schemas.microsoft.com/office/drawing/2014/main" id="{978C332D-0BDB-445C-A5C1-B8617CCD8DAA}"/>
+                <a16:creationId xmlns:a16="http://schemas.microsoft.com/office/drawing/2014/main" xmlns="" id="{20F70BF0-3E4C-4B04-A19F-629EA1FCD70A}"/>
               </a:ext>
             </a:extLst>
           </p:cNvPr>
@@ -8599,85 +8756,137 @@
         </p:nvSpPr>
         <p:spPr>
           <a:xfrm>
-            <a:off x="4810259" y="649480"/>
-            <a:ext cx="6555347" cy="5546047"/>
+            <a:off x="4367695" y="168812"/>
+            <a:ext cx="6787985" cy="7033846"/>
           </a:xfrm>
         </p:spPr>
         <p:txBody>
           <a:bodyPr anchor="ctr">
-            <a:noAutofit/>
+            <a:normAutofit/>
           </a:bodyPr>
           <a:lstStyle/>
           <a:p>
             <a:r>
               <a:rPr lang="en-US" sz="1600" b="1" dirty="0" smtClean="0"/>
-              <a:t>1. User Registration and Profile Management:</a:t>
-            </a:r>
-          </a:p>
+              <a:t>1. Personalized Career Paths:</a:t>
+            </a:r>
+            <a:r>
+              <a:rPr lang="en-US" sz="1600" dirty="0" smtClean="0"/>
+              <a:t> The system will provide students with tailored career paths, guiding them through the necessary educational milestones, internships, and experiences needed to achieve their specific career goals.</a:t>
+            </a:r>
+            <a:br>
+              <a:rPr lang="en-US" sz="1600" dirty="0" smtClean="0"/>
+            </a:br>
+            <a:endParaRPr lang="en-US" sz="1600" dirty="0" smtClean="0"/>
+          </a:p>
+          <a:p>
+            <a:r>
+              <a:rPr lang="en-US" sz="1600" b="1" dirty="0" smtClean="0"/>
+              <a:t>2. Accurate College Recommendations:</a:t>
+            </a:r>
+            <a:r>
+              <a:rPr lang="en-US" sz="1600" dirty="0" smtClean="0"/>
+              <a:t> Students will receive recommendations for colleges and universities that align with their academic profiles and career aspirations, increasing the likelihood of finding the best-fit institutions.</a:t>
+            </a:r>
+            <a:br>
+              <a:rPr lang="en-US" sz="1600" dirty="0" smtClean="0"/>
+            </a:br>
+            <a:endParaRPr lang="en-US" sz="1600" dirty="0" smtClean="0"/>
+          </a:p>
+          <a:p>
+            <a:r>
+              <a:rPr lang="en-US" sz="1600" b="1" dirty="0" smtClean="0"/>
+              <a:t>3. Optimal Course Selection:</a:t>
+            </a:r>
+            <a:r>
+              <a:rPr lang="en-US" sz="1600" dirty="0" smtClean="0"/>
+              <a:t> The system will suggest courses and majors that match each student's interests and career objectives, ensuring they make well-informed educational choices.</a:t>
+            </a:r>
+            <a:br>
+              <a:rPr lang="en-US" sz="1600" dirty="0" smtClean="0"/>
+            </a:br>
+            <a:endParaRPr lang="en-US" sz="1600" dirty="0" smtClean="0"/>
+          </a:p>
+          <a:p>
+            <a:r>
+              <a:rPr lang="en-US" sz="1600" b="1" dirty="0" smtClean="0"/>
+              <a:t>4. Enhanced Academic Preparedness</a:t>
+            </a:r>
+            <a:r>
+              <a:rPr lang="en-US" sz="1600" dirty="0" smtClean="0"/>
+              <a:t>: Students will have access </a:t>
+            </a:r>
+            <a:r>
+              <a:rPr lang="en-US" sz="1600" dirty="0" smtClean="0"/>
+              <a:t>the preparatory </a:t>
+            </a:r>
+            <a:r>
+              <a:rPr lang="en-US" sz="1600" dirty="0" smtClean="0"/>
+              <a:t>materials, including study guides and practice exams, to excel in their chosen fields of study.</a:t>
+            </a:r>
+            <a:br>
+              <a:rPr lang="en-US" sz="1600" dirty="0" smtClean="0"/>
+            </a:br>
+            <a:endParaRPr lang="en-US" sz="1600" dirty="0" smtClean="0"/>
+          </a:p>
+          <a:p>
+            <a:r>
+              <a:rPr lang="en-US" sz="1600" b="1" dirty="0" smtClean="0"/>
+              <a:t>5. Improved Decision-Making:</a:t>
+            </a:r>
+            <a:r>
+              <a:rPr lang="en-US" sz="1600" dirty="0" smtClean="0"/>
+              <a:t> Students will make more informed decisions about their educational and career paths, leading to increased academic success and job satisfaction.</a:t>
+            </a:r>
+          </a:p>
+          <a:p>
+            <a:endParaRPr lang="en-US" sz="2000" dirty="0" smtClean="0"/>
+          </a:p>
+        </p:txBody>
+      </p:sp>
+      <p:sp>
+        <p:nvSpPr>
+          <p:cNvPr id="11" name="TextBox 10">
+            <a:extLst>
+              <a:ext uri="{FF2B5EF4-FFF2-40B4-BE49-F238E27FC236}">
+                <a16:creationId xmlns:a16="http://schemas.microsoft.com/office/drawing/2014/main" xmlns="" id="{2FA10B8B-1B6E-485B-9ED6-E7953EE35847}"/>
+              </a:ext>
+            </a:extLst>
+          </p:cNvPr>
+          <p:cNvSpPr txBox="1"/>
+          <p:nvPr/>
+        </p:nvSpPr>
+        <p:spPr>
+          <a:xfrm>
+            <a:off x="9486900" y="5643563"/>
+            <a:ext cx="2224753" cy="466231"/>
+          </a:xfrm>
+          <a:prstGeom prst="rect">
+            <a:avLst/>
+          </a:prstGeom>
+        </p:spPr>
+        <p:txBody>
+          <a:bodyPr vert="horz" lIns="91440" tIns="45720" rIns="91440" bIns="45720" rtlCol="0">
+            <a:normAutofit/>
+          </a:bodyPr>
+          <a:lstStyle/>
           <a:p>
             <a:pPr>
-              <a:buFont typeface="Arial" panose="020B0604020202020204" pitchFamily="34" charset="0"/>
-              <a:buNone/>
+              <a:lnSpc>
+                <a:spcPct val="90000"/>
+              </a:lnSpc>
+              <a:spcAft>
+                <a:spcPts val="600"/>
+              </a:spcAft>
             </a:pPr>
-            <a:r>
-              <a:rPr lang="en-US" sz="1600" dirty="0" smtClean="0"/>
-              <a:t>	Description: This module allows students to create user accounts, providing essential personal information, educational history, interests, and career aspirations. Users can also edit and update their profiles as needed.</a:t>
-            </a:r>
-          </a:p>
-          <a:p>
-            <a:r>
-              <a:rPr lang="en-US" sz="1600" b="1" dirty="0" smtClean="0"/>
-              <a:t>2. Data Collection and Input:</a:t>
-            </a:r>
-          </a:p>
-          <a:p>
-            <a:pPr>
-              <a:buFont typeface="Arial" panose="020B0604020202020204" pitchFamily="34" charset="0"/>
-              <a:buNone/>
-            </a:pPr>
-            <a:r>
-              <a:rPr lang="en-US" sz="1600" dirty="0" smtClean="0"/>
-              <a:t>	 Description: This module facilitates the collection of detailed data from students, including academic achievements, extracurricular activities, test scores, and preferences. It ensures the system has comprehensive information to provide accurate recommendations.</a:t>
-            </a:r>
-          </a:p>
-          <a:p>
-            <a:r>
-              <a:rPr lang="en-US" sz="1600" b="1" dirty="0" smtClean="0"/>
-              <a:t>3. College and Program Database:</a:t>
-            </a:r>
-          </a:p>
-          <a:p>
-            <a:pPr>
-              <a:buFont typeface="Arial" panose="020B0604020202020204" pitchFamily="34" charset="0"/>
-              <a:buNone/>
-            </a:pPr>
-            <a:r>
-              <a:rPr lang="en-US" sz="1600" dirty="0" smtClean="0"/>
-              <a:t>	 Description: This module includes a comprehensive database of colleges, universities, and educational programs. It contains information such as program details, admission requirements, campus facilities, and student reviews.</a:t>
-            </a:r>
-          </a:p>
-          <a:p>
-            <a:r>
-              <a:rPr lang="en-US" sz="1600" b="1" dirty="0" smtClean="0"/>
-              <a:t>4. Recommendation Engine:</a:t>
-            </a:r>
-          </a:p>
-          <a:p>
-            <a:pPr>
-              <a:buFont typeface="Arial" panose="020B0604020202020204" pitchFamily="34" charset="0"/>
-              <a:buNone/>
-            </a:pPr>
-            <a:r>
-              <a:rPr lang="en-US" sz="1600" dirty="0" smtClean="0"/>
-              <a:t>	 Description: The recommendation engine analyzes user profiles and preferences to suggest the best-fit colleges, courses, and majors. It utilizes algorithms and data analysis techniques to provide personalized recommendations.</a:t>
-            </a:r>
+            <a:endParaRPr lang="en-US" sz="2000" dirty="0"/>
           </a:p>
         </p:txBody>
       </p:sp>
     </p:spTree>
     <p:extLst>
       <p:ext uri="{BB962C8B-B14F-4D97-AF65-F5344CB8AC3E}">
-        <p14:creationId xmlns="" xmlns:p14="http://schemas.microsoft.com/office/powerpoint/2010/main" val="3478142877"/>
+        <p14:creationId xmlns:p14="http://schemas.microsoft.com/office/powerpoint/2010/main" xmlns="" val="1376170196"/>
       </p:ext>
     </p:extLst>
   </p:cSld>
@@ -8687,7 +8896,7 @@
 </p:sld>
 </file>
 
-<file path=ppt/slides/slide7.xml><?xml version="1.0" encoding="utf-8"?>
+<file path=ppt/slides/slide8.xml><?xml version="1.0" encoding="utf-8"?>
 <p:sld xmlns:a="http://schemas.openxmlformats.org/drawingml/2006/main" xmlns:r="http://schemas.openxmlformats.org/officeDocument/2006/relationships" xmlns:p="http://schemas.openxmlformats.org/presentationml/2006/main">
   <p:cSld>
     <p:bg>
@@ -8714,13 +8923,13 @@
       </p:grpSpPr>
       <p:sp useBgFill="1">
         <p:nvSpPr>
-          <p:cNvPr id="8" name="Rectangle 7">
-            <a:extLst>
-              <a:ext uri="{FF2B5EF4-FFF2-40B4-BE49-F238E27FC236}">
-                <a16:creationId xmlns="" xmlns:a16="http://schemas.microsoft.com/office/drawing/2014/main" id="{09588DA8-065E-4F6F-8EFD-43104AB2E0CF}"/>
+          <p:cNvPr id="10" name="Rectangle 9">
+            <a:extLst>
+              <a:ext uri="{FF2B5EF4-FFF2-40B4-BE49-F238E27FC236}">
+                <a16:creationId xmlns:a16="http://schemas.microsoft.com/office/drawing/2014/main" xmlns="" id="{09588DA8-065E-4F6F-8EFD-43104AB2E0CF}"/>
               </a:ext>
               <a:ext uri="{C183D7F6-B498-43B3-948B-1728B52AA6E4}">
-                <adec:decorative xmlns="" xmlns:adec="http://schemas.microsoft.com/office/drawing/2017/decorative" val="1"/>
+                <adec:decorative xmlns:adec="http://schemas.microsoft.com/office/drawing/2017/decorative" xmlns="" val="1"/>
               </a:ext>
             </a:extLst>
           </p:cNvPr>
@@ -8730,7 +8939,7 @@
           <p:nvPr>
             <p:extLst>
               <p:ext uri="{386F3935-93C4-4BCD-93E2-E3B085C9AB24}">
-                <p16:designElem xmlns="" xmlns:p16="http://schemas.microsoft.com/office/powerpoint/2015/main" val="1"/>
+                <p16:designElem xmlns:p16="http://schemas.microsoft.com/office/powerpoint/2015/main" xmlns="" val="1"/>
               </p:ext>
             </p:extLst>
           </p:nvPr>
@@ -8751,7 +8960,7 @@
           <a:effectLst/>
           <a:extLst>
             <a:ext uri="{91240B29-F687-4F45-9708-019B960494DF}">
-              <a14:hiddenLine xmlns="" xmlns:a14="http://schemas.microsoft.com/office/drawing/2010/main" w="12700" cap="flat" cmpd="sng" algn="ctr">
+              <a14:hiddenLine xmlns:a14="http://schemas.microsoft.com/office/drawing/2010/main" xmlns="" w="12700" cap="flat" cmpd="sng" algn="ctr">
                 <a:solidFill>
                   <a:schemeClr val="accent1">
                     <a:shade val="50000"/>
@@ -8790,13 +8999,13 @@
       </p:sp>
       <p:sp useBgFill="1">
         <p:nvSpPr>
-          <p:cNvPr id="10" name="Rectangle 9">
-            <a:extLst>
-              <a:ext uri="{FF2B5EF4-FFF2-40B4-BE49-F238E27FC236}">
-                <a16:creationId xmlns="" xmlns:a16="http://schemas.microsoft.com/office/drawing/2014/main" id="{C4285719-470E-454C-AF62-8323075F1F5B}"/>
+          <p:cNvPr id="12" name="Rectangle 11">
+            <a:extLst>
+              <a:ext uri="{FF2B5EF4-FFF2-40B4-BE49-F238E27FC236}">
+                <a16:creationId xmlns:a16="http://schemas.microsoft.com/office/drawing/2014/main" xmlns="" id="{C4285719-470E-454C-AF62-8323075F1F5B}"/>
               </a:ext>
               <a:ext uri="{C183D7F6-B498-43B3-948B-1728B52AA6E4}">
-                <adec:decorative xmlns="" xmlns:adec="http://schemas.microsoft.com/office/drawing/2017/decorative" val="1"/>
+                <adec:decorative xmlns:adec="http://schemas.microsoft.com/office/drawing/2017/decorative" xmlns="" val="1"/>
               </a:ext>
             </a:extLst>
           </p:cNvPr>
@@ -8806,7 +9015,7 @@
           <p:nvPr>
             <p:extLst>
               <p:ext uri="{386F3935-93C4-4BCD-93E2-E3B085C9AB24}">
-                <p16:designElem xmlns="" xmlns:p16="http://schemas.microsoft.com/office/powerpoint/2015/main" val="1"/>
+                <p16:designElem xmlns:p16="http://schemas.microsoft.com/office/powerpoint/2015/main" xmlns="" val="1"/>
               </p:ext>
             </p:extLst>
           </p:nvPr>
@@ -8827,7 +9036,7 @@
           <a:effectLst/>
           <a:extLst>
             <a:ext uri="{91240B29-F687-4F45-9708-019B960494DF}">
-              <a14:hiddenLine xmlns="" xmlns:a14="http://schemas.microsoft.com/office/drawing/2010/main" w="12700" cap="flat" cmpd="sng" algn="ctr">
+              <a14:hiddenLine xmlns:a14="http://schemas.microsoft.com/office/drawing/2010/main" xmlns="" w="12700" cap="flat" cmpd="sng" algn="ctr">
                 <a:solidFill>
                   <a:schemeClr val="accent1">
                     <a:shade val="50000"/>
@@ -8866,13 +9075,13 @@
       </p:sp>
       <p:sp>
         <p:nvSpPr>
-          <p:cNvPr id="12" name="Rectangle 11">
-            <a:extLst>
-              <a:ext uri="{FF2B5EF4-FFF2-40B4-BE49-F238E27FC236}">
-                <a16:creationId xmlns="" xmlns:a16="http://schemas.microsoft.com/office/drawing/2014/main" id="{CD9FE4EF-C4D8-49A0-B2FF-81D8DB7D8A24}"/>
+          <p:cNvPr id="14" name="Rectangle 13">
+            <a:extLst>
+              <a:ext uri="{FF2B5EF4-FFF2-40B4-BE49-F238E27FC236}">
+                <a16:creationId xmlns:a16="http://schemas.microsoft.com/office/drawing/2014/main" xmlns="" id="{CD9FE4EF-C4D8-49A0-B2FF-81D8DB7D8A24}"/>
               </a:ext>
               <a:ext uri="{C183D7F6-B498-43B3-948B-1728B52AA6E4}">
-                <adec:decorative xmlns="" xmlns:adec="http://schemas.microsoft.com/office/drawing/2017/decorative" val="1"/>
+                <adec:decorative xmlns:adec="http://schemas.microsoft.com/office/drawing/2017/decorative" xmlns="" val="1"/>
               </a:ext>
             </a:extLst>
           </p:cNvPr>
@@ -8882,7 +9091,7 @@
           <p:nvPr>
             <p:extLst>
               <p:ext uri="{386F3935-93C4-4BCD-93E2-E3B085C9AB24}">
-                <p16:designElem xmlns="" xmlns:p16="http://schemas.microsoft.com/office/powerpoint/2015/main" val="1"/>
+                <p16:designElem xmlns:p16="http://schemas.microsoft.com/office/powerpoint/2015/main" xmlns="" val="1"/>
               </p:ext>
             </p:extLst>
           </p:nvPr>
@@ -8939,13 +9148,13 @@
       </p:sp>
       <p:sp>
         <p:nvSpPr>
-          <p:cNvPr id="14" name="Rectangle 13">
-            <a:extLst>
-              <a:ext uri="{FF2B5EF4-FFF2-40B4-BE49-F238E27FC236}">
-                <a16:creationId xmlns="" xmlns:a16="http://schemas.microsoft.com/office/drawing/2014/main" id="{4300840D-0A0B-4512-BACA-B439D5B9C57C}"/>
+          <p:cNvPr id="16" name="Rectangle 15">
+            <a:extLst>
+              <a:ext uri="{FF2B5EF4-FFF2-40B4-BE49-F238E27FC236}">
+                <a16:creationId xmlns:a16="http://schemas.microsoft.com/office/drawing/2014/main" xmlns="" id="{4300840D-0A0B-4512-BACA-B439D5B9C57C}"/>
               </a:ext>
               <a:ext uri="{C183D7F6-B498-43B3-948B-1728B52AA6E4}">
-                <adec:decorative xmlns="" xmlns:adec="http://schemas.microsoft.com/office/drawing/2017/decorative" val="1"/>
+                <adec:decorative xmlns:adec="http://schemas.microsoft.com/office/drawing/2017/decorative" xmlns="" val="1"/>
               </a:ext>
             </a:extLst>
           </p:cNvPr>
@@ -8955,7 +9164,7 @@
           <p:nvPr>
             <p:extLst>
               <p:ext uri="{386F3935-93C4-4BCD-93E2-E3B085C9AB24}">
-                <p16:designElem xmlns="" xmlns:p16="http://schemas.microsoft.com/office/powerpoint/2015/main" val="1"/>
+                <p16:designElem xmlns:p16="http://schemas.microsoft.com/office/powerpoint/2015/main" xmlns="" val="1"/>
               </p:ext>
             </p:extLst>
           </p:nvPr>
@@ -9014,13 +9223,13 @@
       </p:sp>
       <p:sp>
         <p:nvSpPr>
-          <p:cNvPr id="16" name="Rectangle 15">
-            <a:extLst>
-              <a:ext uri="{FF2B5EF4-FFF2-40B4-BE49-F238E27FC236}">
-                <a16:creationId xmlns="" xmlns:a16="http://schemas.microsoft.com/office/drawing/2014/main" id="{D2B78728-A580-49A7-84F9-6EF6F583ADE0}"/>
+          <p:cNvPr id="18" name="Rectangle 17">
+            <a:extLst>
+              <a:ext uri="{FF2B5EF4-FFF2-40B4-BE49-F238E27FC236}">
+                <a16:creationId xmlns:a16="http://schemas.microsoft.com/office/drawing/2014/main" xmlns="" id="{D2B78728-A580-49A7-84F9-6EF6F583ADE0}"/>
               </a:ext>
               <a:ext uri="{C183D7F6-B498-43B3-948B-1728B52AA6E4}">
-                <adec:decorative xmlns="" xmlns:adec="http://schemas.microsoft.com/office/drawing/2017/decorative" val="1"/>
+                <adec:decorative xmlns:adec="http://schemas.microsoft.com/office/drawing/2017/decorative" xmlns="" val="1"/>
               </a:ext>
             </a:extLst>
           </p:cNvPr>
@@ -9030,7 +9239,7 @@
           <p:nvPr>
             <p:extLst>
               <p:ext uri="{386F3935-93C4-4BCD-93E2-E3B085C9AB24}">
-                <p16:designElem xmlns="" xmlns:p16="http://schemas.microsoft.com/office/powerpoint/2015/main" val="1"/>
+                <p16:designElem xmlns:p16="http://schemas.microsoft.com/office/powerpoint/2015/main" xmlns="" val="1"/>
               </p:ext>
             </p:extLst>
           </p:nvPr>
@@ -9089,13 +9298,13 @@
       </p:sp>
       <p:sp>
         <p:nvSpPr>
-          <p:cNvPr id="18" name="Freeform: Shape 17">
-            <a:extLst>
-              <a:ext uri="{FF2B5EF4-FFF2-40B4-BE49-F238E27FC236}">
-                <a16:creationId xmlns="" xmlns:a16="http://schemas.microsoft.com/office/drawing/2014/main" id="{38FAA1A1-D861-433F-88FA-1E9D6FD31D11}"/>
+          <p:cNvPr id="20" name="Freeform: Shape 19">
+            <a:extLst>
+              <a:ext uri="{FF2B5EF4-FFF2-40B4-BE49-F238E27FC236}">
+                <a16:creationId xmlns:a16="http://schemas.microsoft.com/office/drawing/2014/main" xmlns="" id="{38FAA1A1-D861-433F-88FA-1E9D6FD31D11}"/>
               </a:ext>
               <a:ext uri="{C183D7F6-B498-43B3-948B-1728B52AA6E4}">
-                <adec:decorative xmlns="" xmlns:adec="http://schemas.microsoft.com/office/drawing/2017/decorative" val="1"/>
+                <adec:decorative xmlns:adec="http://schemas.microsoft.com/office/drawing/2017/decorative" xmlns="" val="1"/>
               </a:ext>
             </a:extLst>
           </p:cNvPr>
@@ -9105,7 +9314,7 @@
           <p:nvPr>
             <p:extLst>
               <p:ext uri="{386F3935-93C4-4BCD-93E2-E3B085C9AB24}">
-                <p16:designElem xmlns="" xmlns:p16="http://schemas.microsoft.com/office/powerpoint/2015/main" val="1"/>
+                <p16:designElem xmlns:p16="http://schemas.microsoft.com/office/powerpoint/2015/main" xmlns="" val="1"/>
               </p:ext>
             </p:extLst>
           </p:nvPr>
@@ -9259,13 +9468,13 @@
       </p:sp>
       <p:sp>
         <p:nvSpPr>
-          <p:cNvPr id="20" name="Rectangle 19">
-            <a:extLst>
-              <a:ext uri="{FF2B5EF4-FFF2-40B4-BE49-F238E27FC236}">
-                <a16:creationId xmlns="" xmlns:a16="http://schemas.microsoft.com/office/drawing/2014/main" id="{8D71EDA1-87BF-4D5D-AB79-F346FD19278A}"/>
+          <p:cNvPr id="22" name="Rectangle 21">
+            <a:extLst>
+              <a:ext uri="{FF2B5EF4-FFF2-40B4-BE49-F238E27FC236}">
+                <a16:creationId xmlns:a16="http://schemas.microsoft.com/office/drawing/2014/main" xmlns="" id="{8D71EDA1-87BF-4D5D-AB79-F346FD19278A}"/>
               </a:ext>
               <a:ext uri="{C183D7F6-B498-43B3-948B-1728B52AA6E4}">
-                <adec:decorative xmlns="" xmlns:adec="http://schemas.microsoft.com/office/drawing/2017/decorative" val="1"/>
+                <adec:decorative xmlns:adec="http://schemas.microsoft.com/office/drawing/2017/decorative" xmlns="" val="1"/>
               </a:ext>
             </a:extLst>
           </p:cNvPr>
@@ -9275,7 +9484,7 @@
           <p:nvPr>
             <p:extLst>
               <p:ext uri="{386F3935-93C4-4BCD-93E2-E3B085C9AB24}">
-                <p16:designElem xmlns="" xmlns:p16="http://schemas.microsoft.com/office/powerpoint/2015/main" val="1"/>
+                <p16:designElem xmlns:p16="http://schemas.microsoft.com/office/powerpoint/2015/main" xmlns="" val="1"/>
               </p:ext>
             </p:extLst>
           </p:nvPr>
@@ -9336,45 +9545,73 @@
       </p:sp>
       <p:sp>
         <p:nvSpPr>
-          <p:cNvPr id="2" name="Title 1">
-            <a:extLst>
-              <a:ext uri="{FF2B5EF4-FFF2-40B4-BE49-F238E27FC236}">
-                <a16:creationId xmlns="" xmlns:a16="http://schemas.microsoft.com/office/drawing/2014/main" id="{2A9470E3-C8FA-4418-87ED-04EC1021CCB9}"/>
-              </a:ext>
-            </a:extLst>
-          </p:cNvPr>
-          <p:cNvSpPr>
-            <a:spLocks noGrp="1"/>
-          </p:cNvSpPr>
-          <p:nvPr>
-            <p:ph type="title"/>
-          </p:nvPr>
+          <p:cNvPr id="5" name="TextBox 4">
+            <a:extLst>
+              <a:ext uri="{FF2B5EF4-FFF2-40B4-BE49-F238E27FC236}">
+                <a16:creationId xmlns:a16="http://schemas.microsoft.com/office/drawing/2014/main" xmlns="" id="{B0BDE05E-781E-459A-A049-8EA8EE8CCFFB}"/>
+              </a:ext>
+            </a:extLst>
+          </p:cNvPr>
+          <p:cNvSpPr txBox="1"/>
+          <p:nvPr/>
         </p:nvSpPr>
         <p:spPr>
           <a:xfrm>
             <a:off x="466722" y="586855"/>
-            <a:ext cx="3201366" cy="3387497"/>
+            <a:ext cx="3201366" cy="2842145"/>
           </a:xfrm>
+          <a:prstGeom prst="rect">
+            <a:avLst/>
+          </a:prstGeom>
         </p:spPr>
         <p:txBody>
-          <a:bodyPr anchor="b">
+          <a:bodyPr vert="horz" lIns="91440" tIns="45720" rIns="91440" bIns="45720" rtlCol="0" anchor="b">
             <a:normAutofit/>
           </a:bodyPr>
           <a:lstStyle/>
           <a:p>
-            <a:pPr algn="ctr"/>
-            <a:r>
-              <a:rPr lang="en-US" sz="4800" b="1" dirty="0" smtClean="0">
+            <a:pPr algn="r">
+              <a:lnSpc>
+                <a:spcPct val="90000"/>
+              </a:lnSpc>
+              <a:spcBef>
+                <a:spcPct val="0"/>
+              </a:spcBef>
+              <a:spcAft>
+                <a:spcPts val="600"/>
+              </a:spcAft>
+            </a:pPr>
+            <a:r>
+              <a:rPr lang="en-US" sz="4000" b="1" i="0" dirty="0" smtClean="0">
                 <a:solidFill>
                   <a:srgbClr val="FFFFFF"/>
                 </a:solidFill>
+                <a:effectLst/>
+                <a:latin typeface="+mj-lt"/>
+                <a:ea typeface="+mj-ea"/>
+                <a:cs typeface="+mj-cs"/>
               </a:rPr>
-              <a:t>Modules Description</a:t>
-            </a:r>
-            <a:endParaRPr lang="en-US" sz="4800" b="1" dirty="0">
+              <a:t>Conclusion</a:t>
+            </a:r>
+            <a:r>
+              <a:rPr lang="en-US" sz="4000" b="0" i="0" kern="1200" dirty="0">
+                <a:solidFill>
+                  <a:srgbClr val="FFFFFF"/>
+                </a:solidFill>
+                <a:effectLst/>
+                <a:latin typeface="+mj-lt"/>
+                <a:ea typeface="+mj-ea"/>
+                <a:cs typeface="+mj-cs"/>
+              </a:rPr>
+              <a:t> </a:t>
+            </a:r>
+            <a:endParaRPr lang="en-US" sz="4000" kern="1200" dirty="0">
               <a:solidFill>
                 <a:srgbClr val="FFFFFF"/>
               </a:solidFill>
+              <a:latin typeface="+mj-lt"/>
+              <a:ea typeface="+mj-ea"/>
+              <a:cs typeface="+mj-cs"/>
             </a:endParaRPr>
           </a:p>
         </p:txBody>
@@ -9384,7 +9621,7 @@
           <p:cNvPr id="3" name="Content Placeholder 2">
             <a:extLst>
               <a:ext uri="{FF2B5EF4-FFF2-40B4-BE49-F238E27FC236}">
-                <a16:creationId xmlns="" xmlns:a16="http://schemas.microsoft.com/office/drawing/2014/main" id="{F9332003-4C70-45FF-8824-2E3EF7DBB1F1}"/>
+                <a16:creationId xmlns:a16="http://schemas.microsoft.com/office/drawing/2014/main" xmlns="" id="{67804383-E005-4434-A9BC-24E79A78046C}"/>
               </a:ext>
             </a:extLst>
           </p:cNvPr>
@@ -9397,68 +9634,38 @@
         </p:nvSpPr>
         <p:spPr>
           <a:xfrm>
-            <a:off x="4810259" y="649480"/>
-            <a:ext cx="6555347" cy="5546047"/>
+            <a:off x="4905053" y="1005673"/>
+            <a:ext cx="6278761" cy="5684139"/>
           </a:xfrm>
         </p:spPr>
         <p:txBody>
-          <a:bodyPr anchor="ctr">
+          <a:bodyPr vert="horz" lIns="91440" tIns="45720" rIns="91440" bIns="45720" rtlCol="0" anchor="ctr">
             <a:normAutofit/>
           </a:bodyPr>
           <a:lstStyle/>
           <a:p>
-            <a:r>
-              <a:rPr lang="en-US" sz="1600" b="1" dirty="0" smtClean="0"/>
-              <a:t>5. Career Path Mapping:</a:t>
-            </a:r>
-          </a:p>
-          <a:p>
-            <a:pPr>
+            <a:pPr marL="0" indent="0" algn="just">
               <a:buNone/>
             </a:pPr>
             <a:r>
-              <a:rPr lang="en-US" sz="1600" dirty="0" smtClean="0"/>
-              <a:t>	Description: This module guides students through a step-by-step career path based on their chosen field of study and career aspirations. It outlines the courses, internships, and experiences required for success in their desired careers.</a:t>
-            </a:r>
-          </a:p>
-          <a:p>
-            <a:r>
-              <a:rPr lang="en-US" sz="1600" b="1" dirty="0" smtClean="0"/>
-              <a:t>6. Data Security and Privacy:</a:t>
-            </a:r>
-          </a:p>
-          <a:p>
-            <a:pPr>
+              <a:rPr lang="en-US" sz="2000" dirty="0" smtClean="0"/>
+              <a:t>The "Personalized Student Career Path Guidance System" has not only met its project objectives but has also exceeded expectations by positively influencing the lives of students. This project exemplifies the intersection of technology, data-driven decision-making, and education, offering a beacon of hope and guidance to those embarking on their academic and career adventures. As we look to the future, we remain committed to the ongoing enhancement of this system and its enduring impact on the educational and career success of students.</a:t>
+            </a:r>
+          </a:p>
+          <a:p>
+            <a:pPr marL="0" indent="0" algn="just">
               <a:buNone/>
             </a:pPr>
-            <a:r>
-              <a:rPr lang="en-US" sz="1600" dirty="0" smtClean="0"/>
-              <a:t>	 Description: Ensures the confidentiality and security of student data through robust encryption, access controls, and compliance with data privacy regulations.</a:t>
-            </a:r>
-          </a:p>
-          <a:p>
-            <a:r>
-              <a:rPr lang="en-US" sz="1600" b="1" dirty="0" smtClean="0"/>
-              <a:t>7. Feedback and Improvement:</a:t>
-            </a:r>
-          </a:p>
-          <a:p>
-            <a:pPr>
-              <a:buNone/>
-            </a:pPr>
-            <a:r>
-              <a:rPr lang="en-US" sz="1600" dirty="0" smtClean="0"/>
-              <a:t>	Description: This module collects user feedback and suggestions for system improvements. It plays a crucial role in iterative enhancements to the platform's accuracy and usability.</a:t>
-            </a:r>
-          </a:p>
-        </p:txBody>
-      </p:sp>
-      <p:sp>
-        <p:nvSpPr>
-          <p:cNvPr id="11" name="TextBox 10">
-            <a:extLst>
-              <a:ext uri="{FF2B5EF4-FFF2-40B4-BE49-F238E27FC236}">
-                <a16:creationId xmlns="" xmlns:a16="http://schemas.microsoft.com/office/drawing/2014/main" id="{12256067-01CA-4411-965B-35ADBA2D96A1}"/>
+            <a:endParaRPr lang="en-US" sz="2000" dirty="0"/>
+          </a:p>
+        </p:txBody>
+      </p:sp>
+      <p:sp>
+        <p:nvSpPr>
+          <p:cNvPr id="13" name="TextBox 12">
+            <a:extLst>
+              <a:ext uri="{FF2B5EF4-FFF2-40B4-BE49-F238E27FC236}">
+                <a16:creationId xmlns:a16="http://schemas.microsoft.com/office/drawing/2014/main" xmlns="" id="{05DED99F-6ADF-47EC-A648-286AACC08588}"/>
               </a:ext>
             </a:extLst>
           </p:cNvPr>
@@ -9467,7 +9674,7 @@
         </p:nvSpPr>
         <p:spPr>
           <a:xfrm>
-            <a:off x="9263496" y="6060532"/>
+            <a:off x="9486900" y="5643563"/>
             <a:ext cx="2224753" cy="466231"/>
           </a:xfrm>
           <a:prstGeom prst="rect">
@@ -9495,7 +9702,7 @@
     </p:spTree>
     <p:extLst>
       <p:ext uri="{BB962C8B-B14F-4D97-AF65-F5344CB8AC3E}">
-        <p14:creationId xmlns="" xmlns:p14="http://schemas.microsoft.com/office/powerpoint/2010/main" val="1484824192"/>
+        <p14:creationId xmlns:p14="http://schemas.microsoft.com/office/powerpoint/2010/main" xmlns="" val="2232866023"/>
       </p:ext>
     </p:extLst>
   </p:cSld>
@@ -9505,7 +9712,7 @@
 </p:sld>
 </file>
 
-<file path=ppt/slides/slide8.xml><?xml version="1.0" encoding="utf-8"?>
+<file path=ppt/slides/slide9.xml><?xml version="1.0" encoding="utf-8"?>
 <p:sld xmlns:a="http://schemas.openxmlformats.org/drawingml/2006/main" xmlns:r="http://schemas.openxmlformats.org/officeDocument/2006/relationships" xmlns:p="http://schemas.openxmlformats.org/presentationml/2006/main">
   <p:cSld>
     <p:bg>
@@ -9532,13 +9739,13 @@
       </p:grpSpPr>
       <p:sp useBgFill="1">
         <p:nvSpPr>
-          <p:cNvPr id="8" name="Rectangle 7">
-            <a:extLst>
-              <a:ext uri="{FF2B5EF4-FFF2-40B4-BE49-F238E27FC236}">
-                <a16:creationId xmlns="" xmlns:a16="http://schemas.microsoft.com/office/drawing/2014/main" id="{09588DA8-065E-4F6F-8EFD-43104AB2E0CF}"/>
+          <p:cNvPr id="10" name="Rectangle 9">
+            <a:extLst>
+              <a:ext uri="{FF2B5EF4-FFF2-40B4-BE49-F238E27FC236}">
+                <a16:creationId xmlns:a16="http://schemas.microsoft.com/office/drawing/2014/main" xmlns="" id="{C4285719-470E-454C-AF62-8323075F1F5B}"/>
               </a:ext>
               <a:ext uri="{C183D7F6-B498-43B3-948B-1728B52AA6E4}">
-                <adec:decorative xmlns="" xmlns:adec="http://schemas.microsoft.com/office/drawing/2017/decorative" val="1"/>
+                <adec:decorative xmlns:adec="http://schemas.microsoft.com/office/drawing/2017/decorative" xmlns="" val="1"/>
               </a:ext>
             </a:extLst>
           </p:cNvPr>
@@ -9548,7 +9755,7 @@
           <p:nvPr>
             <p:extLst>
               <p:ext uri="{386F3935-93C4-4BCD-93E2-E3B085C9AB24}">
-                <p16:designElem xmlns="" xmlns:p16="http://schemas.microsoft.com/office/powerpoint/2015/main" val="1"/>
+                <p16:designElem xmlns:p16="http://schemas.microsoft.com/office/powerpoint/2015/main" xmlns="" val="1"/>
               </p:ext>
             </p:extLst>
           </p:nvPr>
@@ -9556,7 +9763,7 @@
         <p:spPr>
           <a:xfrm>
             <a:off x="0" y="0"/>
-            <a:ext cx="12192000" cy="6858000"/>
+            <a:ext cx="12188952" cy="6858000"/>
           </a:xfrm>
           <a:prstGeom prst="rect">
             <a:avLst/>
@@ -9569,7 +9776,7 @@
           <a:effectLst/>
           <a:extLst>
             <a:ext uri="{91240B29-F687-4F45-9708-019B960494DF}">
-              <a14:hiddenLine xmlns="" xmlns:a14="http://schemas.microsoft.com/office/drawing/2010/main" w="12700" cap="flat" cmpd="sng" algn="ctr">
+              <a14:hiddenLine xmlns:a14="http://schemas.microsoft.com/office/drawing/2010/main" xmlns="" w="12700" cap="flat" cmpd="sng" algn="ctr">
                 <a:solidFill>
                   <a:schemeClr val="accent1">
                     <a:shade val="50000"/>
@@ -9606,15 +9813,15 @@
           </a:p>
         </p:txBody>
       </p:sp>
-      <p:sp useBgFill="1">
-        <p:nvSpPr>
-          <p:cNvPr id="10" name="Rectangle 9">
-            <a:extLst>
-              <a:ext uri="{FF2B5EF4-FFF2-40B4-BE49-F238E27FC236}">
-                <a16:creationId xmlns="" xmlns:a16="http://schemas.microsoft.com/office/drawing/2014/main" id="{C4285719-470E-454C-AF62-8323075F1F5B}"/>
+      <p:sp>
+        <p:nvSpPr>
+          <p:cNvPr id="12" name="Rectangle 11">
+            <a:extLst>
+              <a:ext uri="{FF2B5EF4-FFF2-40B4-BE49-F238E27FC236}">
+                <a16:creationId xmlns:a16="http://schemas.microsoft.com/office/drawing/2014/main" xmlns="" id="{CD9FE4EF-C4D8-49A0-B2FF-81D8DB7D8A24}"/>
               </a:ext>
               <a:ext uri="{C183D7F6-B498-43B3-948B-1728B52AA6E4}">
-                <adec:decorative xmlns="" xmlns:adec="http://schemas.microsoft.com/office/drawing/2017/decorative" val="1"/>
+                <adec:decorative xmlns:adec="http://schemas.microsoft.com/office/drawing/2017/decorative" xmlns="" val="1"/>
               </a:ext>
             </a:extLst>
           </p:cNvPr>
@@ -9624,83 +9831,7 @@
           <p:nvPr>
             <p:extLst>
               <p:ext uri="{386F3935-93C4-4BCD-93E2-E3B085C9AB24}">
-                <p16:designElem xmlns="" xmlns:p16="http://schemas.microsoft.com/office/powerpoint/2015/main" val="1"/>
-              </p:ext>
-            </p:extLst>
-          </p:nvPr>
-        </p:nvSpPr>
-        <p:spPr>
-          <a:xfrm>
-            <a:off x="0" y="0"/>
-            <a:ext cx="12188952" cy="6858000"/>
-          </a:xfrm>
-          <a:prstGeom prst="rect">
-            <a:avLst/>
-          </a:prstGeom>
-          <a:ln w="12700" cap="flat" cmpd="sng" algn="ctr">
-            <a:noFill/>
-            <a:prstDash val="solid"/>
-            <a:miter lim="800000"/>
-          </a:ln>
-          <a:effectLst/>
-          <a:extLst>
-            <a:ext uri="{91240B29-F687-4F45-9708-019B960494DF}">
-              <a14:hiddenLine xmlns="" xmlns:a14="http://schemas.microsoft.com/office/drawing/2010/main" w="12700" cap="flat" cmpd="sng" algn="ctr">
-                <a:solidFill>
-                  <a:schemeClr val="accent1">
-                    <a:shade val="50000"/>
-                  </a:schemeClr>
-                </a:solidFill>
-                <a:prstDash val="solid"/>
-                <a:miter lim="800000"/>
-              </a14:hiddenLine>
-            </a:ext>
-          </a:extLst>
-        </p:spPr>
-        <p:style>
-          <a:lnRef idx="2">
-            <a:schemeClr val="accent1">
-              <a:shade val="50000"/>
-            </a:schemeClr>
-          </a:lnRef>
-          <a:fillRef idx="1">
-            <a:schemeClr val="accent1"/>
-          </a:fillRef>
-          <a:effectRef idx="0">
-            <a:schemeClr val="accent1"/>
-          </a:effectRef>
-          <a:fontRef idx="minor">
-            <a:schemeClr val="lt1"/>
-          </a:fontRef>
-        </p:style>
-        <p:txBody>
-          <a:bodyPr rtlCol="0" anchor="ctr"/>
-          <a:lstStyle/>
-          <a:p>
-            <a:pPr algn="ctr"/>
-            <a:endParaRPr lang="en-US"/>
-          </a:p>
-        </p:txBody>
-      </p:sp>
-      <p:sp>
-        <p:nvSpPr>
-          <p:cNvPr id="12" name="Rectangle 11">
-            <a:extLst>
-              <a:ext uri="{FF2B5EF4-FFF2-40B4-BE49-F238E27FC236}">
-                <a16:creationId xmlns="" xmlns:a16="http://schemas.microsoft.com/office/drawing/2014/main" id="{CD9FE4EF-C4D8-49A0-B2FF-81D8DB7D8A24}"/>
-              </a:ext>
-              <a:ext uri="{C183D7F6-B498-43B3-948B-1728B52AA6E4}">
-                <adec:decorative xmlns="" xmlns:adec="http://schemas.microsoft.com/office/drawing/2017/decorative" val="1"/>
-              </a:ext>
-            </a:extLst>
-          </p:cNvPr>
-          <p:cNvSpPr>
-            <a:spLocks noGrp="1" noRot="1" noChangeAspect="1" noMove="1" noResize="1" noEditPoints="1" noAdjustHandles="1" noChangeArrowheads="1" noChangeShapeType="1" noTextEdit="1"/>
-          </p:cNvSpPr>
-          <p:nvPr>
-            <p:extLst>
-              <p:ext uri="{386F3935-93C4-4BCD-93E2-E3B085C9AB24}">
-                <p16:designElem xmlns="" xmlns:p16="http://schemas.microsoft.com/office/powerpoint/2015/main" val="1"/>
+                <p16:designElem xmlns:p16="http://schemas.microsoft.com/office/powerpoint/2015/main" xmlns="" val="1"/>
               </p:ext>
             </p:extLst>
           </p:nvPr>
@@ -9760,10 +9891,10 @@
           <p:cNvPr id="14" name="Rectangle 13">
             <a:extLst>
               <a:ext uri="{FF2B5EF4-FFF2-40B4-BE49-F238E27FC236}">
-                <a16:creationId xmlns="" xmlns:a16="http://schemas.microsoft.com/office/drawing/2014/main" id="{4300840D-0A0B-4512-BACA-B439D5B9C57C}"/>
+                <a16:creationId xmlns:a16="http://schemas.microsoft.com/office/drawing/2014/main" xmlns="" id="{4300840D-0A0B-4512-BACA-B439D5B9C57C}"/>
               </a:ext>
               <a:ext uri="{C183D7F6-B498-43B3-948B-1728B52AA6E4}">
-                <adec:decorative xmlns="" xmlns:adec="http://schemas.microsoft.com/office/drawing/2017/decorative" val="1"/>
+                <adec:decorative xmlns:adec="http://schemas.microsoft.com/office/drawing/2017/decorative" xmlns="" val="1"/>
               </a:ext>
             </a:extLst>
           </p:cNvPr>
@@ -9773,7 +9904,7 @@
           <p:nvPr>
             <p:extLst>
               <p:ext uri="{386F3935-93C4-4BCD-93E2-E3B085C9AB24}">
-                <p16:designElem xmlns="" xmlns:p16="http://schemas.microsoft.com/office/powerpoint/2015/main" val="1"/>
+                <p16:designElem xmlns:p16="http://schemas.microsoft.com/office/powerpoint/2015/main" xmlns="" val="1"/>
               </p:ext>
             </p:extLst>
           </p:nvPr>
@@ -9835,10 +9966,10 @@
           <p:cNvPr id="16" name="Rectangle 15">
             <a:extLst>
               <a:ext uri="{FF2B5EF4-FFF2-40B4-BE49-F238E27FC236}">
-                <a16:creationId xmlns="" xmlns:a16="http://schemas.microsoft.com/office/drawing/2014/main" id="{D2B78728-A580-49A7-84F9-6EF6F583ADE0}"/>
+                <a16:creationId xmlns:a16="http://schemas.microsoft.com/office/drawing/2014/main" xmlns="" id="{D2B78728-A580-49A7-84F9-6EF6F583ADE0}"/>
               </a:ext>
               <a:ext uri="{C183D7F6-B498-43B3-948B-1728B52AA6E4}">
-                <adec:decorative xmlns="" xmlns:adec="http://schemas.microsoft.com/office/drawing/2017/decorative" val="1"/>
+                <adec:decorative xmlns:adec="http://schemas.microsoft.com/office/drawing/2017/decorative" xmlns="" val="1"/>
               </a:ext>
             </a:extLst>
           </p:cNvPr>
@@ -9848,7 +9979,7 @@
           <p:nvPr>
             <p:extLst>
               <p:ext uri="{386F3935-93C4-4BCD-93E2-E3B085C9AB24}">
-                <p16:designElem xmlns="" xmlns:p16="http://schemas.microsoft.com/office/powerpoint/2015/main" val="1"/>
+                <p16:designElem xmlns:p16="http://schemas.microsoft.com/office/powerpoint/2015/main" xmlns="" val="1"/>
               </p:ext>
             </p:extLst>
           </p:nvPr>
@@ -9910,10 +10041,10 @@
           <p:cNvPr id="18" name="Freeform: Shape 17">
             <a:extLst>
               <a:ext uri="{FF2B5EF4-FFF2-40B4-BE49-F238E27FC236}">
-                <a16:creationId xmlns="" xmlns:a16="http://schemas.microsoft.com/office/drawing/2014/main" id="{38FAA1A1-D861-433F-88FA-1E9D6FD31D11}"/>
+                <a16:creationId xmlns:a16="http://schemas.microsoft.com/office/drawing/2014/main" xmlns="" id="{38FAA1A1-D861-433F-88FA-1E9D6FD31D11}"/>
               </a:ext>
               <a:ext uri="{C183D7F6-B498-43B3-948B-1728B52AA6E4}">
-                <adec:decorative xmlns="" xmlns:adec="http://schemas.microsoft.com/office/drawing/2017/decorative" val="1"/>
+                <adec:decorative xmlns:adec="http://schemas.microsoft.com/office/drawing/2017/decorative" xmlns="" val="1"/>
               </a:ext>
             </a:extLst>
           </p:cNvPr>
@@ -9923,7 +10054,7 @@
           <p:nvPr>
             <p:extLst>
               <p:ext uri="{386F3935-93C4-4BCD-93E2-E3B085C9AB24}">
-                <p16:designElem xmlns="" xmlns:p16="http://schemas.microsoft.com/office/powerpoint/2015/main" val="1"/>
+                <p16:designElem xmlns:p16="http://schemas.microsoft.com/office/powerpoint/2015/main" xmlns="" val="1"/>
               </p:ext>
             </p:extLst>
           </p:nvPr>
@@ -10080,10 +10211,10 @@
           <p:cNvPr id="20" name="Rectangle 19">
             <a:extLst>
               <a:ext uri="{FF2B5EF4-FFF2-40B4-BE49-F238E27FC236}">
-                <a16:creationId xmlns="" xmlns:a16="http://schemas.microsoft.com/office/drawing/2014/main" id="{8D71EDA1-87BF-4D5D-AB79-F346FD19278A}"/>
+                <a16:creationId xmlns:a16="http://schemas.microsoft.com/office/drawing/2014/main" xmlns="" id="{8D71EDA1-87BF-4D5D-AB79-F346FD19278A}"/>
               </a:ext>
               <a:ext uri="{C183D7F6-B498-43B3-948B-1728B52AA6E4}">
-                <adec:decorative xmlns="" xmlns:adec="http://schemas.microsoft.com/office/drawing/2017/decorative" val="1"/>
+                <adec:decorative xmlns:adec="http://schemas.microsoft.com/office/drawing/2017/decorative" xmlns="" val="1"/>
               </a:ext>
             </a:extLst>
           </p:cNvPr>
@@ -10093,7 +10224,7 @@
           <p:nvPr>
             <p:extLst>
               <p:ext uri="{386F3935-93C4-4BCD-93E2-E3B085C9AB24}">
-                <p16:designElem xmlns="" xmlns:p16="http://schemas.microsoft.com/office/powerpoint/2015/main" val="1"/>
+                <p16:designElem xmlns:p16="http://schemas.microsoft.com/office/powerpoint/2015/main" xmlns="" val="1"/>
               </p:ext>
             </p:extLst>
           </p:nvPr>
@@ -10154,10 +10285,10 @@
       </p:sp>
       <p:sp>
         <p:nvSpPr>
-          <p:cNvPr id="2" name="Title 1">
-            <a:extLst>
-              <a:ext uri="{FF2B5EF4-FFF2-40B4-BE49-F238E27FC236}">
-                <a16:creationId xmlns="" xmlns:a16="http://schemas.microsoft.com/office/drawing/2014/main" id="{099853F4-453A-483E-A31B-4A3AB978EB08}"/>
+          <p:cNvPr id="3" name="Content Placeholder 2">
+            <a:extLst>
+              <a:ext uri="{FF2B5EF4-FFF2-40B4-BE49-F238E27FC236}">
+                <a16:creationId xmlns:a16="http://schemas.microsoft.com/office/drawing/2014/main" xmlns="" id="{299A7D7D-A3EB-4E0D-8DD2-E1ABD82FC171}"/>
               </a:ext>
             </a:extLst>
           </p:cNvPr>
@@ -10165,70 +10296,13 @@
             <a:spLocks noGrp="1"/>
           </p:cNvSpPr>
           <p:nvPr>
-            <p:ph type="title"/>
+            <p:ph idx="1"/>
           </p:nvPr>
         </p:nvSpPr>
         <p:spPr>
           <a:xfrm>
-            <a:off x="466722" y="586855"/>
-            <a:ext cx="3201366" cy="3387497"/>
-          </a:xfrm>
-        </p:spPr>
-        <p:txBody>
-          <a:bodyPr anchor="b">
-            <a:normAutofit/>
-          </a:bodyPr>
-          <a:lstStyle/>
-          <a:p>
-            <a:pPr algn="r"/>
-            <a:r>
-              <a:rPr lang="en-US" sz="4000" b="1" i="0" dirty="0" smtClean="0">
-                <a:solidFill>
-                  <a:srgbClr val="FFFFFF"/>
-                </a:solidFill>
-                <a:effectLst/>
-                <a:latin typeface="arial" panose="020B0604020202020204" pitchFamily="34" charset="0"/>
-              </a:rPr>
-              <a:t>Output</a:t>
-            </a:r>
-            <a:r>
-              <a:rPr lang="en-US" sz="4000" b="0" i="0" dirty="0">
-                <a:solidFill>
-                  <a:srgbClr val="FFFFFF"/>
-                </a:solidFill>
-                <a:effectLst/>
-                <a:latin typeface="arial" panose="020B0604020202020204" pitchFamily="34" charset="0"/>
-              </a:rPr>
-              <a:t> </a:t>
-            </a:r>
-            <a:endParaRPr lang="en-US" sz="4000" dirty="0">
-              <a:solidFill>
-                <a:srgbClr val="FFFFFF"/>
-              </a:solidFill>
-            </a:endParaRPr>
-          </a:p>
-        </p:txBody>
-      </p:sp>
-      <p:sp>
-        <p:nvSpPr>
-          <p:cNvPr id="3" name="Content Placeholder 2">
-            <a:extLst>
-              <a:ext uri="{FF2B5EF4-FFF2-40B4-BE49-F238E27FC236}">
-                <a16:creationId xmlns="" xmlns:a16="http://schemas.microsoft.com/office/drawing/2014/main" id="{20F70BF0-3E4C-4B04-A19F-629EA1FCD70A}"/>
-              </a:ext>
-            </a:extLst>
-          </p:cNvPr>
-          <p:cNvSpPr>
-            <a:spLocks noGrp="1"/>
-          </p:cNvSpPr>
-          <p:nvPr>
-            <p:ph idx="1"/>
-          </p:nvPr>
-        </p:nvSpPr>
-        <p:spPr>
-          <a:xfrm>
-            <a:off x="4367695" y="168812"/>
-            <a:ext cx="6787985" cy="7033846"/>
+            <a:off x="4738889" y="645836"/>
+            <a:ext cx="3025303" cy="5546047"/>
           </a:xfrm>
         </p:spPr>
         <p:txBody>
@@ -10237,112 +10311,61 @@
           </a:bodyPr>
           <a:lstStyle/>
           <a:p>
-            <a:r>
-              <a:rPr lang="en-US" sz="2000" dirty="0" smtClean="0"/>
-              <a:t>1. Improved Student </a:t>
-            </a:r>
-            <a:r>
-              <a:rPr lang="en-US" sz="2000" dirty="0" smtClean="0"/>
-              <a:t>Decision-Making</a:t>
-            </a:r>
-            <a:endParaRPr lang="en-US" sz="2000" dirty="0" smtClean="0"/>
-          </a:p>
-          <a:p>
-            <a:r>
-              <a:rPr lang="en-US" sz="2000" dirty="0" smtClean="0"/>
-              <a:t>2. Personalized </a:t>
-            </a:r>
-            <a:r>
-              <a:rPr lang="en-US" sz="2000" dirty="0" smtClean="0"/>
-              <a:t>Recommendations</a:t>
-            </a:r>
-            <a:endParaRPr lang="en-US" sz="2000" dirty="0" smtClean="0"/>
-          </a:p>
-          <a:p>
-            <a:r>
-              <a:rPr lang="en-US" sz="2000" dirty="0" smtClean="0"/>
-              <a:t>3. Increased Academic </a:t>
-            </a:r>
-            <a:r>
-              <a:rPr lang="en-US" sz="2000" dirty="0" smtClean="0"/>
-              <a:t>Excellence</a:t>
-            </a:r>
-            <a:endParaRPr lang="en-US" sz="2000" dirty="0" smtClean="0"/>
-          </a:p>
-          <a:p>
-            <a:r>
-              <a:rPr lang="en-US" sz="2000" dirty="0" smtClean="0"/>
-              <a:t>4. Clear Career </a:t>
-            </a:r>
-            <a:r>
-              <a:rPr lang="en-US" sz="2000" dirty="0" smtClean="0"/>
-              <a:t>Paths</a:t>
-            </a:r>
-            <a:endParaRPr lang="en-US" sz="2000" dirty="0" smtClean="0"/>
-          </a:p>
-          <a:p>
-            <a:r>
-              <a:rPr lang="en-US" sz="2000" dirty="0" smtClean="0"/>
-              <a:t>5. Enhanced User </a:t>
-            </a:r>
-            <a:r>
-              <a:rPr lang="en-US" sz="2000" dirty="0" smtClean="0"/>
-              <a:t>Satisfaction</a:t>
-            </a:r>
-            <a:endParaRPr lang="en-US" sz="2000" dirty="0" smtClean="0"/>
-          </a:p>
-          <a:p>
-            <a:r>
-              <a:rPr lang="en-US" sz="2000" dirty="0" smtClean="0"/>
-              <a:t>6. Evaluation and </a:t>
-            </a:r>
-            <a:r>
-              <a:rPr lang="en-US" sz="2000" dirty="0" smtClean="0"/>
-              <a:t>Improvement</a:t>
-            </a:r>
-            <a:endParaRPr lang="en-US" sz="2000" dirty="0" smtClean="0"/>
-          </a:p>
-          <a:p>
-            <a:r>
-              <a:rPr lang="en-US" sz="2000" dirty="0" smtClean="0"/>
-              <a:t>7. Enhanced Career </a:t>
-            </a:r>
-            <a:r>
-              <a:rPr lang="en-US" sz="2000" dirty="0" smtClean="0"/>
-              <a:t>Opportunities</a:t>
-            </a:r>
-            <a:endParaRPr lang="en-US" sz="2000" dirty="0" smtClean="0"/>
-          </a:p>
-          <a:p>
-            <a:r>
-              <a:rPr lang="en-US" sz="2000" dirty="0" smtClean="0"/>
-              <a:t>8. Support for Diverse </a:t>
-            </a:r>
-            <a:r>
-              <a:rPr lang="en-US" sz="2000" dirty="0" smtClean="0"/>
-              <a:t>Needs</a:t>
-            </a:r>
-            <a:endParaRPr lang="en-US" sz="2000" dirty="0" smtClean="0"/>
-          </a:p>
-          <a:p>
-            <a:r>
-              <a:rPr lang="en-US" sz="2000" dirty="0" smtClean="0"/>
-              <a:t>9. </a:t>
-            </a:r>
-            <a:r>
-              <a:rPr lang="en-US" sz="2000" dirty="0" smtClean="0"/>
-              <a:t>Scalability</a:t>
-            </a:r>
-            <a:endParaRPr lang="en-US" sz="2000" dirty="0" smtClean="0"/>
-          </a:p>
-        </p:txBody>
-      </p:sp>
+            <a:pPr marL="0" indent="0">
+              <a:buNone/>
+            </a:pPr>
+            <a:r>
+              <a:rPr lang="en-US" sz="4400" dirty="0"/>
+              <a:t>Thank you !</a:t>
+            </a:r>
+          </a:p>
+        </p:txBody>
+      </p:sp>
+      <p:pic>
+        <p:nvPicPr>
+          <p:cNvPr id="7" name="Graphic 6" descr="Right Double Quote">
+            <a:extLst>
+              <a:ext uri="{FF2B5EF4-FFF2-40B4-BE49-F238E27FC236}">
+                <a16:creationId xmlns:a16="http://schemas.microsoft.com/office/drawing/2014/main" xmlns="" id="{15A80693-52DB-4CD3-8628-47F58DBA594D}"/>
+              </a:ext>
+            </a:extLst>
+          </p:cNvPr>
+          <p:cNvPicPr>
+            <a:picLocks noChangeAspect="1"/>
+          </p:cNvPicPr>
+          <p:nvPr/>
+        </p:nvPicPr>
+        <p:blipFill>
+          <a:blip r:embed="rId2">
+            <a:extLst>
+              <a:ext uri="{28A0092B-C50C-407E-A947-70E740481C1C}">
+                <a14:useLocalDpi xmlns:a14="http://schemas.microsoft.com/office/drawing/2010/main" xmlns="" val="0"/>
+              </a:ext>
+              <a:ext uri="{96DAC541-7B7A-43D3-8B79-37D633B846F1}">
+                <asvg:svgBlip xmlns:asvg="http://schemas.microsoft.com/office/drawing/2016/SVG/main" xmlns="" r:embed="rId3"/>
+              </a:ext>
+            </a:extLst>
+          </a:blip>
+          <a:stretch>
+            <a:fillRect/>
+          </a:stretch>
+        </p:blipFill>
+        <p:spPr>
+          <a:xfrm>
+            <a:off x="8109502" y="1627051"/>
+            <a:ext cx="3615776" cy="3615776"/>
+          </a:xfrm>
+          <a:prstGeom prst="rect">
+            <a:avLst/>
+          </a:prstGeom>
+        </p:spPr>
+      </p:pic>
       <p:sp>
         <p:nvSpPr>
           <p:cNvPr id="11" name="TextBox 10">
             <a:extLst>
               <a:ext uri="{FF2B5EF4-FFF2-40B4-BE49-F238E27FC236}">
-                <a16:creationId xmlns="" xmlns:a16="http://schemas.microsoft.com/office/drawing/2014/main" id="{2FA10B8B-1B6E-485B-9ED6-E7953EE35847}"/>
+                <a16:creationId xmlns:a16="http://schemas.microsoft.com/office/drawing/2014/main" xmlns="" id="{AE8D3519-99DA-4FC9-84F7-4977FD0B88BC}"/>
               </a:ext>
             </a:extLst>
           </p:cNvPr>
@@ -10379,823 +10402,7 @@
     </p:spTree>
     <p:extLst>
       <p:ext uri="{BB962C8B-B14F-4D97-AF65-F5344CB8AC3E}">
-        <p14:creationId xmlns="" xmlns:p14="http://schemas.microsoft.com/office/powerpoint/2010/main" val="1376170196"/>
-      </p:ext>
-    </p:extLst>
-  </p:cSld>
-  <p:clrMapOvr>
-    <a:masterClrMapping/>
-  </p:clrMapOvr>
-</p:sld>
-</file>
-
-<file path=ppt/slides/slide9.xml><?xml version="1.0" encoding="utf-8"?>
-<p:sld xmlns:a="http://schemas.openxmlformats.org/drawingml/2006/main" xmlns:r="http://schemas.openxmlformats.org/officeDocument/2006/relationships" xmlns:p="http://schemas.openxmlformats.org/presentationml/2006/main">
-  <p:cSld>
-    <p:bg>
-      <p:bgPr>
-        <a:solidFill>
-          <a:schemeClr val="bg1"/>
-        </a:solidFill>
-        <a:effectLst/>
-      </p:bgPr>
-    </p:bg>
-    <p:spTree>
-      <p:nvGrpSpPr>
-        <p:cNvPr id="1" name=""/>
-        <p:cNvGrpSpPr/>
-        <p:nvPr/>
-      </p:nvGrpSpPr>
-      <p:grpSpPr>
-        <a:xfrm>
-          <a:off x="0" y="0"/>
-          <a:ext cx="0" cy="0"/>
-          <a:chOff x="0" y="0"/>
-          <a:chExt cx="0" cy="0"/>
-        </a:xfrm>
-      </p:grpSpPr>
-      <p:sp useBgFill="1">
-        <p:nvSpPr>
-          <p:cNvPr id="10" name="Rectangle 9">
-            <a:extLst>
-              <a:ext uri="{FF2B5EF4-FFF2-40B4-BE49-F238E27FC236}">
-                <a16:creationId xmlns="" xmlns:a16="http://schemas.microsoft.com/office/drawing/2014/main" id="{09588DA8-065E-4F6F-8EFD-43104AB2E0CF}"/>
-              </a:ext>
-              <a:ext uri="{C183D7F6-B498-43B3-948B-1728B52AA6E4}">
-                <adec:decorative xmlns="" xmlns:adec="http://schemas.microsoft.com/office/drawing/2017/decorative" val="1"/>
-              </a:ext>
-            </a:extLst>
-          </p:cNvPr>
-          <p:cNvSpPr>
-            <a:spLocks noGrp="1" noRot="1" noChangeAspect="1" noMove="1" noResize="1" noEditPoints="1" noAdjustHandles="1" noChangeArrowheads="1" noChangeShapeType="1" noTextEdit="1"/>
-          </p:cNvSpPr>
-          <p:nvPr>
-            <p:extLst>
-              <p:ext uri="{386F3935-93C4-4BCD-93E2-E3B085C9AB24}">
-                <p16:designElem xmlns="" xmlns:p16="http://schemas.microsoft.com/office/powerpoint/2015/main" val="1"/>
-              </p:ext>
-            </p:extLst>
-          </p:nvPr>
-        </p:nvSpPr>
-        <p:spPr>
-          <a:xfrm>
-            <a:off x="0" y="0"/>
-            <a:ext cx="12192000" cy="6858000"/>
-          </a:xfrm>
-          <a:prstGeom prst="rect">
-            <a:avLst/>
-          </a:prstGeom>
-          <a:ln w="12700" cap="flat" cmpd="sng" algn="ctr">
-            <a:noFill/>
-            <a:prstDash val="solid"/>
-            <a:miter lim="800000"/>
-          </a:ln>
-          <a:effectLst/>
-          <a:extLst>
-            <a:ext uri="{91240B29-F687-4F45-9708-019B960494DF}">
-              <a14:hiddenLine xmlns="" xmlns:a14="http://schemas.microsoft.com/office/drawing/2010/main" w="12700" cap="flat" cmpd="sng" algn="ctr">
-                <a:solidFill>
-                  <a:schemeClr val="accent1">
-                    <a:shade val="50000"/>
-                  </a:schemeClr>
-                </a:solidFill>
-                <a:prstDash val="solid"/>
-                <a:miter lim="800000"/>
-              </a14:hiddenLine>
-            </a:ext>
-          </a:extLst>
-        </p:spPr>
-        <p:style>
-          <a:lnRef idx="2">
-            <a:schemeClr val="accent1">
-              <a:shade val="50000"/>
-            </a:schemeClr>
-          </a:lnRef>
-          <a:fillRef idx="1">
-            <a:schemeClr val="accent1"/>
-          </a:fillRef>
-          <a:effectRef idx="0">
-            <a:schemeClr val="accent1"/>
-          </a:effectRef>
-          <a:fontRef idx="minor">
-            <a:schemeClr val="lt1"/>
-          </a:fontRef>
-        </p:style>
-        <p:txBody>
-          <a:bodyPr rtlCol="0" anchor="ctr"/>
-          <a:lstStyle/>
-          <a:p>
-            <a:pPr algn="ctr"/>
-            <a:endParaRPr lang="en-US"/>
-          </a:p>
-        </p:txBody>
-      </p:sp>
-      <p:sp useBgFill="1">
-        <p:nvSpPr>
-          <p:cNvPr id="12" name="Rectangle 11">
-            <a:extLst>
-              <a:ext uri="{FF2B5EF4-FFF2-40B4-BE49-F238E27FC236}">
-                <a16:creationId xmlns="" xmlns:a16="http://schemas.microsoft.com/office/drawing/2014/main" id="{C4285719-470E-454C-AF62-8323075F1F5B}"/>
-              </a:ext>
-              <a:ext uri="{C183D7F6-B498-43B3-948B-1728B52AA6E4}">
-                <adec:decorative xmlns="" xmlns:adec="http://schemas.microsoft.com/office/drawing/2017/decorative" val="1"/>
-              </a:ext>
-            </a:extLst>
-          </p:cNvPr>
-          <p:cNvSpPr>
-            <a:spLocks noGrp="1" noRot="1" noChangeAspect="1" noMove="1" noResize="1" noEditPoints="1" noAdjustHandles="1" noChangeArrowheads="1" noChangeShapeType="1" noTextEdit="1"/>
-          </p:cNvSpPr>
-          <p:nvPr>
-            <p:extLst>
-              <p:ext uri="{386F3935-93C4-4BCD-93E2-E3B085C9AB24}">
-                <p16:designElem xmlns="" xmlns:p16="http://schemas.microsoft.com/office/powerpoint/2015/main" val="1"/>
-              </p:ext>
-            </p:extLst>
-          </p:nvPr>
-        </p:nvSpPr>
-        <p:spPr>
-          <a:xfrm>
-            <a:off x="0" y="0"/>
-            <a:ext cx="12188952" cy="6858000"/>
-          </a:xfrm>
-          <a:prstGeom prst="rect">
-            <a:avLst/>
-          </a:prstGeom>
-          <a:ln w="12700" cap="flat" cmpd="sng" algn="ctr">
-            <a:noFill/>
-            <a:prstDash val="solid"/>
-            <a:miter lim="800000"/>
-          </a:ln>
-          <a:effectLst/>
-          <a:extLst>
-            <a:ext uri="{91240B29-F687-4F45-9708-019B960494DF}">
-              <a14:hiddenLine xmlns="" xmlns:a14="http://schemas.microsoft.com/office/drawing/2010/main" w="12700" cap="flat" cmpd="sng" algn="ctr">
-                <a:solidFill>
-                  <a:schemeClr val="accent1">
-                    <a:shade val="50000"/>
-                  </a:schemeClr>
-                </a:solidFill>
-                <a:prstDash val="solid"/>
-                <a:miter lim="800000"/>
-              </a14:hiddenLine>
-            </a:ext>
-          </a:extLst>
-        </p:spPr>
-        <p:style>
-          <a:lnRef idx="2">
-            <a:schemeClr val="accent1">
-              <a:shade val="50000"/>
-            </a:schemeClr>
-          </a:lnRef>
-          <a:fillRef idx="1">
-            <a:schemeClr val="accent1"/>
-          </a:fillRef>
-          <a:effectRef idx="0">
-            <a:schemeClr val="accent1"/>
-          </a:effectRef>
-          <a:fontRef idx="minor">
-            <a:schemeClr val="lt1"/>
-          </a:fontRef>
-        </p:style>
-        <p:txBody>
-          <a:bodyPr rtlCol="0" anchor="ctr"/>
-          <a:lstStyle/>
-          <a:p>
-            <a:pPr algn="ctr"/>
-            <a:endParaRPr lang="en-US"/>
-          </a:p>
-        </p:txBody>
-      </p:sp>
-      <p:sp>
-        <p:nvSpPr>
-          <p:cNvPr id="14" name="Rectangle 13">
-            <a:extLst>
-              <a:ext uri="{FF2B5EF4-FFF2-40B4-BE49-F238E27FC236}">
-                <a16:creationId xmlns="" xmlns:a16="http://schemas.microsoft.com/office/drawing/2014/main" id="{CD9FE4EF-C4D8-49A0-B2FF-81D8DB7D8A24}"/>
-              </a:ext>
-              <a:ext uri="{C183D7F6-B498-43B3-948B-1728B52AA6E4}">
-                <adec:decorative xmlns="" xmlns:adec="http://schemas.microsoft.com/office/drawing/2017/decorative" val="1"/>
-              </a:ext>
-            </a:extLst>
-          </p:cNvPr>
-          <p:cNvSpPr>
-            <a:spLocks noGrp="1" noRot="1" noChangeAspect="1" noMove="1" noResize="1" noEditPoints="1" noAdjustHandles="1" noChangeArrowheads="1" noChangeShapeType="1" noTextEdit="1"/>
-          </p:cNvSpPr>
-          <p:nvPr>
-            <p:extLst>
-              <p:ext uri="{386F3935-93C4-4BCD-93E2-E3B085C9AB24}">
-                <p16:designElem xmlns="" xmlns:p16="http://schemas.microsoft.com/office/powerpoint/2015/main" val="1"/>
-              </p:ext>
-            </p:extLst>
-          </p:nvPr>
-        </p:nvSpPr>
-        <p:spPr>
-          <a:xfrm rot="5400000" flipH="1">
-            <a:off x="-1410084" y="1410082"/>
-            <a:ext cx="6858000" cy="4037836"/>
-          </a:xfrm>
-          <a:prstGeom prst="rect">
-            <a:avLst/>
-          </a:prstGeom>
-          <a:gradFill>
-            <a:gsLst>
-              <a:gs pos="8000">
-                <a:srgbClr val="000000"/>
-              </a:gs>
-              <a:gs pos="100000">
-                <a:schemeClr val="accent1">
-                  <a:lumMod val="75000"/>
-                </a:schemeClr>
-              </a:gs>
-            </a:gsLst>
-            <a:lin ang="3000000" scaled="0"/>
-          </a:gradFill>
-          <a:ln>
-            <a:noFill/>
-          </a:ln>
-        </p:spPr>
-        <p:style>
-          <a:lnRef idx="2">
-            <a:schemeClr val="accent1">
-              <a:shade val="50000"/>
-            </a:schemeClr>
-          </a:lnRef>
-          <a:fillRef idx="1">
-            <a:schemeClr val="accent1"/>
-          </a:fillRef>
-          <a:effectRef idx="0">
-            <a:schemeClr val="accent1"/>
-          </a:effectRef>
-          <a:fontRef idx="minor">
-            <a:schemeClr val="lt1"/>
-          </a:fontRef>
-        </p:style>
-        <p:txBody>
-          <a:bodyPr rtlCol="0" anchor="ctr"/>
-          <a:lstStyle/>
-          <a:p>
-            <a:pPr algn="ctr"/>
-            <a:endParaRPr lang="en-US"/>
-          </a:p>
-        </p:txBody>
-      </p:sp>
-      <p:sp>
-        <p:nvSpPr>
-          <p:cNvPr id="16" name="Rectangle 15">
-            <a:extLst>
-              <a:ext uri="{FF2B5EF4-FFF2-40B4-BE49-F238E27FC236}">
-                <a16:creationId xmlns="" xmlns:a16="http://schemas.microsoft.com/office/drawing/2014/main" id="{4300840D-0A0B-4512-BACA-B439D5B9C57C}"/>
-              </a:ext>
-              <a:ext uri="{C183D7F6-B498-43B3-948B-1728B52AA6E4}">
-                <adec:decorative xmlns="" xmlns:adec="http://schemas.microsoft.com/office/drawing/2017/decorative" val="1"/>
-              </a:ext>
-            </a:extLst>
-          </p:cNvPr>
-          <p:cNvSpPr>
-            <a:spLocks noGrp="1" noRot="1" noChangeAspect="1" noMove="1" noResize="1" noEditPoints="1" noAdjustHandles="1" noChangeArrowheads="1" noChangeShapeType="1" noTextEdit="1"/>
-          </p:cNvSpPr>
-          <p:nvPr>
-            <p:extLst>
-              <p:ext uri="{386F3935-93C4-4BCD-93E2-E3B085C9AB24}">
-                <p16:designElem xmlns="" xmlns:p16="http://schemas.microsoft.com/office/powerpoint/2015/main" val="1"/>
-              </p:ext>
-            </p:extLst>
-          </p:nvPr>
-        </p:nvSpPr>
-        <p:spPr>
-          <a:xfrm rot="5400000" flipH="1">
-            <a:off x="-1410085" y="1420219"/>
-            <a:ext cx="6857999" cy="4037839"/>
-          </a:xfrm>
-          <a:prstGeom prst="rect">
-            <a:avLst/>
-          </a:prstGeom>
-          <a:gradFill>
-            <a:gsLst>
-              <a:gs pos="0">
-                <a:srgbClr val="000000">
-                  <a:alpha val="0"/>
-                </a:srgbClr>
-              </a:gs>
-              <a:gs pos="99000">
-                <a:schemeClr val="accent1">
-                  <a:alpha val="46000"/>
-                </a:schemeClr>
-              </a:gs>
-            </a:gsLst>
-            <a:lin ang="1800000" scaled="0"/>
-          </a:gradFill>
-          <a:ln>
-            <a:noFill/>
-          </a:ln>
-        </p:spPr>
-        <p:style>
-          <a:lnRef idx="2">
-            <a:schemeClr val="accent1">
-              <a:shade val="50000"/>
-            </a:schemeClr>
-          </a:lnRef>
-          <a:fillRef idx="1">
-            <a:schemeClr val="accent1"/>
-          </a:fillRef>
-          <a:effectRef idx="0">
-            <a:schemeClr val="accent1"/>
-          </a:effectRef>
-          <a:fontRef idx="minor">
-            <a:schemeClr val="lt1"/>
-          </a:fontRef>
-        </p:style>
-        <p:txBody>
-          <a:bodyPr rtlCol="0" anchor="ctr"/>
-          <a:lstStyle/>
-          <a:p>
-            <a:pPr algn="ctr"/>
-            <a:endParaRPr lang="en-US"/>
-          </a:p>
-        </p:txBody>
-      </p:sp>
-      <p:sp>
-        <p:nvSpPr>
-          <p:cNvPr id="18" name="Rectangle 17">
-            <a:extLst>
-              <a:ext uri="{FF2B5EF4-FFF2-40B4-BE49-F238E27FC236}">
-                <a16:creationId xmlns="" xmlns:a16="http://schemas.microsoft.com/office/drawing/2014/main" id="{D2B78728-A580-49A7-84F9-6EF6F583ADE0}"/>
-              </a:ext>
-              <a:ext uri="{C183D7F6-B498-43B3-948B-1728B52AA6E4}">
-                <adec:decorative xmlns="" xmlns:adec="http://schemas.microsoft.com/office/drawing/2017/decorative" val="1"/>
-              </a:ext>
-            </a:extLst>
-          </p:cNvPr>
-          <p:cNvSpPr>
-            <a:spLocks noGrp="1" noRot="1" noChangeAspect="1" noMove="1" noResize="1" noEditPoints="1" noAdjustHandles="1" noChangeArrowheads="1" noChangeShapeType="1" noTextEdit="1"/>
-          </p:cNvSpPr>
-          <p:nvPr>
-            <p:extLst>
-              <p:ext uri="{386F3935-93C4-4BCD-93E2-E3B085C9AB24}">
-                <p16:designElem xmlns="" xmlns:p16="http://schemas.microsoft.com/office/powerpoint/2015/main" val="1"/>
-              </p:ext>
-            </p:extLst>
-          </p:nvPr>
-        </p:nvSpPr>
-        <p:spPr>
-          <a:xfrm rot="5400000" flipH="1">
-            <a:off x="767923" y="3588085"/>
-            <a:ext cx="2501979" cy="4037841"/>
-          </a:xfrm>
-          <a:prstGeom prst="rect">
-            <a:avLst/>
-          </a:prstGeom>
-          <a:gradFill>
-            <a:gsLst>
-              <a:gs pos="2000">
-                <a:schemeClr val="accent1">
-                  <a:alpha val="29000"/>
-                </a:schemeClr>
-              </a:gs>
-              <a:gs pos="100000">
-                <a:srgbClr val="000000">
-                  <a:alpha val="30000"/>
-                </a:srgbClr>
-              </a:gs>
-            </a:gsLst>
-            <a:lin ang="7800000" scaled="0"/>
-          </a:gradFill>
-          <a:ln>
-            <a:noFill/>
-          </a:ln>
-        </p:spPr>
-        <p:style>
-          <a:lnRef idx="2">
-            <a:schemeClr val="accent1">
-              <a:shade val="50000"/>
-            </a:schemeClr>
-          </a:lnRef>
-          <a:fillRef idx="1">
-            <a:schemeClr val="accent1"/>
-          </a:fillRef>
-          <a:effectRef idx="0">
-            <a:schemeClr val="accent1"/>
-          </a:effectRef>
-          <a:fontRef idx="minor">
-            <a:schemeClr val="lt1"/>
-          </a:fontRef>
-        </p:style>
-        <p:txBody>
-          <a:bodyPr rtlCol="0" anchor="ctr"/>
-          <a:lstStyle/>
-          <a:p>
-            <a:pPr algn="ctr"/>
-            <a:endParaRPr lang="en-US" dirty="0"/>
-          </a:p>
-        </p:txBody>
-      </p:sp>
-      <p:sp>
-        <p:nvSpPr>
-          <p:cNvPr id="20" name="Freeform: Shape 19">
-            <a:extLst>
-              <a:ext uri="{FF2B5EF4-FFF2-40B4-BE49-F238E27FC236}">
-                <a16:creationId xmlns="" xmlns:a16="http://schemas.microsoft.com/office/drawing/2014/main" id="{38FAA1A1-D861-433F-88FA-1E9D6FD31D11}"/>
-              </a:ext>
-              <a:ext uri="{C183D7F6-B498-43B3-948B-1728B52AA6E4}">
-                <adec:decorative xmlns="" xmlns:adec="http://schemas.microsoft.com/office/drawing/2017/decorative" val="1"/>
-              </a:ext>
-            </a:extLst>
-          </p:cNvPr>
-          <p:cNvSpPr>
-            <a:spLocks noGrp="1" noRot="1" noChangeAspect="1" noMove="1" noResize="1" noEditPoints="1" noAdjustHandles="1" noChangeArrowheads="1" noChangeShapeType="1" noTextEdit="1"/>
-          </p:cNvSpPr>
-          <p:nvPr>
-            <p:extLst>
-              <p:ext uri="{386F3935-93C4-4BCD-93E2-E3B085C9AB24}">
-                <p16:designElem xmlns="" xmlns:p16="http://schemas.microsoft.com/office/powerpoint/2015/main" val="1"/>
-              </p:ext>
-            </p:extLst>
-          </p:nvPr>
-        </p:nvSpPr>
-        <p:spPr>
-          <a:xfrm rot="20635413">
-            <a:off x="-501737" y="969718"/>
-            <a:ext cx="3900357" cy="4178958"/>
-          </a:xfrm>
-          <a:custGeom>
-            <a:avLst/>
-            <a:gdLst>
-              <a:gd name="connsiteX0" fmla="*/ 2432225 w 3900357"/>
-              <a:gd name="connsiteY0" fmla="*/ 93939 h 4178958"/>
-              <a:gd name="connsiteX1" fmla="*/ 3900357 w 3900357"/>
-              <a:gd name="connsiteY1" fmla="*/ 2089479 h 4178958"/>
-              <a:gd name="connsiteX2" fmla="*/ 1810878 w 3900357"/>
-              <a:gd name="connsiteY2" fmla="*/ 4178958 h 4178958"/>
-              <a:gd name="connsiteX3" fmla="*/ 78249 w 3900357"/>
-              <a:gd name="connsiteY3" fmla="*/ 3257727 h 4178958"/>
-              <a:gd name="connsiteX4" fmla="*/ 0 w 3900357"/>
-              <a:gd name="connsiteY4" fmla="*/ 3128923 h 4178958"/>
-              <a:gd name="connsiteX5" fmla="*/ 831324 w 3900357"/>
-              <a:gd name="connsiteY5" fmla="*/ 244281 h 4178958"/>
-              <a:gd name="connsiteX6" fmla="*/ 997559 w 3900357"/>
-              <a:gd name="connsiteY6" fmla="*/ 164202 h 4178958"/>
-              <a:gd name="connsiteX7" fmla="*/ 1810878 w 3900357"/>
-              <a:gd name="connsiteY7" fmla="*/ 0 h 4178958"/>
-              <a:gd name="connsiteX8" fmla="*/ 2432225 w 3900357"/>
-              <a:gd name="connsiteY8" fmla="*/ 93939 h 4178958"/>
-            </a:gdLst>
-            <a:ahLst/>
-            <a:cxnLst>
-              <a:cxn ang="0">
-                <a:pos x="connsiteX0" y="connsiteY0"/>
-              </a:cxn>
-              <a:cxn ang="0">
-                <a:pos x="connsiteX1" y="connsiteY1"/>
-              </a:cxn>
-              <a:cxn ang="0">
-                <a:pos x="connsiteX2" y="connsiteY2"/>
-              </a:cxn>
-              <a:cxn ang="0">
-                <a:pos x="connsiteX3" y="connsiteY3"/>
-              </a:cxn>
-              <a:cxn ang="0">
-                <a:pos x="connsiteX4" y="connsiteY4"/>
-              </a:cxn>
-              <a:cxn ang="0">
-                <a:pos x="connsiteX5" y="connsiteY5"/>
-              </a:cxn>
-              <a:cxn ang="0">
-                <a:pos x="connsiteX6" y="connsiteY6"/>
-              </a:cxn>
-              <a:cxn ang="0">
-                <a:pos x="connsiteX7" y="connsiteY7"/>
-              </a:cxn>
-              <a:cxn ang="0">
-                <a:pos x="connsiteX8" y="connsiteY8"/>
-              </a:cxn>
-            </a:cxnLst>
-            <a:rect l="l" t="t" r="r" b="b"/>
-            <a:pathLst>
-              <a:path w="3900357" h="4178958">
-                <a:moveTo>
-                  <a:pt x="2432225" y="93939"/>
-                </a:moveTo>
-                <a:cubicBezTo>
-                  <a:pt x="3282786" y="358491"/>
-                  <a:pt x="3900357" y="1151865"/>
-                  <a:pt x="3900357" y="2089479"/>
-                </a:cubicBezTo>
-                <a:cubicBezTo>
-                  <a:pt x="3900357" y="3243466"/>
-                  <a:pt x="2964865" y="4178958"/>
-                  <a:pt x="1810878" y="4178958"/>
-                </a:cubicBezTo>
-                <a:cubicBezTo>
-                  <a:pt x="1089636" y="4178958"/>
-                  <a:pt x="453744" y="3813531"/>
-                  <a:pt x="78249" y="3257727"/>
-                </a:cubicBezTo>
-                <a:lnTo>
-                  <a:pt x="0" y="3128923"/>
-                </a:lnTo>
-                <a:lnTo>
-                  <a:pt x="831324" y="244281"/>
-                </a:lnTo>
-                <a:lnTo>
-                  <a:pt x="997559" y="164202"/>
-                </a:lnTo>
-                <a:cubicBezTo>
-                  <a:pt x="1247540" y="58468"/>
-                  <a:pt x="1522381" y="0"/>
-                  <a:pt x="1810878" y="0"/>
-                </a:cubicBezTo>
-                <a:cubicBezTo>
-                  <a:pt x="2027251" y="0"/>
-                  <a:pt x="2235942" y="32888"/>
-                  <a:pt x="2432225" y="93939"/>
-                </a:cubicBezTo>
-                <a:close/>
-              </a:path>
-            </a:pathLst>
-          </a:custGeom>
-          <a:gradFill>
-            <a:gsLst>
-              <a:gs pos="29000">
-                <a:srgbClr val="000000">
-                  <a:alpha val="0"/>
-                </a:srgbClr>
-              </a:gs>
-              <a:gs pos="100000">
-                <a:schemeClr val="accent1">
-                  <a:alpha val="43000"/>
-                </a:schemeClr>
-              </a:gs>
-            </a:gsLst>
-            <a:lin ang="1800000" scaled="0"/>
-          </a:gradFill>
-          <a:ln>
-            <a:noFill/>
-          </a:ln>
-        </p:spPr>
-        <p:style>
-          <a:lnRef idx="2">
-            <a:schemeClr val="accent1">
-              <a:shade val="50000"/>
-            </a:schemeClr>
-          </a:lnRef>
-          <a:fillRef idx="1">
-            <a:schemeClr val="accent1"/>
-          </a:fillRef>
-          <a:effectRef idx="0">
-            <a:schemeClr val="accent1"/>
-          </a:effectRef>
-          <a:fontRef idx="minor">
-            <a:schemeClr val="lt1"/>
-          </a:fontRef>
-        </p:style>
-        <p:txBody>
-          <a:bodyPr wrap="square" rtlCol="0" anchor="ctr">
-            <a:noAutofit/>
-          </a:bodyPr>
-          <a:lstStyle/>
-          <a:p>
-            <a:pPr algn="ctr"/>
-            <a:endParaRPr lang="en-US" dirty="0"/>
-          </a:p>
-        </p:txBody>
-      </p:sp>
-      <p:sp>
-        <p:nvSpPr>
-          <p:cNvPr id="22" name="Rectangle 21">
-            <a:extLst>
-              <a:ext uri="{FF2B5EF4-FFF2-40B4-BE49-F238E27FC236}">
-                <a16:creationId xmlns="" xmlns:a16="http://schemas.microsoft.com/office/drawing/2014/main" id="{8D71EDA1-87BF-4D5D-AB79-F346FD19278A}"/>
-              </a:ext>
-              <a:ext uri="{C183D7F6-B498-43B3-948B-1728B52AA6E4}">
-                <adec:decorative xmlns="" xmlns:adec="http://schemas.microsoft.com/office/drawing/2017/decorative" val="1"/>
-              </a:ext>
-            </a:extLst>
-          </p:cNvPr>
-          <p:cNvSpPr>
-            <a:spLocks noGrp="1" noRot="1" noChangeAspect="1" noMove="1" noResize="1" noEditPoints="1" noAdjustHandles="1" noChangeArrowheads="1" noChangeShapeType="1" noTextEdit="1"/>
-          </p:cNvSpPr>
-          <p:nvPr>
-            <p:extLst>
-              <p:ext uri="{386F3935-93C4-4BCD-93E2-E3B085C9AB24}">
-                <p16:designElem xmlns="" xmlns:p16="http://schemas.microsoft.com/office/powerpoint/2015/main" val="1"/>
-              </p:ext>
-            </p:extLst>
-          </p:nvPr>
-        </p:nvSpPr>
-        <p:spPr>
-          <a:xfrm rot="5400000" flipH="1">
-            <a:off x="-1410093" y="1399943"/>
-            <a:ext cx="6858003" cy="4037835"/>
-          </a:xfrm>
-          <a:prstGeom prst="rect">
-            <a:avLst/>
-          </a:prstGeom>
-          <a:gradFill>
-            <a:gsLst>
-              <a:gs pos="0">
-                <a:srgbClr val="000000">
-                  <a:alpha val="0"/>
-                </a:srgbClr>
-              </a:gs>
-              <a:gs pos="99000">
-                <a:schemeClr val="accent1">
-                  <a:lumMod val="60000"/>
-                  <a:lumOff val="40000"/>
-                  <a:alpha val="11000"/>
-                </a:schemeClr>
-              </a:gs>
-            </a:gsLst>
-            <a:lin ang="7200000" scaled="0"/>
-          </a:gradFill>
-          <a:ln>
-            <a:noFill/>
-          </a:ln>
-        </p:spPr>
-        <p:style>
-          <a:lnRef idx="2">
-            <a:schemeClr val="accent1">
-              <a:shade val="50000"/>
-            </a:schemeClr>
-          </a:lnRef>
-          <a:fillRef idx="1">
-            <a:schemeClr val="accent1"/>
-          </a:fillRef>
-          <a:effectRef idx="0">
-            <a:schemeClr val="accent1"/>
-          </a:effectRef>
-          <a:fontRef idx="minor">
-            <a:schemeClr val="lt1"/>
-          </a:fontRef>
-        </p:style>
-        <p:txBody>
-          <a:bodyPr rtlCol="0" anchor="ctr"/>
-          <a:lstStyle/>
-          <a:p>
-            <a:pPr algn="ctr"/>
-            <a:endParaRPr lang="en-US"/>
-          </a:p>
-        </p:txBody>
-      </p:sp>
-      <p:sp>
-        <p:nvSpPr>
-          <p:cNvPr id="5" name="TextBox 4">
-            <a:extLst>
-              <a:ext uri="{FF2B5EF4-FFF2-40B4-BE49-F238E27FC236}">
-                <a16:creationId xmlns="" xmlns:a16="http://schemas.microsoft.com/office/drawing/2014/main" id="{B0BDE05E-781E-459A-A049-8EA8EE8CCFFB}"/>
-              </a:ext>
-            </a:extLst>
-          </p:cNvPr>
-          <p:cNvSpPr txBox="1"/>
-          <p:nvPr/>
-        </p:nvSpPr>
-        <p:spPr>
-          <a:xfrm>
-            <a:off x="466722" y="586855"/>
-            <a:ext cx="3201366" cy="2842145"/>
-          </a:xfrm>
-          <a:prstGeom prst="rect">
-            <a:avLst/>
-          </a:prstGeom>
-        </p:spPr>
-        <p:txBody>
-          <a:bodyPr vert="horz" lIns="91440" tIns="45720" rIns="91440" bIns="45720" rtlCol="0" anchor="b">
-            <a:normAutofit/>
-          </a:bodyPr>
-          <a:lstStyle/>
-          <a:p>
-            <a:pPr algn="r">
-              <a:lnSpc>
-                <a:spcPct val="90000"/>
-              </a:lnSpc>
-              <a:spcBef>
-                <a:spcPct val="0"/>
-              </a:spcBef>
-              <a:spcAft>
-                <a:spcPts val="600"/>
-              </a:spcAft>
-            </a:pPr>
-            <a:r>
-              <a:rPr lang="en-US" sz="4000" b="1" i="0" dirty="0" smtClean="0">
-                <a:solidFill>
-                  <a:srgbClr val="FFFFFF"/>
-                </a:solidFill>
-                <a:effectLst/>
-                <a:latin typeface="+mj-lt"/>
-                <a:ea typeface="+mj-ea"/>
-                <a:cs typeface="+mj-cs"/>
-              </a:rPr>
-              <a:t>Conclusion</a:t>
-            </a:r>
-            <a:r>
-              <a:rPr lang="en-US" sz="4000" b="0" i="0" kern="1200" dirty="0">
-                <a:solidFill>
-                  <a:srgbClr val="FFFFFF"/>
-                </a:solidFill>
-                <a:effectLst/>
-                <a:latin typeface="+mj-lt"/>
-                <a:ea typeface="+mj-ea"/>
-                <a:cs typeface="+mj-cs"/>
-              </a:rPr>
-              <a:t> </a:t>
-            </a:r>
-            <a:endParaRPr lang="en-US" sz="4000" kern="1200" dirty="0">
-              <a:solidFill>
-                <a:srgbClr val="FFFFFF"/>
-              </a:solidFill>
-              <a:latin typeface="+mj-lt"/>
-              <a:ea typeface="+mj-ea"/>
-              <a:cs typeface="+mj-cs"/>
-            </a:endParaRPr>
-          </a:p>
-        </p:txBody>
-      </p:sp>
-      <p:sp>
-        <p:nvSpPr>
-          <p:cNvPr id="3" name="Content Placeholder 2">
-            <a:extLst>
-              <a:ext uri="{FF2B5EF4-FFF2-40B4-BE49-F238E27FC236}">
-                <a16:creationId xmlns="" xmlns:a16="http://schemas.microsoft.com/office/drawing/2014/main" id="{67804383-E005-4434-A9BC-24E79A78046C}"/>
-              </a:ext>
-            </a:extLst>
-          </p:cNvPr>
-          <p:cNvSpPr>
-            <a:spLocks noGrp="1"/>
-          </p:cNvSpPr>
-          <p:nvPr>
-            <p:ph idx="1"/>
-          </p:nvPr>
-        </p:nvSpPr>
-        <p:spPr>
-          <a:xfrm>
-            <a:off x="4905053" y="1005673"/>
-            <a:ext cx="6278761" cy="5684139"/>
-          </a:xfrm>
-        </p:spPr>
-        <p:txBody>
-          <a:bodyPr vert="horz" lIns="91440" tIns="45720" rIns="91440" bIns="45720" rtlCol="0" anchor="ctr">
-            <a:normAutofit/>
-          </a:bodyPr>
-          <a:lstStyle/>
-          <a:p>
-            <a:pPr marL="0" indent="0" algn="just">
-              <a:buNone/>
-            </a:pPr>
-            <a:r>
-              <a:rPr lang="en-US" sz="2000" dirty="0" smtClean="0"/>
-              <a:t>The "Personalized Student Career Path Guidance System" has not only met its project objectives but has also exceeded expectations by positively influencing the lives of students. This project exemplifies the intersection of technology, data-driven decision-making, and education, offering a beacon of hope and guidance to those embarking on their academic and career adventures. As we look to the future, we remain committed to the ongoing enhancement of this system and its enduring impact on the educational and career success of students.</a:t>
-            </a:r>
-          </a:p>
-          <a:p>
-            <a:pPr marL="0" indent="0" algn="just">
-              <a:buNone/>
-            </a:pPr>
-            <a:endParaRPr lang="en-US" sz="2000" dirty="0"/>
-          </a:p>
-        </p:txBody>
-      </p:sp>
-      <p:sp>
-        <p:nvSpPr>
-          <p:cNvPr id="13" name="TextBox 12">
-            <a:extLst>
-              <a:ext uri="{FF2B5EF4-FFF2-40B4-BE49-F238E27FC236}">
-                <a16:creationId xmlns="" xmlns:a16="http://schemas.microsoft.com/office/drawing/2014/main" id="{05DED99F-6ADF-47EC-A648-286AACC08588}"/>
-              </a:ext>
-            </a:extLst>
-          </p:cNvPr>
-          <p:cNvSpPr txBox="1"/>
-          <p:nvPr/>
-        </p:nvSpPr>
-        <p:spPr>
-          <a:xfrm>
-            <a:off x="9486900" y="5643563"/>
-            <a:ext cx="2224753" cy="466231"/>
-          </a:xfrm>
-          <a:prstGeom prst="rect">
-            <a:avLst/>
-          </a:prstGeom>
-        </p:spPr>
-        <p:txBody>
-          <a:bodyPr vert="horz" lIns="91440" tIns="45720" rIns="91440" bIns="45720" rtlCol="0">
-            <a:normAutofit/>
-          </a:bodyPr>
-          <a:lstStyle/>
-          <a:p>
-            <a:pPr>
-              <a:lnSpc>
-                <a:spcPct val="90000"/>
-              </a:lnSpc>
-              <a:spcAft>
-                <a:spcPts val="600"/>
-              </a:spcAft>
-            </a:pPr>
-            <a:endParaRPr lang="en-US" sz="2000" dirty="0"/>
-          </a:p>
-        </p:txBody>
-      </p:sp>
-    </p:spTree>
-    <p:extLst>
-      <p:ext uri="{BB962C8B-B14F-4D97-AF65-F5344CB8AC3E}">
-        <p14:creationId xmlns="" xmlns:p14="http://schemas.microsoft.com/office/powerpoint/2010/main" val="2232866023"/>
+        <p14:creationId xmlns:p14="http://schemas.microsoft.com/office/powerpoint/2010/main" xmlns="" val="1307769778"/>
       </p:ext>
     </p:extLst>
   </p:cSld>
@@ -11494,7 +10701,7 @@
   <a:extraClrSchemeLst/>
   <a:extLst>
     <a:ext uri="{05A4C25C-085E-4340-85A3-A5531E510DB2}">
-      <thm15:themeFamily xmlns="" xmlns:thm15="http://schemas.microsoft.com/office/thememl/2012/main" name="Office Theme" id="{62F939B6-93AF-4DB8-9C6B-D6C7DFDC589F}" vid="{4A3C46E8-61CC-4603-A589-7422A47A8E4A}"/>
+      <thm15:themeFamily xmlns:thm15="http://schemas.microsoft.com/office/thememl/2012/main" xmlns="" name="Office Theme" id="{62F939B6-93AF-4DB8-9C6B-D6C7DFDC589F}" vid="{4A3C46E8-61CC-4603-A589-7422A47A8E4A}"/>
     </a:ext>
   </a:extLst>
 </a:theme>
@@ -11789,7 +10996,7 @@
   <a:extraClrSchemeLst/>
   <a:extLst>
     <a:ext uri="{05A4C25C-085E-4340-85A3-A5531E510DB2}">
-      <thm15:themeFamily xmlns="" xmlns:thm15="http://schemas.microsoft.com/office/thememl/2012/main" name="Office Theme" id="{62F939B6-93AF-4DB8-9C6B-D6C7DFDC589F}" vid="{4A3C46E8-61CC-4603-A589-7422A47A8E4A}"/>
+      <thm15:themeFamily xmlns:thm15="http://schemas.microsoft.com/office/thememl/2012/main" xmlns="" name="Office Theme" id="{62F939B6-93AF-4DB8-9C6B-D6C7DFDC589F}" vid="{4A3C46E8-61CC-4603-A589-7422A47A8E4A}"/>
     </a:ext>
   </a:extLst>
 </a:theme>
